--- a/ppt/ARX算法的差分—线性攻击.pptx
+++ b/ppt/ARX算法的差分—线性攻击.pptx
@@ -1,31 +1,31 @@
 
 <file path=ppt/presentation.xml><?xml version="1.0" encoding="utf-8"?>
-<p:presentation xmlns:a="http://schemas.openxmlformats.org/drawingml/2006/main" xmlns:r="http://schemas.openxmlformats.org/officeDocument/2006/relationships" xmlns:p="http://schemas.openxmlformats.org/presentationml/2006/main" saveSubsetFonts="1">
+<p:presentation xmlns:a="http://schemas.openxmlformats.org/drawingml/2006/main" xmlns:r="http://schemas.openxmlformats.org/officeDocument/2006/relationships" xmlns:p="http://schemas.openxmlformats.org/presentationml/2006/main">
   <p:sldMasterIdLst>
     <p:sldMasterId id="2147483648" r:id="rId1"/>
   </p:sldMasterIdLst>
   <p:notesMasterIdLst>
-    <p:notesMasterId r:id="rId20"/>
+    <p:notesMasterId r:id="rId5"/>
   </p:notesMasterIdLst>
   <p:sldIdLst>
-    <p:sldId id="256" r:id="rId2"/>
-    <p:sldId id="257" r:id="rId3"/>
-    <p:sldId id="258" r:id="rId4"/>
-    <p:sldId id="260" r:id="rId5"/>
-    <p:sldId id="261" r:id="rId6"/>
-    <p:sldId id="263" r:id="rId7"/>
-    <p:sldId id="259" r:id="rId8"/>
-    <p:sldId id="262" r:id="rId9"/>
-    <p:sldId id="264" r:id="rId10"/>
-    <p:sldId id="265" r:id="rId11"/>
-    <p:sldId id="267" r:id="rId12"/>
-    <p:sldId id="266" r:id="rId13"/>
-    <p:sldId id="270" r:id="rId14"/>
-    <p:sldId id="268" r:id="rId15"/>
-    <p:sldId id="269" r:id="rId16"/>
-    <p:sldId id="271" r:id="rId17"/>
-    <p:sldId id="272" r:id="rId18"/>
-    <p:sldId id="273" r:id="rId19"/>
+    <p:sldId id="256" r:id="rId3"/>
+    <p:sldId id="257" r:id="rId4"/>
+    <p:sldId id="258" r:id="rId6"/>
+    <p:sldId id="260" r:id="rId7"/>
+    <p:sldId id="261" r:id="rId8"/>
+    <p:sldId id="263" r:id="rId9"/>
+    <p:sldId id="259" r:id="rId10"/>
+    <p:sldId id="262" r:id="rId11"/>
+    <p:sldId id="264" r:id="rId12"/>
+    <p:sldId id="265" r:id="rId13"/>
+    <p:sldId id="267" r:id="rId14"/>
+    <p:sldId id="266" r:id="rId15"/>
+    <p:sldId id="270" r:id="rId16"/>
+    <p:sldId id="268" r:id="rId17"/>
+    <p:sldId id="269" r:id="rId18"/>
+    <p:sldId id="271" r:id="rId19"/>
+    <p:sldId id="272" r:id="rId20"/>
+    <p:sldId id="273" r:id="rId21"/>
   </p:sldIdLst>
   <p:sldSz cx="12192000" cy="6858000"/>
   <p:notesSz cx="6858000" cy="9144000"/>
@@ -129,13 +129,7 @@
 
 <file path=ppt/commentAuthors.xml><?xml version="1.0" encoding="utf-8"?>
 <p:cmAuthorLst xmlns:a="http://schemas.openxmlformats.org/drawingml/2006/main" xmlns:r="http://schemas.openxmlformats.org/officeDocument/2006/relationships" xmlns:p="http://schemas.openxmlformats.org/presentationml/2006/main">
-  <p:cmAuthor id="1" name="Fans" initials="F" lastIdx="0" clrIdx="0">
-    <p:extLst>
-      <p:ext uri="{19B8F6BF-5375-455C-9EA6-DF929625EA0E}">
-        <p15:presenceInfo xmlns:p15="http://schemas.microsoft.com/office/powerpoint/2012/main" userId="0f9325cfd84cdebf" providerId="Windows Live"/>
-      </p:ext>
-    </p:extLst>
-  </p:cmAuthor>
+  <p:cmAuthor id="1" name="Fans" initials="F" lastIdx="0" clrIdx="0"/>
 </p:cmAuthorLst>
 </file>
 
@@ -221,7 +215,6 @@
           <a:p>
             <a:fld id="{1BA14276-184D-4ADE-BACE-4B1A071C8346}" type="datetimeFigureOut">
               <a:rPr lang="zh-CN" altLang="en-US" smtClean="0"/>
-              <a:t>2020/11/16</a:t>
             </a:fld>
             <a:endParaRPr lang="zh-CN" altLang="en-US"/>
           </a:p>
@@ -288,6 +281,7 @@
               <a:rPr lang="zh-CN" altLang="en-US"/>
               <a:t>编辑母版文本样式</a:t>
             </a:r>
+            <a:endParaRPr lang="zh-CN" altLang="en-US"/>
           </a:p>
           <a:p>
             <a:pPr lvl="1"/>
@@ -295,6 +289,7 @@
               <a:rPr lang="zh-CN" altLang="en-US"/>
               <a:t>第二级</a:t>
             </a:r>
+            <a:endParaRPr lang="zh-CN" altLang="en-US"/>
           </a:p>
           <a:p>
             <a:pPr lvl="2"/>
@@ -302,6 +297,7 @@
               <a:rPr lang="zh-CN" altLang="en-US"/>
               <a:t>第三级</a:t>
             </a:r>
+            <a:endParaRPr lang="zh-CN" altLang="en-US"/>
           </a:p>
           <a:p>
             <a:pPr lvl="3"/>
@@ -309,6 +305,7 @@
               <a:rPr lang="zh-CN" altLang="en-US"/>
               <a:t>第四级</a:t>
             </a:r>
+            <a:endParaRPr lang="zh-CN" altLang="en-US"/>
           </a:p>
           <a:p>
             <a:pPr lvl="4"/>
@@ -316,6 +313,7 @@
               <a:rPr lang="zh-CN" altLang="en-US"/>
               <a:t>第五级</a:t>
             </a:r>
+            <a:endParaRPr lang="zh-CN" altLang="en-US"/>
           </a:p>
         </p:txBody>
       </p:sp>
@@ -379,18 +377,12 @@
           <a:p>
             <a:fld id="{1171621F-5705-402E-8B30-297AD4087942}" type="slidenum">
               <a:rPr lang="zh-CN" altLang="en-US" smtClean="0"/>
-              <a:t>‹#›</a:t>
             </a:fld>
             <a:endParaRPr lang="zh-CN" altLang="en-US"/>
           </a:p>
         </p:txBody>
       </p:sp>
     </p:spTree>
-    <p:extLst>
-      <p:ext uri="{BB962C8B-B14F-4D97-AF65-F5344CB8AC3E}">
-        <p14:creationId xmlns:p14="http://schemas.microsoft.com/office/powerpoint/2010/main" val="1482800779"/>
-      </p:ext>
-    </p:extLst>
   </p:cSld>
   <p:clrMap bg1="lt1" tx1="dk1" bg2="lt2" tx2="dk2" accent1="accent1" accent2="accent2" accent3="accent3" accent4="accent4" accent5="accent5" accent6="accent6" hlink="hlink" folHlink="folHlink"/>
   <p:notesStyle>
@@ -553,18 +545,12 @@
           <a:p>
             <a:fld id="{1171621F-5705-402E-8B30-297AD4087942}" type="slidenum">
               <a:rPr lang="zh-CN" altLang="en-US" smtClean="0"/>
-              <a:t>2</a:t>
             </a:fld>
             <a:endParaRPr lang="zh-CN" altLang="en-US"/>
           </a:p>
         </p:txBody>
       </p:sp>
     </p:spTree>
-    <p:extLst>
-      <p:ext uri="{BB962C8B-B14F-4D97-AF65-F5344CB8AC3E}">
-        <p14:creationId xmlns:p14="http://schemas.microsoft.com/office/powerpoint/2010/main" val="2009470446"/>
-      </p:ext>
-    </p:extLst>
   </p:cSld>
   <p:clrMapOvr>
     <a:masterClrMapping/>
@@ -591,13 +577,7 @@
       </p:grpSpPr>
       <p:sp>
         <p:nvSpPr>
-          <p:cNvPr id="2" name="标题 1">
-            <a:extLst>
-              <a:ext uri="{FF2B5EF4-FFF2-40B4-BE49-F238E27FC236}">
-                <a16:creationId xmlns:a16="http://schemas.microsoft.com/office/drawing/2014/main" id="{304D56BE-F7D9-4678-8CAC-27F41ADB0157}"/>
-              </a:ext>
-            </a:extLst>
-          </p:cNvPr>
+          <p:cNvPr id="2" name="标题 1"/>
           <p:cNvSpPr>
             <a:spLocks noGrp="1"/>
           </p:cNvSpPr>
@@ -623,18 +603,13 @@
               <a:rPr lang="zh-CN" altLang="en-US"/>
               <a:t>单击此处编辑母版标题样式</a:t>
             </a:r>
+            <a:endParaRPr lang="zh-CN" altLang="en-US"/>
           </a:p>
         </p:txBody>
       </p:sp>
       <p:sp>
         <p:nvSpPr>
-          <p:cNvPr id="3" name="副标题 2">
-            <a:extLst>
-              <a:ext uri="{FF2B5EF4-FFF2-40B4-BE49-F238E27FC236}">
-                <a16:creationId xmlns:a16="http://schemas.microsoft.com/office/drawing/2014/main" id="{F4DD3260-6EC1-4F00-B9B8-63D82D926C62}"/>
-              </a:ext>
-            </a:extLst>
-          </p:cNvPr>
+          <p:cNvPr id="3" name="副标题 2"/>
           <p:cNvSpPr>
             <a:spLocks noGrp="1"/>
           </p:cNvSpPr>
@@ -693,18 +668,13 @@
               <a:rPr lang="zh-CN" altLang="en-US"/>
               <a:t>单击此处编辑母版副标题样式</a:t>
             </a:r>
+            <a:endParaRPr lang="zh-CN" altLang="en-US"/>
           </a:p>
         </p:txBody>
       </p:sp>
       <p:sp>
         <p:nvSpPr>
-          <p:cNvPr id="4" name="日期占位符 3">
-            <a:extLst>
-              <a:ext uri="{FF2B5EF4-FFF2-40B4-BE49-F238E27FC236}">
-                <a16:creationId xmlns:a16="http://schemas.microsoft.com/office/drawing/2014/main" id="{02717284-3088-42FC-99F6-0B082CFE30E2}"/>
-              </a:ext>
-            </a:extLst>
-          </p:cNvPr>
+          <p:cNvPr id="4" name="日期占位符 3"/>
           <p:cNvSpPr>
             <a:spLocks noGrp="1"/>
           </p:cNvSpPr>
@@ -719,7 +689,6 @@
           <a:p>
             <a:fld id="{F318E930-FC99-4238-B0EE-ACD1A6D07B5C}" type="datetimeFigureOut">
               <a:rPr lang="zh-CN" altLang="en-US" smtClean="0"/>
-              <a:t>2020/11/16</a:t>
             </a:fld>
             <a:endParaRPr lang="zh-CN" altLang="en-US"/>
           </a:p>
@@ -727,13 +696,7 @@
       </p:sp>
       <p:sp>
         <p:nvSpPr>
-          <p:cNvPr id="5" name="页脚占位符 4">
-            <a:extLst>
-              <a:ext uri="{FF2B5EF4-FFF2-40B4-BE49-F238E27FC236}">
-                <a16:creationId xmlns:a16="http://schemas.microsoft.com/office/drawing/2014/main" id="{CF830FF9-F597-4742-A2DB-D33D50B5A4F5}"/>
-              </a:ext>
-            </a:extLst>
-          </p:cNvPr>
+          <p:cNvPr id="5" name="页脚占位符 4"/>
           <p:cNvSpPr>
             <a:spLocks noGrp="1"/>
           </p:cNvSpPr>
@@ -752,13 +715,7 @@
       </p:sp>
       <p:sp>
         <p:nvSpPr>
-          <p:cNvPr id="6" name="灯片编号占位符 5">
-            <a:extLst>
-              <a:ext uri="{FF2B5EF4-FFF2-40B4-BE49-F238E27FC236}">
-                <a16:creationId xmlns:a16="http://schemas.microsoft.com/office/drawing/2014/main" id="{0BB4A192-C452-4BDD-BA9D-AE901704D14A}"/>
-              </a:ext>
-            </a:extLst>
-          </p:cNvPr>
+          <p:cNvPr id="6" name="灯片编号占位符 5"/>
           <p:cNvSpPr>
             <a:spLocks noGrp="1"/>
           </p:cNvSpPr>
@@ -773,18 +730,12 @@
           <a:p>
             <a:fld id="{325673FD-FD9B-42CC-9261-6811E61FD00E}" type="slidenum">
               <a:rPr lang="zh-CN" altLang="en-US" smtClean="0"/>
-              <a:t>‹#›</a:t>
             </a:fld>
             <a:endParaRPr lang="zh-CN" altLang="en-US"/>
           </a:p>
         </p:txBody>
       </p:sp>
     </p:spTree>
-    <p:extLst>
-      <p:ext uri="{BB962C8B-B14F-4D97-AF65-F5344CB8AC3E}">
-        <p14:creationId xmlns:p14="http://schemas.microsoft.com/office/powerpoint/2010/main" val="2368842752"/>
-      </p:ext>
-    </p:extLst>
   </p:cSld>
   <p:clrMapOvr>
     <a:masterClrMapping/>
@@ -811,13 +762,7 @@
       </p:grpSpPr>
       <p:sp>
         <p:nvSpPr>
-          <p:cNvPr id="2" name="标题 1">
-            <a:extLst>
-              <a:ext uri="{FF2B5EF4-FFF2-40B4-BE49-F238E27FC236}">
-                <a16:creationId xmlns:a16="http://schemas.microsoft.com/office/drawing/2014/main" id="{51EEE27D-ACF1-40BE-84F8-950259C7C762}"/>
-              </a:ext>
-            </a:extLst>
-          </p:cNvPr>
+          <p:cNvPr id="2" name="标题 1"/>
           <p:cNvSpPr>
             <a:spLocks noGrp="1"/>
           </p:cNvSpPr>
@@ -834,23 +779,18 @@
               <a:rPr lang="zh-CN" altLang="en-US"/>
               <a:t>单击此处编辑母版标题样式</a:t>
             </a:r>
+            <a:endParaRPr lang="zh-CN" altLang="en-US"/>
           </a:p>
         </p:txBody>
       </p:sp>
       <p:sp>
         <p:nvSpPr>
-          <p:cNvPr id="3" name="竖排文字占位符 2">
-            <a:extLst>
-              <a:ext uri="{FF2B5EF4-FFF2-40B4-BE49-F238E27FC236}">
-                <a16:creationId xmlns:a16="http://schemas.microsoft.com/office/drawing/2014/main" id="{75BAD45C-1D3B-4090-B227-AC1F047EF728}"/>
-              </a:ext>
-            </a:extLst>
-          </p:cNvPr>
+          <p:cNvPr id="3" name="竖排文字占位符 2"/>
           <p:cNvSpPr>
             <a:spLocks noGrp="1"/>
           </p:cNvSpPr>
           <p:nvPr>
-            <p:ph type="body" orient="vert" idx="1"/>
+            <p:ph type="body" orient="vert" idx="1" hasCustomPrompt="1"/>
           </p:nvPr>
         </p:nvSpPr>
         <p:spPr/>
@@ -863,6 +803,7 @@
               <a:rPr lang="zh-CN" altLang="en-US"/>
               <a:t>编辑母版文本样式</a:t>
             </a:r>
+            <a:endParaRPr lang="zh-CN" altLang="en-US"/>
           </a:p>
           <a:p>
             <a:pPr lvl="1"/>
@@ -870,6 +811,7 @@
               <a:rPr lang="zh-CN" altLang="en-US"/>
               <a:t>第二级</a:t>
             </a:r>
+            <a:endParaRPr lang="zh-CN" altLang="en-US"/>
           </a:p>
           <a:p>
             <a:pPr lvl="2"/>
@@ -877,6 +819,7 @@
               <a:rPr lang="zh-CN" altLang="en-US"/>
               <a:t>第三级</a:t>
             </a:r>
+            <a:endParaRPr lang="zh-CN" altLang="en-US"/>
           </a:p>
           <a:p>
             <a:pPr lvl="3"/>
@@ -884,6 +827,7 @@
               <a:rPr lang="zh-CN" altLang="en-US"/>
               <a:t>第四级</a:t>
             </a:r>
+            <a:endParaRPr lang="zh-CN" altLang="en-US"/>
           </a:p>
           <a:p>
             <a:pPr lvl="4"/>
@@ -891,18 +835,13 @@
               <a:rPr lang="zh-CN" altLang="en-US"/>
               <a:t>第五级</a:t>
             </a:r>
+            <a:endParaRPr lang="zh-CN" altLang="en-US"/>
           </a:p>
         </p:txBody>
       </p:sp>
       <p:sp>
         <p:nvSpPr>
-          <p:cNvPr id="4" name="日期占位符 3">
-            <a:extLst>
-              <a:ext uri="{FF2B5EF4-FFF2-40B4-BE49-F238E27FC236}">
-                <a16:creationId xmlns:a16="http://schemas.microsoft.com/office/drawing/2014/main" id="{8D6EBD04-FDD7-41E1-B538-9E22FBCFFB4C}"/>
-              </a:ext>
-            </a:extLst>
-          </p:cNvPr>
+          <p:cNvPr id="4" name="日期占位符 3"/>
           <p:cNvSpPr>
             <a:spLocks noGrp="1"/>
           </p:cNvSpPr>
@@ -917,7 +856,6 @@
           <a:p>
             <a:fld id="{F318E930-FC99-4238-B0EE-ACD1A6D07B5C}" type="datetimeFigureOut">
               <a:rPr lang="zh-CN" altLang="en-US" smtClean="0"/>
-              <a:t>2020/11/16</a:t>
             </a:fld>
             <a:endParaRPr lang="zh-CN" altLang="en-US"/>
           </a:p>
@@ -925,13 +863,7 @@
       </p:sp>
       <p:sp>
         <p:nvSpPr>
-          <p:cNvPr id="5" name="页脚占位符 4">
-            <a:extLst>
-              <a:ext uri="{FF2B5EF4-FFF2-40B4-BE49-F238E27FC236}">
-                <a16:creationId xmlns:a16="http://schemas.microsoft.com/office/drawing/2014/main" id="{C241AC23-F6B0-4033-BE28-88B06B8DBF8E}"/>
-              </a:ext>
-            </a:extLst>
-          </p:cNvPr>
+          <p:cNvPr id="5" name="页脚占位符 4"/>
           <p:cNvSpPr>
             <a:spLocks noGrp="1"/>
           </p:cNvSpPr>
@@ -950,13 +882,7 @@
       </p:sp>
       <p:sp>
         <p:nvSpPr>
-          <p:cNvPr id="6" name="灯片编号占位符 5">
-            <a:extLst>
-              <a:ext uri="{FF2B5EF4-FFF2-40B4-BE49-F238E27FC236}">
-                <a16:creationId xmlns:a16="http://schemas.microsoft.com/office/drawing/2014/main" id="{B6EC714F-4101-4A94-880D-87C28C08643D}"/>
-              </a:ext>
-            </a:extLst>
-          </p:cNvPr>
+          <p:cNvPr id="6" name="灯片编号占位符 5"/>
           <p:cNvSpPr>
             <a:spLocks noGrp="1"/>
           </p:cNvSpPr>
@@ -971,18 +897,12 @@
           <a:p>
             <a:fld id="{325673FD-FD9B-42CC-9261-6811E61FD00E}" type="slidenum">
               <a:rPr lang="zh-CN" altLang="en-US" smtClean="0"/>
-              <a:t>‹#›</a:t>
             </a:fld>
             <a:endParaRPr lang="zh-CN" altLang="en-US"/>
           </a:p>
         </p:txBody>
       </p:sp>
     </p:spTree>
-    <p:extLst>
-      <p:ext uri="{BB962C8B-B14F-4D97-AF65-F5344CB8AC3E}">
-        <p14:creationId xmlns:p14="http://schemas.microsoft.com/office/powerpoint/2010/main" val="2827270182"/>
-      </p:ext>
-    </p:extLst>
   </p:cSld>
   <p:clrMapOvr>
     <a:masterClrMapping/>
@@ -1009,13 +929,7 @@
       </p:grpSpPr>
       <p:sp>
         <p:nvSpPr>
-          <p:cNvPr id="2" name="竖排标题 1">
-            <a:extLst>
-              <a:ext uri="{FF2B5EF4-FFF2-40B4-BE49-F238E27FC236}">
-                <a16:creationId xmlns:a16="http://schemas.microsoft.com/office/drawing/2014/main" id="{3ECA9AD1-E4CA-41B3-82D7-4310056AA310}"/>
-              </a:ext>
-            </a:extLst>
-          </p:cNvPr>
+          <p:cNvPr id="2" name="竖排标题 1"/>
           <p:cNvSpPr>
             <a:spLocks noGrp="1"/>
           </p:cNvSpPr>
@@ -1037,23 +951,18 @@
               <a:rPr lang="zh-CN" altLang="en-US"/>
               <a:t>单击此处编辑母版标题样式</a:t>
             </a:r>
+            <a:endParaRPr lang="zh-CN" altLang="en-US"/>
           </a:p>
         </p:txBody>
       </p:sp>
       <p:sp>
         <p:nvSpPr>
-          <p:cNvPr id="3" name="竖排文字占位符 2">
-            <a:extLst>
-              <a:ext uri="{FF2B5EF4-FFF2-40B4-BE49-F238E27FC236}">
-                <a16:creationId xmlns:a16="http://schemas.microsoft.com/office/drawing/2014/main" id="{8B9BD007-C424-4214-8D45-531953144CB2}"/>
-              </a:ext>
-            </a:extLst>
-          </p:cNvPr>
+          <p:cNvPr id="3" name="竖排文字占位符 2"/>
           <p:cNvSpPr>
             <a:spLocks noGrp="1"/>
           </p:cNvSpPr>
           <p:nvPr>
-            <p:ph type="body" orient="vert" idx="1"/>
+            <p:ph type="body" orient="vert" idx="1" hasCustomPrompt="1"/>
           </p:nvPr>
         </p:nvSpPr>
         <p:spPr>
@@ -1071,6 +980,7 @@
               <a:rPr lang="zh-CN" altLang="en-US"/>
               <a:t>编辑母版文本样式</a:t>
             </a:r>
+            <a:endParaRPr lang="zh-CN" altLang="en-US"/>
           </a:p>
           <a:p>
             <a:pPr lvl="1"/>
@@ -1078,6 +988,7 @@
               <a:rPr lang="zh-CN" altLang="en-US"/>
               <a:t>第二级</a:t>
             </a:r>
+            <a:endParaRPr lang="zh-CN" altLang="en-US"/>
           </a:p>
           <a:p>
             <a:pPr lvl="2"/>
@@ -1085,6 +996,7 @@
               <a:rPr lang="zh-CN" altLang="en-US"/>
               <a:t>第三级</a:t>
             </a:r>
+            <a:endParaRPr lang="zh-CN" altLang="en-US"/>
           </a:p>
           <a:p>
             <a:pPr lvl="3"/>
@@ -1092,6 +1004,7 @@
               <a:rPr lang="zh-CN" altLang="en-US"/>
               <a:t>第四级</a:t>
             </a:r>
+            <a:endParaRPr lang="zh-CN" altLang="en-US"/>
           </a:p>
           <a:p>
             <a:pPr lvl="4"/>
@@ -1099,18 +1012,13 @@
               <a:rPr lang="zh-CN" altLang="en-US"/>
               <a:t>第五级</a:t>
             </a:r>
+            <a:endParaRPr lang="zh-CN" altLang="en-US"/>
           </a:p>
         </p:txBody>
       </p:sp>
       <p:sp>
         <p:nvSpPr>
-          <p:cNvPr id="4" name="日期占位符 3">
-            <a:extLst>
-              <a:ext uri="{FF2B5EF4-FFF2-40B4-BE49-F238E27FC236}">
-                <a16:creationId xmlns:a16="http://schemas.microsoft.com/office/drawing/2014/main" id="{74093C98-B8DD-4002-9B7F-9128DE826086}"/>
-              </a:ext>
-            </a:extLst>
-          </p:cNvPr>
+          <p:cNvPr id="4" name="日期占位符 3"/>
           <p:cNvSpPr>
             <a:spLocks noGrp="1"/>
           </p:cNvSpPr>
@@ -1125,7 +1033,6 @@
           <a:p>
             <a:fld id="{F318E930-FC99-4238-B0EE-ACD1A6D07B5C}" type="datetimeFigureOut">
               <a:rPr lang="zh-CN" altLang="en-US" smtClean="0"/>
-              <a:t>2020/11/16</a:t>
             </a:fld>
             <a:endParaRPr lang="zh-CN" altLang="en-US"/>
           </a:p>
@@ -1133,13 +1040,7 @@
       </p:sp>
       <p:sp>
         <p:nvSpPr>
-          <p:cNvPr id="5" name="页脚占位符 4">
-            <a:extLst>
-              <a:ext uri="{FF2B5EF4-FFF2-40B4-BE49-F238E27FC236}">
-                <a16:creationId xmlns:a16="http://schemas.microsoft.com/office/drawing/2014/main" id="{D6CBADBD-106C-4554-B41C-6F3DE89B44E6}"/>
-              </a:ext>
-            </a:extLst>
-          </p:cNvPr>
+          <p:cNvPr id="5" name="页脚占位符 4"/>
           <p:cNvSpPr>
             <a:spLocks noGrp="1"/>
           </p:cNvSpPr>
@@ -1158,13 +1059,7 @@
       </p:sp>
       <p:sp>
         <p:nvSpPr>
-          <p:cNvPr id="6" name="灯片编号占位符 5">
-            <a:extLst>
-              <a:ext uri="{FF2B5EF4-FFF2-40B4-BE49-F238E27FC236}">
-                <a16:creationId xmlns:a16="http://schemas.microsoft.com/office/drawing/2014/main" id="{1DF25B70-6C30-459B-B59A-ADD45686BAE0}"/>
-              </a:ext>
-            </a:extLst>
-          </p:cNvPr>
+          <p:cNvPr id="6" name="灯片编号占位符 5"/>
           <p:cNvSpPr>
             <a:spLocks noGrp="1"/>
           </p:cNvSpPr>
@@ -1179,18 +1074,12 @@
           <a:p>
             <a:fld id="{325673FD-FD9B-42CC-9261-6811E61FD00E}" type="slidenum">
               <a:rPr lang="zh-CN" altLang="en-US" smtClean="0"/>
-              <a:t>‹#›</a:t>
             </a:fld>
             <a:endParaRPr lang="zh-CN" altLang="en-US"/>
           </a:p>
         </p:txBody>
       </p:sp>
     </p:spTree>
-    <p:extLst>
-      <p:ext uri="{BB962C8B-B14F-4D97-AF65-F5344CB8AC3E}">
-        <p14:creationId xmlns:p14="http://schemas.microsoft.com/office/powerpoint/2010/main" val="475522191"/>
-      </p:ext>
-    </p:extLst>
   </p:cSld>
   <p:clrMapOvr>
     <a:masterClrMapping/>
@@ -1217,13 +1106,7 @@
       </p:grpSpPr>
       <p:sp>
         <p:nvSpPr>
-          <p:cNvPr id="2" name="标题 1">
-            <a:extLst>
-              <a:ext uri="{FF2B5EF4-FFF2-40B4-BE49-F238E27FC236}">
-                <a16:creationId xmlns:a16="http://schemas.microsoft.com/office/drawing/2014/main" id="{5E53CFA0-9A31-4E11-A842-6FBD3370A334}"/>
-              </a:ext>
-            </a:extLst>
-          </p:cNvPr>
+          <p:cNvPr id="2" name="标题 1"/>
           <p:cNvSpPr>
             <a:spLocks noGrp="1"/>
           </p:cNvSpPr>
@@ -1240,23 +1123,18 @@
               <a:rPr lang="zh-CN" altLang="en-US"/>
               <a:t>单击此处编辑母版标题样式</a:t>
             </a:r>
+            <a:endParaRPr lang="zh-CN" altLang="en-US"/>
           </a:p>
         </p:txBody>
       </p:sp>
       <p:sp>
         <p:nvSpPr>
-          <p:cNvPr id="3" name="内容占位符 2">
-            <a:extLst>
-              <a:ext uri="{FF2B5EF4-FFF2-40B4-BE49-F238E27FC236}">
-                <a16:creationId xmlns:a16="http://schemas.microsoft.com/office/drawing/2014/main" id="{C444E981-06BA-4A4E-9FCE-B3568F4E78D1}"/>
-              </a:ext>
-            </a:extLst>
-          </p:cNvPr>
+          <p:cNvPr id="3" name="内容占位符 2"/>
           <p:cNvSpPr>
             <a:spLocks noGrp="1"/>
           </p:cNvSpPr>
           <p:nvPr>
-            <p:ph idx="1"/>
+            <p:ph idx="1" hasCustomPrompt="1"/>
           </p:nvPr>
         </p:nvSpPr>
         <p:spPr/>
@@ -1269,6 +1147,7 @@
               <a:rPr lang="zh-CN" altLang="en-US"/>
               <a:t>编辑母版文本样式</a:t>
             </a:r>
+            <a:endParaRPr lang="zh-CN" altLang="en-US"/>
           </a:p>
           <a:p>
             <a:pPr lvl="1"/>
@@ -1276,6 +1155,7 @@
               <a:rPr lang="zh-CN" altLang="en-US"/>
               <a:t>第二级</a:t>
             </a:r>
+            <a:endParaRPr lang="zh-CN" altLang="en-US"/>
           </a:p>
           <a:p>
             <a:pPr lvl="2"/>
@@ -1283,6 +1163,7 @@
               <a:rPr lang="zh-CN" altLang="en-US"/>
               <a:t>第三级</a:t>
             </a:r>
+            <a:endParaRPr lang="zh-CN" altLang="en-US"/>
           </a:p>
           <a:p>
             <a:pPr lvl="3"/>
@@ -1290,6 +1171,7 @@
               <a:rPr lang="zh-CN" altLang="en-US"/>
               <a:t>第四级</a:t>
             </a:r>
+            <a:endParaRPr lang="zh-CN" altLang="en-US"/>
           </a:p>
           <a:p>
             <a:pPr lvl="4"/>
@@ -1297,18 +1179,13 @@
               <a:rPr lang="zh-CN" altLang="en-US"/>
               <a:t>第五级</a:t>
             </a:r>
+            <a:endParaRPr lang="zh-CN" altLang="en-US"/>
           </a:p>
         </p:txBody>
       </p:sp>
       <p:sp>
         <p:nvSpPr>
-          <p:cNvPr id="4" name="日期占位符 3">
-            <a:extLst>
-              <a:ext uri="{FF2B5EF4-FFF2-40B4-BE49-F238E27FC236}">
-                <a16:creationId xmlns:a16="http://schemas.microsoft.com/office/drawing/2014/main" id="{3B4A9417-0210-4DD5-B1BE-DAA0D053CB7C}"/>
-              </a:ext>
-            </a:extLst>
-          </p:cNvPr>
+          <p:cNvPr id="4" name="日期占位符 3"/>
           <p:cNvSpPr>
             <a:spLocks noGrp="1"/>
           </p:cNvSpPr>
@@ -1323,7 +1200,6 @@
           <a:p>
             <a:fld id="{F318E930-FC99-4238-B0EE-ACD1A6D07B5C}" type="datetimeFigureOut">
               <a:rPr lang="zh-CN" altLang="en-US" smtClean="0"/>
-              <a:t>2020/11/16</a:t>
             </a:fld>
             <a:endParaRPr lang="zh-CN" altLang="en-US"/>
           </a:p>
@@ -1331,13 +1207,7 @@
       </p:sp>
       <p:sp>
         <p:nvSpPr>
-          <p:cNvPr id="5" name="页脚占位符 4">
-            <a:extLst>
-              <a:ext uri="{FF2B5EF4-FFF2-40B4-BE49-F238E27FC236}">
-                <a16:creationId xmlns:a16="http://schemas.microsoft.com/office/drawing/2014/main" id="{F88D8A62-1DAE-404C-9485-9EEC00B56C98}"/>
-              </a:ext>
-            </a:extLst>
-          </p:cNvPr>
+          <p:cNvPr id="5" name="页脚占位符 4"/>
           <p:cNvSpPr>
             <a:spLocks noGrp="1"/>
           </p:cNvSpPr>
@@ -1356,13 +1226,7 @@
       </p:sp>
       <p:sp>
         <p:nvSpPr>
-          <p:cNvPr id="6" name="灯片编号占位符 5">
-            <a:extLst>
-              <a:ext uri="{FF2B5EF4-FFF2-40B4-BE49-F238E27FC236}">
-                <a16:creationId xmlns:a16="http://schemas.microsoft.com/office/drawing/2014/main" id="{A4AA7534-3C1E-4206-86B3-C384F6D95265}"/>
-              </a:ext>
-            </a:extLst>
-          </p:cNvPr>
+          <p:cNvPr id="6" name="灯片编号占位符 5"/>
           <p:cNvSpPr>
             <a:spLocks noGrp="1"/>
           </p:cNvSpPr>
@@ -1377,18 +1241,12 @@
           <a:p>
             <a:fld id="{325673FD-FD9B-42CC-9261-6811E61FD00E}" type="slidenum">
               <a:rPr lang="zh-CN" altLang="en-US" smtClean="0"/>
-              <a:t>‹#›</a:t>
             </a:fld>
             <a:endParaRPr lang="zh-CN" altLang="en-US"/>
           </a:p>
         </p:txBody>
       </p:sp>
     </p:spTree>
-    <p:extLst>
-      <p:ext uri="{BB962C8B-B14F-4D97-AF65-F5344CB8AC3E}">
-        <p14:creationId xmlns:p14="http://schemas.microsoft.com/office/powerpoint/2010/main" val="906481771"/>
-      </p:ext>
-    </p:extLst>
   </p:cSld>
   <p:clrMapOvr>
     <a:masterClrMapping/>
@@ -1415,13 +1273,7 @@
       </p:grpSpPr>
       <p:sp>
         <p:nvSpPr>
-          <p:cNvPr id="2" name="标题 1">
-            <a:extLst>
-              <a:ext uri="{FF2B5EF4-FFF2-40B4-BE49-F238E27FC236}">
-                <a16:creationId xmlns:a16="http://schemas.microsoft.com/office/drawing/2014/main" id="{0D3D5666-482A-4F5D-BF2F-3F9BA2071074}"/>
-              </a:ext>
-            </a:extLst>
-          </p:cNvPr>
+          <p:cNvPr id="2" name="标题 1"/>
           <p:cNvSpPr>
             <a:spLocks noGrp="1"/>
           </p:cNvSpPr>
@@ -1447,23 +1299,18 @@
               <a:rPr lang="zh-CN" altLang="en-US"/>
               <a:t>单击此处编辑母版标题样式</a:t>
             </a:r>
+            <a:endParaRPr lang="zh-CN" altLang="en-US"/>
           </a:p>
         </p:txBody>
       </p:sp>
       <p:sp>
         <p:nvSpPr>
-          <p:cNvPr id="3" name="文本占位符 2">
-            <a:extLst>
-              <a:ext uri="{FF2B5EF4-FFF2-40B4-BE49-F238E27FC236}">
-                <a16:creationId xmlns:a16="http://schemas.microsoft.com/office/drawing/2014/main" id="{5E1D8DF2-3183-4D74-8F1A-D674DE9E6743}"/>
-              </a:ext>
-            </a:extLst>
-          </p:cNvPr>
+          <p:cNvPr id="3" name="文本占位符 2"/>
           <p:cNvSpPr>
             <a:spLocks noGrp="1"/>
           </p:cNvSpPr>
           <p:nvPr>
-            <p:ph type="body" idx="1"/>
+            <p:ph type="body" idx="1" hasCustomPrompt="1"/>
           </p:nvPr>
         </p:nvSpPr>
         <p:spPr>
@@ -1572,18 +1419,13 @@
               <a:rPr lang="zh-CN" altLang="en-US"/>
               <a:t>编辑母版文本样式</a:t>
             </a:r>
+            <a:endParaRPr lang="zh-CN" altLang="en-US"/>
           </a:p>
         </p:txBody>
       </p:sp>
       <p:sp>
         <p:nvSpPr>
-          <p:cNvPr id="4" name="日期占位符 3">
-            <a:extLst>
-              <a:ext uri="{FF2B5EF4-FFF2-40B4-BE49-F238E27FC236}">
-                <a16:creationId xmlns:a16="http://schemas.microsoft.com/office/drawing/2014/main" id="{3A4EC5AD-2B58-42B1-9CCA-1484A682E96C}"/>
-              </a:ext>
-            </a:extLst>
-          </p:cNvPr>
+          <p:cNvPr id="4" name="日期占位符 3"/>
           <p:cNvSpPr>
             <a:spLocks noGrp="1"/>
           </p:cNvSpPr>
@@ -1598,7 +1440,6 @@
           <a:p>
             <a:fld id="{F318E930-FC99-4238-B0EE-ACD1A6D07B5C}" type="datetimeFigureOut">
               <a:rPr lang="zh-CN" altLang="en-US" smtClean="0"/>
-              <a:t>2020/11/16</a:t>
             </a:fld>
             <a:endParaRPr lang="zh-CN" altLang="en-US"/>
           </a:p>
@@ -1606,13 +1447,7 @@
       </p:sp>
       <p:sp>
         <p:nvSpPr>
-          <p:cNvPr id="5" name="页脚占位符 4">
-            <a:extLst>
-              <a:ext uri="{FF2B5EF4-FFF2-40B4-BE49-F238E27FC236}">
-                <a16:creationId xmlns:a16="http://schemas.microsoft.com/office/drawing/2014/main" id="{9E4627AB-4EDC-4A9A-97D9-395B7EFE89DB}"/>
-              </a:ext>
-            </a:extLst>
-          </p:cNvPr>
+          <p:cNvPr id="5" name="页脚占位符 4"/>
           <p:cNvSpPr>
             <a:spLocks noGrp="1"/>
           </p:cNvSpPr>
@@ -1631,13 +1466,7 @@
       </p:sp>
       <p:sp>
         <p:nvSpPr>
-          <p:cNvPr id="6" name="灯片编号占位符 5">
-            <a:extLst>
-              <a:ext uri="{FF2B5EF4-FFF2-40B4-BE49-F238E27FC236}">
-                <a16:creationId xmlns:a16="http://schemas.microsoft.com/office/drawing/2014/main" id="{8F08A178-FDB0-41F6-A603-5F3A2BE6813A}"/>
-              </a:ext>
-            </a:extLst>
-          </p:cNvPr>
+          <p:cNvPr id="6" name="灯片编号占位符 5"/>
           <p:cNvSpPr>
             <a:spLocks noGrp="1"/>
           </p:cNvSpPr>
@@ -1652,18 +1481,12 @@
           <a:p>
             <a:fld id="{325673FD-FD9B-42CC-9261-6811E61FD00E}" type="slidenum">
               <a:rPr lang="zh-CN" altLang="en-US" smtClean="0"/>
-              <a:t>‹#›</a:t>
             </a:fld>
             <a:endParaRPr lang="zh-CN" altLang="en-US"/>
           </a:p>
         </p:txBody>
       </p:sp>
     </p:spTree>
-    <p:extLst>
-      <p:ext uri="{BB962C8B-B14F-4D97-AF65-F5344CB8AC3E}">
-        <p14:creationId xmlns:p14="http://schemas.microsoft.com/office/powerpoint/2010/main" val="3052889773"/>
-      </p:ext>
-    </p:extLst>
   </p:cSld>
   <p:clrMapOvr>
     <a:masterClrMapping/>
@@ -1690,13 +1513,7 @@
       </p:grpSpPr>
       <p:sp>
         <p:nvSpPr>
-          <p:cNvPr id="2" name="标题 1">
-            <a:extLst>
-              <a:ext uri="{FF2B5EF4-FFF2-40B4-BE49-F238E27FC236}">
-                <a16:creationId xmlns:a16="http://schemas.microsoft.com/office/drawing/2014/main" id="{20D8CB62-6F41-4530-8F09-46E814DF3849}"/>
-              </a:ext>
-            </a:extLst>
-          </p:cNvPr>
+          <p:cNvPr id="2" name="标题 1"/>
           <p:cNvSpPr>
             <a:spLocks noGrp="1"/>
           </p:cNvSpPr>
@@ -1713,23 +1530,18 @@
               <a:rPr lang="zh-CN" altLang="en-US"/>
               <a:t>单击此处编辑母版标题样式</a:t>
             </a:r>
+            <a:endParaRPr lang="zh-CN" altLang="en-US"/>
           </a:p>
         </p:txBody>
       </p:sp>
       <p:sp>
         <p:nvSpPr>
-          <p:cNvPr id="3" name="内容占位符 2">
-            <a:extLst>
-              <a:ext uri="{FF2B5EF4-FFF2-40B4-BE49-F238E27FC236}">
-                <a16:creationId xmlns:a16="http://schemas.microsoft.com/office/drawing/2014/main" id="{A32B845B-EB2B-4BF1-9E42-BAD117EF794D}"/>
-              </a:ext>
-            </a:extLst>
-          </p:cNvPr>
+          <p:cNvPr id="3" name="内容占位符 2"/>
           <p:cNvSpPr>
             <a:spLocks noGrp="1"/>
           </p:cNvSpPr>
           <p:nvPr>
-            <p:ph sz="half" idx="1"/>
+            <p:ph sz="half" idx="1" hasCustomPrompt="1"/>
           </p:nvPr>
         </p:nvSpPr>
         <p:spPr>
@@ -1747,6 +1559,7 @@
               <a:rPr lang="zh-CN" altLang="en-US"/>
               <a:t>编辑母版文本样式</a:t>
             </a:r>
+            <a:endParaRPr lang="zh-CN" altLang="en-US"/>
           </a:p>
           <a:p>
             <a:pPr lvl="1"/>
@@ -1754,6 +1567,7 @@
               <a:rPr lang="zh-CN" altLang="en-US"/>
               <a:t>第二级</a:t>
             </a:r>
+            <a:endParaRPr lang="zh-CN" altLang="en-US"/>
           </a:p>
           <a:p>
             <a:pPr lvl="2"/>
@@ -1761,6 +1575,7 @@
               <a:rPr lang="zh-CN" altLang="en-US"/>
               <a:t>第三级</a:t>
             </a:r>
+            <a:endParaRPr lang="zh-CN" altLang="en-US"/>
           </a:p>
           <a:p>
             <a:pPr lvl="3"/>
@@ -1768,6 +1583,7 @@
               <a:rPr lang="zh-CN" altLang="en-US"/>
               <a:t>第四级</a:t>
             </a:r>
+            <a:endParaRPr lang="zh-CN" altLang="en-US"/>
           </a:p>
           <a:p>
             <a:pPr lvl="4"/>
@@ -1775,23 +1591,18 @@
               <a:rPr lang="zh-CN" altLang="en-US"/>
               <a:t>第五级</a:t>
             </a:r>
+            <a:endParaRPr lang="zh-CN" altLang="en-US"/>
           </a:p>
         </p:txBody>
       </p:sp>
       <p:sp>
         <p:nvSpPr>
-          <p:cNvPr id="4" name="内容占位符 3">
-            <a:extLst>
-              <a:ext uri="{FF2B5EF4-FFF2-40B4-BE49-F238E27FC236}">
-                <a16:creationId xmlns:a16="http://schemas.microsoft.com/office/drawing/2014/main" id="{52B3129E-9F4B-4EC4-AB09-B23F1F899CCA}"/>
-              </a:ext>
-            </a:extLst>
-          </p:cNvPr>
+          <p:cNvPr id="4" name="内容占位符 3"/>
           <p:cNvSpPr>
             <a:spLocks noGrp="1"/>
           </p:cNvSpPr>
           <p:nvPr>
-            <p:ph sz="half" idx="2"/>
+            <p:ph sz="half" idx="2" hasCustomPrompt="1"/>
           </p:nvPr>
         </p:nvSpPr>
         <p:spPr>
@@ -1809,6 +1620,7 @@
               <a:rPr lang="zh-CN" altLang="en-US"/>
               <a:t>编辑母版文本样式</a:t>
             </a:r>
+            <a:endParaRPr lang="zh-CN" altLang="en-US"/>
           </a:p>
           <a:p>
             <a:pPr lvl="1"/>
@@ -1816,6 +1628,7 @@
               <a:rPr lang="zh-CN" altLang="en-US"/>
               <a:t>第二级</a:t>
             </a:r>
+            <a:endParaRPr lang="zh-CN" altLang="en-US"/>
           </a:p>
           <a:p>
             <a:pPr lvl="2"/>
@@ -1823,6 +1636,7 @@
               <a:rPr lang="zh-CN" altLang="en-US"/>
               <a:t>第三级</a:t>
             </a:r>
+            <a:endParaRPr lang="zh-CN" altLang="en-US"/>
           </a:p>
           <a:p>
             <a:pPr lvl="3"/>
@@ -1830,6 +1644,7 @@
               <a:rPr lang="zh-CN" altLang="en-US"/>
               <a:t>第四级</a:t>
             </a:r>
+            <a:endParaRPr lang="zh-CN" altLang="en-US"/>
           </a:p>
           <a:p>
             <a:pPr lvl="4"/>
@@ -1837,18 +1652,13 @@
               <a:rPr lang="zh-CN" altLang="en-US"/>
               <a:t>第五级</a:t>
             </a:r>
+            <a:endParaRPr lang="zh-CN" altLang="en-US"/>
           </a:p>
         </p:txBody>
       </p:sp>
       <p:sp>
         <p:nvSpPr>
-          <p:cNvPr id="5" name="日期占位符 4">
-            <a:extLst>
-              <a:ext uri="{FF2B5EF4-FFF2-40B4-BE49-F238E27FC236}">
-                <a16:creationId xmlns:a16="http://schemas.microsoft.com/office/drawing/2014/main" id="{FD1C0EEA-57D5-46A9-A70E-A1296353D3D6}"/>
-              </a:ext>
-            </a:extLst>
-          </p:cNvPr>
+          <p:cNvPr id="5" name="日期占位符 4"/>
           <p:cNvSpPr>
             <a:spLocks noGrp="1"/>
           </p:cNvSpPr>
@@ -1863,7 +1673,6 @@
           <a:p>
             <a:fld id="{F318E930-FC99-4238-B0EE-ACD1A6D07B5C}" type="datetimeFigureOut">
               <a:rPr lang="zh-CN" altLang="en-US" smtClean="0"/>
-              <a:t>2020/11/16</a:t>
             </a:fld>
             <a:endParaRPr lang="zh-CN" altLang="en-US"/>
           </a:p>
@@ -1871,13 +1680,7 @@
       </p:sp>
       <p:sp>
         <p:nvSpPr>
-          <p:cNvPr id="6" name="页脚占位符 5">
-            <a:extLst>
-              <a:ext uri="{FF2B5EF4-FFF2-40B4-BE49-F238E27FC236}">
-                <a16:creationId xmlns:a16="http://schemas.microsoft.com/office/drawing/2014/main" id="{F3DED73B-24CD-4E2D-B357-1EF6634FBC54}"/>
-              </a:ext>
-            </a:extLst>
-          </p:cNvPr>
+          <p:cNvPr id="6" name="页脚占位符 5"/>
           <p:cNvSpPr>
             <a:spLocks noGrp="1"/>
           </p:cNvSpPr>
@@ -1896,13 +1699,7 @@
       </p:sp>
       <p:sp>
         <p:nvSpPr>
-          <p:cNvPr id="7" name="灯片编号占位符 6">
-            <a:extLst>
-              <a:ext uri="{FF2B5EF4-FFF2-40B4-BE49-F238E27FC236}">
-                <a16:creationId xmlns:a16="http://schemas.microsoft.com/office/drawing/2014/main" id="{7903F503-A218-427E-8682-2CA41E26EA14}"/>
-              </a:ext>
-            </a:extLst>
-          </p:cNvPr>
+          <p:cNvPr id="7" name="灯片编号占位符 6"/>
           <p:cNvSpPr>
             <a:spLocks noGrp="1"/>
           </p:cNvSpPr>
@@ -1917,18 +1714,12 @@
           <a:p>
             <a:fld id="{325673FD-FD9B-42CC-9261-6811E61FD00E}" type="slidenum">
               <a:rPr lang="zh-CN" altLang="en-US" smtClean="0"/>
-              <a:t>‹#›</a:t>
             </a:fld>
             <a:endParaRPr lang="zh-CN" altLang="en-US"/>
           </a:p>
         </p:txBody>
       </p:sp>
     </p:spTree>
-    <p:extLst>
-      <p:ext uri="{BB962C8B-B14F-4D97-AF65-F5344CB8AC3E}">
-        <p14:creationId xmlns:p14="http://schemas.microsoft.com/office/powerpoint/2010/main" val="2164783863"/>
-      </p:ext>
-    </p:extLst>
   </p:cSld>
   <p:clrMapOvr>
     <a:masterClrMapping/>
@@ -1955,13 +1746,7 @@
       </p:grpSpPr>
       <p:sp>
         <p:nvSpPr>
-          <p:cNvPr id="2" name="标题 1">
-            <a:extLst>
-              <a:ext uri="{FF2B5EF4-FFF2-40B4-BE49-F238E27FC236}">
-                <a16:creationId xmlns:a16="http://schemas.microsoft.com/office/drawing/2014/main" id="{64BBA0F8-BB4F-4F11-B432-77269806453A}"/>
-              </a:ext>
-            </a:extLst>
-          </p:cNvPr>
+          <p:cNvPr id="2" name="标题 1"/>
           <p:cNvSpPr>
             <a:spLocks noGrp="1"/>
           </p:cNvSpPr>
@@ -1983,23 +1768,18 @@
               <a:rPr lang="zh-CN" altLang="en-US"/>
               <a:t>单击此处编辑母版标题样式</a:t>
             </a:r>
+            <a:endParaRPr lang="zh-CN" altLang="en-US"/>
           </a:p>
         </p:txBody>
       </p:sp>
       <p:sp>
         <p:nvSpPr>
-          <p:cNvPr id="3" name="文本占位符 2">
-            <a:extLst>
-              <a:ext uri="{FF2B5EF4-FFF2-40B4-BE49-F238E27FC236}">
-                <a16:creationId xmlns:a16="http://schemas.microsoft.com/office/drawing/2014/main" id="{DC899199-D095-4C13-A697-9F8869A78BDD}"/>
-              </a:ext>
-            </a:extLst>
-          </p:cNvPr>
+          <p:cNvPr id="3" name="文本占位符 2"/>
           <p:cNvSpPr>
             <a:spLocks noGrp="1"/>
           </p:cNvSpPr>
           <p:nvPr>
-            <p:ph type="body" idx="1"/>
+            <p:ph type="body" idx="1" hasCustomPrompt="1"/>
           </p:nvPr>
         </p:nvSpPr>
         <p:spPr>
@@ -2054,23 +1834,18 @@
               <a:rPr lang="zh-CN" altLang="en-US"/>
               <a:t>编辑母版文本样式</a:t>
             </a:r>
+            <a:endParaRPr lang="zh-CN" altLang="en-US"/>
           </a:p>
         </p:txBody>
       </p:sp>
       <p:sp>
         <p:nvSpPr>
-          <p:cNvPr id="4" name="内容占位符 3">
-            <a:extLst>
-              <a:ext uri="{FF2B5EF4-FFF2-40B4-BE49-F238E27FC236}">
-                <a16:creationId xmlns:a16="http://schemas.microsoft.com/office/drawing/2014/main" id="{1D51A2FD-55DB-4729-865D-8D10BA8C30FD}"/>
-              </a:ext>
-            </a:extLst>
-          </p:cNvPr>
+          <p:cNvPr id="4" name="内容占位符 3"/>
           <p:cNvSpPr>
             <a:spLocks noGrp="1"/>
           </p:cNvSpPr>
           <p:nvPr>
-            <p:ph sz="half" idx="2"/>
+            <p:ph sz="half" idx="2" hasCustomPrompt="1"/>
           </p:nvPr>
         </p:nvSpPr>
         <p:spPr>
@@ -2088,6 +1863,7 @@
               <a:rPr lang="zh-CN" altLang="en-US"/>
               <a:t>编辑母版文本样式</a:t>
             </a:r>
+            <a:endParaRPr lang="zh-CN" altLang="en-US"/>
           </a:p>
           <a:p>
             <a:pPr lvl="1"/>
@@ -2095,6 +1871,7 @@
               <a:rPr lang="zh-CN" altLang="en-US"/>
               <a:t>第二级</a:t>
             </a:r>
+            <a:endParaRPr lang="zh-CN" altLang="en-US"/>
           </a:p>
           <a:p>
             <a:pPr lvl="2"/>
@@ -2102,6 +1879,7 @@
               <a:rPr lang="zh-CN" altLang="en-US"/>
               <a:t>第三级</a:t>
             </a:r>
+            <a:endParaRPr lang="zh-CN" altLang="en-US"/>
           </a:p>
           <a:p>
             <a:pPr lvl="3"/>
@@ -2109,6 +1887,7 @@
               <a:rPr lang="zh-CN" altLang="en-US"/>
               <a:t>第四级</a:t>
             </a:r>
+            <a:endParaRPr lang="zh-CN" altLang="en-US"/>
           </a:p>
           <a:p>
             <a:pPr lvl="4"/>
@@ -2116,23 +1895,18 @@
               <a:rPr lang="zh-CN" altLang="en-US"/>
               <a:t>第五级</a:t>
             </a:r>
+            <a:endParaRPr lang="zh-CN" altLang="en-US"/>
           </a:p>
         </p:txBody>
       </p:sp>
       <p:sp>
         <p:nvSpPr>
-          <p:cNvPr id="5" name="文本占位符 4">
-            <a:extLst>
-              <a:ext uri="{FF2B5EF4-FFF2-40B4-BE49-F238E27FC236}">
-                <a16:creationId xmlns:a16="http://schemas.microsoft.com/office/drawing/2014/main" id="{5629BD19-83B9-4977-8D2A-EC410C9C916A}"/>
-              </a:ext>
-            </a:extLst>
-          </p:cNvPr>
+          <p:cNvPr id="5" name="文本占位符 4"/>
           <p:cNvSpPr>
             <a:spLocks noGrp="1"/>
           </p:cNvSpPr>
           <p:nvPr>
-            <p:ph type="body" sz="quarter" idx="3"/>
+            <p:ph type="body" sz="quarter" idx="3" hasCustomPrompt="1"/>
           </p:nvPr>
         </p:nvSpPr>
         <p:spPr>
@@ -2187,23 +1961,18 @@
               <a:rPr lang="zh-CN" altLang="en-US"/>
               <a:t>编辑母版文本样式</a:t>
             </a:r>
+            <a:endParaRPr lang="zh-CN" altLang="en-US"/>
           </a:p>
         </p:txBody>
       </p:sp>
       <p:sp>
         <p:nvSpPr>
-          <p:cNvPr id="6" name="内容占位符 5">
-            <a:extLst>
-              <a:ext uri="{FF2B5EF4-FFF2-40B4-BE49-F238E27FC236}">
-                <a16:creationId xmlns:a16="http://schemas.microsoft.com/office/drawing/2014/main" id="{EF17A056-1055-4544-A917-57EEB407111A}"/>
-              </a:ext>
-            </a:extLst>
-          </p:cNvPr>
+          <p:cNvPr id="6" name="内容占位符 5"/>
           <p:cNvSpPr>
             <a:spLocks noGrp="1"/>
           </p:cNvSpPr>
           <p:nvPr>
-            <p:ph sz="quarter" idx="4"/>
+            <p:ph sz="quarter" idx="4" hasCustomPrompt="1"/>
           </p:nvPr>
         </p:nvSpPr>
         <p:spPr>
@@ -2221,6 +1990,7 @@
               <a:rPr lang="zh-CN" altLang="en-US"/>
               <a:t>编辑母版文本样式</a:t>
             </a:r>
+            <a:endParaRPr lang="zh-CN" altLang="en-US"/>
           </a:p>
           <a:p>
             <a:pPr lvl="1"/>
@@ -2228,6 +1998,7 @@
               <a:rPr lang="zh-CN" altLang="en-US"/>
               <a:t>第二级</a:t>
             </a:r>
+            <a:endParaRPr lang="zh-CN" altLang="en-US"/>
           </a:p>
           <a:p>
             <a:pPr lvl="2"/>
@@ -2235,6 +2006,7 @@
               <a:rPr lang="zh-CN" altLang="en-US"/>
               <a:t>第三级</a:t>
             </a:r>
+            <a:endParaRPr lang="zh-CN" altLang="en-US"/>
           </a:p>
           <a:p>
             <a:pPr lvl="3"/>
@@ -2242,6 +2014,7 @@
               <a:rPr lang="zh-CN" altLang="en-US"/>
               <a:t>第四级</a:t>
             </a:r>
+            <a:endParaRPr lang="zh-CN" altLang="en-US"/>
           </a:p>
           <a:p>
             <a:pPr lvl="4"/>
@@ -2249,18 +2022,13 @@
               <a:rPr lang="zh-CN" altLang="en-US"/>
               <a:t>第五级</a:t>
             </a:r>
+            <a:endParaRPr lang="zh-CN" altLang="en-US"/>
           </a:p>
         </p:txBody>
       </p:sp>
       <p:sp>
         <p:nvSpPr>
-          <p:cNvPr id="7" name="日期占位符 6">
-            <a:extLst>
-              <a:ext uri="{FF2B5EF4-FFF2-40B4-BE49-F238E27FC236}">
-                <a16:creationId xmlns:a16="http://schemas.microsoft.com/office/drawing/2014/main" id="{A3F78656-78EB-4B4A-B028-1D12D994E17C}"/>
-              </a:ext>
-            </a:extLst>
-          </p:cNvPr>
+          <p:cNvPr id="7" name="日期占位符 6"/>
           <p:cNvSpPr>
             <a:spLocks noGrp="1"/>
           </p:cNvSpPr>
@@ -2275,7 +2043,6 @@
           <a:p>
             <a:fld id="{F318E930-FC99-4238-B0EE-ACD1A6D07B5C}" type="datetimeFigureOut">
               <a:rPr lang="zh-CN" altLang="en-US" smtClean="0"/>
-              <a:t>2020/11/16</a:t>
             </a:fld>
             <a:endParaRPr lang="zh-CN" altLang="en-US"/>
           </a:p>
@@ -2283,13 +2050,7 @@
       </p:sp>
       <p:sp>
         <p:nvSpPr>
-          <p:cNvPr id="8" name="页脚占位符 7">
-            <a:extLst>
-              <a:ext uri="{FF2B5EF4-FFF2-40B4-BE49-F238E27FC236}">
-                <a16:creationId xmlns:a16="http://schemas.microsoft.com/office/drawing/2014/main" id="{8051F703-5371-4586-B1C7-AD52F897F2CC}"/>
-              </a:ext>
-            </a:extLst>
-          </p:cNvPr>
+          <p:cNvPr id="8" name="页脚占位符 7"/>
           <p:cNvSpPr>
             <a:spLocks noGrp="1"/>
           </p:cNvSpPr>
@@ -2308,13 +2069,7 @@
       </p:sp>
       <p:sp>
         <p:nvSpPr>
-          <p:cNvPr id="9" name="灯片编号占位符 8">
-            <a:extLst>
-              <a:ext uri="{FF2B5EF4-FFF2-40B4-BE49-F238E27FC236}">
-                <a16:creationId xmlns:a16="http://schemas.microsoft.com/office/drawing/2014/main" id="{BEA205B6-D655-4E45-93EE-69EFFEFC5B71}"/>
-              </a:ext>
-            </a:extLst>
-          </p:cNvPr>
+          <p:cNvPr id="9" name="灯片编号占位符 8"/>
           <p:cNvSpPr>
             <a:spLocks noGrp="1"/>
           </p:cNvSpPr>
@@ -2329,18 +2084,12 @@
           <a:p>
             <a:fld id="{325673FD-FD9B-42CC-9261-6811E61FD00E}" type="slidenum">
               <a:rPr lang="zh-CN" altLang="en-US" smtClean="0"/>
-              <a:t>‹#›</a:t>
             </a:fld>
             <a:endParaRPr lang="zh-CN" altLang="en-US"/>
           </a:p>
         </p:txBody>
       </p:sp>
     </p:spTree>
-    <p:extLst>
-      <p:ext uri="{BB962C8B-B14F-4D97-AF65-F5344CB8AC3E}">
-        <p14:creationId xmlns:p14="http://schemas.microsoft.com/office/powerpoint/2010/main" val="1637266311"/>
-      </p:ext>
-    </p:extLst>
   </p:cSld>
   <p:clrMapOvr>
     <a:masterClrMapping/>
@@ -2367,13 +2116,7 @@
       </p:grpSpPr>
       <p:sp>
         <p:nvSpPr>
-          <p:cNvPr id="2" name="标题 1">
-            <a:extLst>
-              <a:ext uri="{FF2B5EF4-FFF2-40B4-BE49-F238E27FC236}">
-                <a16:creationId xmlns:a16="http://schemas.microsoft.com/office/drawing/2014/main" id="{199FCAE8-0D48-42C2-AB03-15599536BE34}"/>
-              </a:ext>
-            </a:extLst>
-          </p:cNvPr>
+          <p:cNvPr id="2" name="标题 1"/>
           <p:cNvSpPr>
             <a:spLocks noGrp="1"/>
           </p:cNvSpPr>
@@ -2390,18 +2133,13 @@
               <a:rPr lang="zh-CN" altLang="en-US"/>
               <a:t>单击此处编辑母版标题样式</a:t>
             </a:r>
+            <a:endParaRPr lang="zh-CN" altLang="en-US"/>
           </a:p>
         </p:txBody>
       </p:sp>
       <p:sp>
         <p:nvSpPr>
-          <p:cNvPr id="3" name="日期占位符 2">
-            <a:extLst>
-              <a:ext uri="{FF2B5EF4-FFF2-40B4-BE49-F238E27FC236}">
-                <a16:creationId xmlns:a16="http://schemas.microsoft.com/office/drawing/2014/main" id="{CC444554-8056-487A-BCBD-2C0E2D620BE7}"/>
-              </a:ext>
-            </a:extLst>
-          </p:cNvPr>
+          <p:cNvPr id="3" name="日期占位符 2"/>
           <p:cNvSpPr>
             <a:spLocks noGrp="1"/>
           </p:cNvSpPr>
@@ -2416,7 +2154,6 @@
           <a:p>
             <a:fld id="{F318E930-FC99-4238-B0EE-ACD1A6D07B5C}" type="datetimeFigureOut">
               <a:rPr lang="zh-CN" altLang="en-US" smtClean="0"/>
-              <a:t>2020/11/16</a:t>
             </a:fld>
             <a:endParaRPr lang="zh-CN" altLang="en-US"/>
           </a:p>
@@ -2424,13 +2161,7 @@
       </p:sp>
       <p:sp>
         <p:nvSpPr>
-          <p:cNvPr id="4" name="页脚占位符 3">
-            <a:extLst>
-              <a:ext uri="{FF2B5EF4-FFF2-40B4-BE49-F238E27FC236}">
-                <a16:creationId xmlns:a16="http://schemas.microsoft.com/office/drawing/2014/main" id="{3690D702-AC43-4964-AED9-FB254F99F652}"/>
-              </a:ext>
-            </a:extLst>
-          </p:cNvPr>
+          <p:cNvPr id="4" name="页脚占位符 3"/>
           <p:cNvSpPr>
             <a:spLocks noGrp="1"/>
           </p:cNvSpPr>
@@ -2449,13 +2180,7 @@
       </p:sp>
       <p:sp>
         <p:nvSpPr>
-          <p:cNvPr id="5" name="灯片编号占位符 4">
-            <a:extLst>
-              <a:ext uri="{FF2B5EF4-FFF2-40B4-BE49-F238E27FC236}">
-                <a16:creationId xmlns:a16="http://schemas.microsoft.com/office/drawing/2014/main" id="{5F56A80F-0E07-4391-B225-006AB123DD5E}"/>
-              </a:ext>
-            </a:extLst>
-          </p:cNvPr>
+          <p:cNvPr id="5" name="灯片编号占位符 4"/>
           <p:cNvSpPr>
             <a:spLocks noGrp="1"/>
           </p:cNvSpPr>
@@ -2470,18 +2195,12 @@
           <a:p>
             <a:fld id="{325673FD-FD9B-42CC-9261-6811E61FD00E}" type="slidenum">
               <a:rPr lang="zh-CN" altLang="en-US" smtClean="0"/>
-              <a:t>‹#›</a:t>
             </a:fld>
             <a:endParaRPr lang="zh-CN" altLang="en-US"/>
           </a:p>
         </p:txBody>
       </p:sp>
     </p:spTree>
-    <p:extLst>
-      <p:ext uri="{BB962C8B-B14F-4D97-AF65-F5344CB8AC3E}">
-        <p14:creationId xmlns:p14="http://schemas.microsoft.com/office/powerpoint/2010/main" val="886064578"/>
-      </p:ext>
-    </p:extLst>
   </p:cSld>
   <p:clrMapOvr>
     <a:masterClrMapping/>
@@ -2508,13 +2227,7 @@
       </p:grpSpPr>
       <p:sp>
         <p:nvSpPr>
-          <p:cNvPr id="2" name="日期占位符 1">
-            <a:extLst>
-              <a:ext uri="{FF2B5EF4-FFF2-40B4-BE49-F238E27FC236}">
-                <a16:creationId xmlns:a16="http://schemas.microsoft.com/office/drawing/2014/main" id="{05D7FB6B-DCF1-44B3-A0EB-796149295632}"/>
-              </a:ext>
-            </a:extLst>
-          </p:cNvPr>
+          <p:cNvPr id="2" name="日期占位符 1"/>
           <p:cNvSpPr>
             <a:spLocks noGrp="1"/>
           </p:cNvSpPr>
@@ -2529,7 +2242,6 @@
           <a:p>
             <a:fld id="{F318E930-FC99-4238-B0EE-ACD1A6D07B5C}" type="datetimeFigureOut">
               <a:rPr lang="zh-CN" altLang="en-US" smtClean="0"/>
-              <a:t>2020/11/16</a:t>
             </a:fld>
             <a:endParaRPr lang="zh-CN" altLang="en-US"/>
           </a:p>
@@ -2537,13 +2249,7 @@
       </p:sp>
       <p:sp>
         <p:nvSpPr>
-          <p:cNvPr id="3" name="页脚占位符 2">
-            <a:extLst>
-              <a:ext uri="{FF2B5EF4-FFF2-40B4-BE49-F238E27FC236}">
-                <a16:creationId xmlns:a16="http://schemas.microsoft.com/office/drawing/2014/main" id="{E0F42459-341D-4942-B2D3-9301BC172FC2}"/>
-              </a:ext>
-            </a:extLst>
-          </p:cNvPr>
+          <p:cNvPr id="3" name="页脚占位符 2"/>
           <p:cNvSpPr>
             <a:spLocks noGrp="1"/>
           </p:cNvSpPr>
@@ -2562,13 +2268,7 @@
       </p:sp>
       <p:sp>
         <p:nvSpPr>
-          <p:cNvPr id="4" name="灯片编号占位符 3">
-            <a:extLst>
-              <a:ext uri="{FF2B5EF4-FFF2-40B4-BE49-F238E27FC236}">
-                <a16:creationId xmlns:a16="http://schemas.microsoft.com/office/drawing/2014/main" id="{80ADB072-CD75-49D4-AAE8-EEDB3C45123A}"/>
-              </a:ext>
-            </a:extLst>
-          </p:cNvPr>
+          <p:cNvPr id="4" name="灯片编号占位符 3"/>
           <p:cNvSpPr>
             <a:spLocks noGrp="1"/>
           </p:cNvSpPr>
@@ -2583,18 +2283,12 @@
           <a:p>
             <a:fld id="{325673FD-FD9B-42CC-9261-6811E61FD00E}" type="slidenum">
               <a:rPr lang="zh-CN" altLang="en-US" smtClean="0"/>
-              <a:t>‹#›</a:t>
             </a:fld>
             <a:endParaRPr lang="zh-CN" altLang="en-US"/>
           </a:p>
         </p:txBody>
       </p:sp>
     </p:spTree>
-    <p:extLst>
-      <p:ext uri="{BB962C8B-B14F-4D97-AF65-F5344CB8AC3E}">
-        <p14:creationId xmlns:p14="http://schemas.microsoft.com/office/powerpoint/2010/main" val="2469978510"/>
-      </p:ext>
-    </p:extLst>
   </p:cSld>
   <p:clrMapOvr>
     <a:masterClrMapping/>
@@ -2621,13 +2315,7 @@
       </p:grpSpPr>
       <p:sp>
         <p:nvSpPr>
-          <p:cNvPr id="2" name="标题 1">
-            <a:extLst>
-              <a:ext uri="{FF2B5EF4-FFF2-40B4-BE49-F238E27FC236}">
-                <a16:creationId xmlns:a16="http://schemas.microsoft.com/office/drawing/2014/main" id="{D09926EE-7E1E-41A9-B172-949F618E96A3}"/>
-              </a:ext>
-            </a:extLst>
-          </p:cNvPr>
+          <p:cNvPr id="2" name="标题 1"/>
           <p:cNvSpPr>
             <a:spLocks noGrp="1"/>
           </p:cNvSpPr>
@@ -2653,23 +2341,18 @@
               <a:rPr lang="zh-CN" altLang="en-US"/>
               <a:t>单击此处编辑母版标题样式</a:t>
             </a:r>
+            <a:endParaRPr lang="zh-CN" altLang="en-US"/>
           </a:p>
         </p:txBody>
       </p:sp>
       <p:sp>
         <p:nvSpPr>
-          <p:cNvPr id="3" name="内容占位符 2">
-            <a:extLst>
-              <a:ext uri="{FF2B5EF4-FFF2-40B4-BE49-F238E27FC236}">
-                <a16:creationId xmlns:a16="http://schemas.microsoft.com/office/drawing/2014/main" id="{3741DA18-16DD-4515-BA69-A6E85E66E670}"/>
-              </a:ext>
-            </a:extLst>
-          </p:cNvPr>
+          <p:cNvPr id="3" name="内容占位符 2"/>
           <p:cNvSpPr>
             <a:spLocks noGrp="1"/>
           </p:cNvSpPr>
           <p:nvPr>
-            <p:ph idx="1"/>
+            <p:ph idx="1" hasCustomPrompt="1"/>
           </p:nvPr>
         </p:nvSpPr>
         <p:spPr>
@@ -2715,6 +2398,7 @@
               <a:rPr lang="zh-CN" altLang="en-US"/>
               <a:t>编辑母版文本样式</a:t>
             </a:r>
+            <a:endParaRPr lang="zh-CN" altLang="en-US"/>
           </a:p>
           <a:p>
             <a:pPr lvl="1"/>
@@ -2722,6 +2406,7 @@
               <a:rPr lang="zh-CN" altLang="en-US"/>
               <a:t>第二级</a:t>
             </a:r>
+            <a:endParaRPr lang="zh-CN" altLang="en-US"/>
           </a:p>
           <a:p>
             <a:pPr lvl="2"/>
@@ -2729,6 +2414,7 @@
               <a:rPr lang="zh-CN" altLang="en-US"/>
               <a:t>第三级</a:t>
             </a:r>
+            <a:endParaRPr lang="zh-CN" altLang="en-US"/>
           </a:p>
           <a:p>
             <a:pPr lvl="3"/>
@@ -2736,6 +2422,7 @@
               <a:rPr lang="zh-CN" altLang="en-US"/>
               <a:t>第四级</a:t>
             </a:r>
+            <a:endParaRPr lang="zh-CN" altLang="en-US"/>
           </a:p>
           <a:p>
             <a:pPr lvl="4"/>
@@ -2743,23 +2430,18 @@
               <a:rPr lang="zh-CN" altLang="en-US"/>
               <a:t>第五级</a:t>
             </a:r>
+            <a:endParaRPr lang="zh-CN" altLang="en-US"/>
           </a:p>
         </p:txBody>
       </p:sp>
       <p:sp>
         <p:nvSpPr>
-          <p:cNvPr id="4" name="文本占位符 3">
-            <a:extLst>
-              <a:ext uri="{FF2B5EF4-FFF2-40B4-BE49-F238E27FC236}">
-                <a16:creationId xmlns:a16="http://schemas.microsoft.com/office/drawing/2014/main" id="{BD8EBCC9-91F6-4C3D-92B3-7ABAAE8D8240}"/>
-              </a:ext>
-            </a:extLst>
-          </p:cNvPr>
+          <p:cNvPr id="4" name="文本占位符 3"/>
           <p:cNvSpPr>
             <a:spLocks noGrp="1"/>
           </p:cNvSpPr>
           <p:nvPr>
-            <p:ph type="body" sz="half" idx="2"/>
+            <p:ph type="body" sz="half" idx="2" hasCustomPrompt="1"/>
           </p:nvPr>
         </p:nvSpPr>
         <p:spPr>
@@ -2814,18 +2496,13 @@
               <a:rPr lang="zh-CN" altLang="en-US"/>
               <a:t>编辑母版文本样式</a:t>
             </a:r>
+            <a:endParaRPr lang="zh-CN" altLang="en-US"/>
           </a:p>
         </p:txBody>
       </p:sp>
       <p:sp>
         <p:nvSpPr>
-          <p:cNvPr id="5" name="日期占位符 4">
-            <a:extLst>
-              <a:ext uri="{FF2B5EF4-FFF2-40B4-BE49-F238E27FC236}">
-                <a16:creationId xmlns:a16="http://schemas.microsoft.com/office/drawing/2014/main" id="{11CC59BE-C64A-45E9-BA6C-F624BF20AD30}"/>
-              </a:ext>
-            </a:extLst>
-          </p:cNvPr>
+          <p:cNvPr id="5" name="日期占位符 4"/>
           <p:cNvSpPr>
             <a:spLocks noGrp="1"/>
           </p:cNvSpPr>
@@ -2840,7 +2517,6 @@
           <a:p>
             <a:fld id="{F318E930-FC99-4238-B0EE-ACD1A6D07B5C}" type="datetimeFigureOut">
               <a:rPr lang="zh-CN" altLang="en-US" smtClean="0"/>
-              <a:t>2020/11/16</a:t>
             </a:fld>
             <a:endParaRPr lang="zh-CN" altLang="en-US"/>
           </a:p>
@@ -2848,13 +2524,7 @@
       </p:sp>
       <p:sp>
         <p:nvSpPr>
-          <p:cNvPr id="6" name="页脚占位符 5">
-            <a:extLst>
-              <a:ext uri="{FF2B5EF4-FFF2-40B4-BE49-F238E27FC236}">
-                <a16:creationId xmlns:a16="http://schemas.microsoft.com/office/drawing/2014/main" id="{97E01CFD-B212-4B19-ADE3-7F6E6EEA600B}"/>
-              </a:ext>
-            </a:extLst>
-          </p:cNvPr>
+          <p:cNvPr id="6" name="页脚占位符 5"/>
           <p:cNvSpPr>
             <a:spLocks noGrp="1"/>
           </p:cNvSpPr>
@@ -2873,13 +2543,7 @@
       </p:sp>
       <p:sp>
         <p:nvSpPr>
-          <p:cNvPr id="7" name="灯片编号占位符 6">
-            <a:extLst>
-              <a:ext uri="{FF2B5EF4-FFF2-40B4-BE49-F238E27FC236}">
-                <a16:creationId xmlns:a16="http://schemas.microsoft.com/office/drawing/2014/main" id="{E1075B95-052B-478E-AC0F-B54D984F79BA}"/>
-              </a:ext>
-            </a:extLst>
-          </p:cNvPr>
+          <p:cNvPr id="7" name="灯片编号占位符 6"/>
           <p:cNvSpPr>
             <a:spLocks noGrp="1"/>
           </p:cNvSpPr>
@@ -2894,18 +2558,12 @@
           <a:p>
             <a:fld id="{325673FD-FD9B-42CC-9261-6811E61FD00E}" type="slidenum">
               <a:rPr lang="zh-CN" altLang="en-US" smtClean="0"/>
-              <a:t>‹#›</a:t>
             </a:fld>
             <a:endParaRPr lang="zh-CN" altLang="en-US"/>
           </a:p>
         </p:txBody>
       </p:sp>
     </p:spTree>
-    <p:extLst>
-      <p:ext uri="{BB962C8B-B14F-4D97-AF65-F5344CB8AC3E}">
-        <p14:creationId xmlns:p14="http://schemas.microsoft.com/office/powerpoint/2010/main" val="1454561941"/>
-      </p:ext>
-    </p:extLst>
   </p:cSld>
   <p:clrMapOvr>
     <a:masterClrMapping/>
@@ -2932,13 +2590,7 @@
       </p:grpSpPr>
       <p:sp>
         <p:nvSpPr>
-          <p:cNvPr id="2" name="标题 1">
-            <a:extLst>
-              <a:ext uri="{FF2B5EF4-FFF2-40B4-BE49-F238E27FC236}">
-                <a16:creationId xmlns:a16="http://schemas.microsoft.com/office/drawing/2014/main" id="{796FDF1D-8B73-4A8A-8F43-A30F032F59BC}"/>
-              </a:ext>
-            </a:extLst>
-          </p:cNvPr>
+          <p:cNvPr id="2" name="标题 1"/>
           <p:cNvSpPr>
             <a:spLocks noGrp="1"/>
           </p:cNvSpPr>
@@ -2964,18 +2616,13 @@
               <a:rPr lang="zh-CN" altLang="en-US"/>
               <a:t>单击此处编辑母版标题样式</a:t>
             </a:r>
+            <a:endParaRPr lang="zh-CN" altLang="en-US"/>
           </a:p>
         </p:txBody>
       </p:sp>
       <p:sp>
         <p:nvSpPr>
-          <p:cNvPr id="3" name="图片占位符 2">
-            <a:extLst>
-              <a:ext uri="{FF2B5EF4-FFF2-40B4-BE49-F238E27FC236}">
-                <a16:creationId xmlns:a16="http://schemas.microsoft.com/office/drawing/2014/main" id="{257EB61F-89DA-4B02-BC1E-D456F19FE735}"/>
-              </a:ext>
-            </a:extLst>
-          </p:cNvPr>
+          <p:cNvPr id="3" name="图片占位符 2"/>
           <p:cNvSpPr>
             <a:spLocks noGrp="1"/>
           </p:cNvSpPr>
@@ -3036,18 +2683,12 @@
       </p:sp>
       <p:sp>
         <p:nvSpPr>
-          <p:cNvPr id="4" name="文本占位符 3">
-            <a:extLst>
-              <a:ext uri="{FF2B5EF4-FFF2-40B4-BE49-F238E27FC236}">
-                <a16:creationId xmlns:a16="http://schemas.microsoft.com/office/drawing/2014/main" id="{F386D90D-7E58-45E0-80B2-AB6071D4CF5B}"/>
-              </a:ext>
-            </a:extLst>
-          </p:cNvPr>
+          <p:cNvPr id="4" name="文本占位符 3"/>
           <p:cNvSpPr>
             <a:spLocks noGrp="1"/>
           </p:cNvSpPr>
           <p:nvPr>
-            <p:ph type="body" sz="half" idx="2"/>
+            <p:ph type="body" sz="half" idx="2" hasCustomPrompt="1"/>
           </p:nvPr>
         </p:nvSpPr>
         <p:spPr>
@@ -3102,18 +2743,13 @@
               <a:rPr lang="zh-CN" altLang="en-US"/>
               <a:t>编辑母版文本样式</a:t>
             </a:r>
+            <a:endParaRPr lang="zh-CN" altLang="en-US"/>
           </a:p>
         </p:txBody>
       </p:sp>
       <p:sp>
         <p:nvSpPr>
-          <p:cNvPr id="5" name="日期占位符 4">
-            <a:extLst>
-              <a:ext uri="{FF2B5EF4-FFF2-40B4-BE49-F238E27FC236}">
-                <a16:creationId xmlns:a16="http://schemas.microsoft.com/office/drawing/2014/main" id="{58F91F19-8F8B-4018-B914-26E4D03D30C6}"/>
-              </a:ext>
-            </a:extLst>
-          </p:cNvPr>
+          <p:cNvPr id="5" name="日期占位符 4"/>
           <p:cNvSpPr>
             <a:spLocks noGrp="1"/>
           </p:cNvSpPr>
@@ -3128,7 +2764,6 @@
           <a:p>
             <a:fld id="{F318E930-FC99-4238-B0EE-ACD1A6D07B5C}" type="datetimeFigureOut">
               <a:rPr lang="zh-CN" altLang="en-US" smtClean="0"/>
-              <a:t>2020/11/16</a:t>
             </a:fld>
             <a:endParaRPr lang="zh-CN" altLang="en-US"/>
           </a:p>
@@ -3136,13 +2771,7 @@
       </p:sp>
       <p:sp>
         <p:nvSpPr>
-          <p:cNvPr id="6" name="页脚占位符 5">
-            <a:extLst>
-              <a:ext uri="{FF2B5EF4-FFF2-40B4-BE49-F238E27FC236}">
-                <a16:creationId xmlns:a16="http://schemas.microsoft.com/office/drawing/2014/main" id="{DC5F8816-3B3C-49F8-8AB8-4304E4508167}"/>
-              </a:ext>
-            </a:extLst>
-          </p:cNvPr>
+          <p:cNvPr id="6" name="页脚占位符 5"/>
           <p:cNvSpPr>
             <a:spLocks noGrp="1"/>
           </p:cNvSpPr>
@@ -3161,13 +2790,7 @@
       </p:sp>
       <p:sp>
         <p:nvSpPr>
-          <p:cNvPr id="7" name="灯片编号占位符 6">
-            <a:extLst>
-              <a:ext uri="{FF2B5EF4-FFF2-40B4-BE49-F238E27FC236}">
-                <a16:creationId xmlns:a16="http://schemas.microsoft.com/office/drawing/2014/main" id="{DE4EE492-3A21-4421-BDA0-741621E532D4}"/>
-              </a:ext>
-            </a:extLst>
-          </p:cNvPr>
+          <p:cNvPr id="7" name="灯片编号占位符 6"/>
           <p:cNvSpPr>
             <a:spLocks noGrp="1"/>
           </p:cNvSpPr>
@@ -3182,18 +2805,12 @@
           <a:p>
             <a:fld id="{325673FD-FD9B-42CC-9261-6811E61FD00E}" type="slidenum">
               <a:rPr lang="zh-CN" altLang="en-US" smtClean="0"/>
-              <a:t>‹#›</a:t>
             </a:fld>
             <a:endParaRPr lang="zh-CN" altLang="en-US"/>
           </a:p>
         </p:txBody>
       </p:sp>
     </p:spTree>
-    <p:extLst>
-      <p:ext uri="{BB962C8B-B14F-4D97-AF65-F5344CB8AC3E}">
-        <p14:creationId xmlns:p14="http://schemas.microsoft.com/office/powerpoint/2010/main" val="561864783"/>
-      </p:ext>
-    </p:extLst>
   </p:cSld>
   <p:clrMapOvr>
     <a:masterClrMapping/>
@@ -3225,13 +2842,7 @@
       </p:grpSpPr>
       <p:sp>
         <p:nvSpPr>
-          <p:cNvPr id="2" name="标题占位符 1">
-            <a:extLst>
-              <a:ext uri="{FF2B5EF4-FFF2-40B4-BE49-F238E27FC236}">
-                <a16:creationId xmlns:a16="http://schemas.microsoft.com/office/drawing/2014/main" id="{42BADFDB-AB00-400A-B88B-B0CAF8B3549F}"/>
-              </a:ext>
-            </a:extLst>
-          </p:cNvPr>
+          <p:cNvPr id="2" name="标题占位符 1"/>
           <p:cNvSpPr>
             <a:spLocks noGrp="1"/>
           </p:cNvSpPr>
@@ -3258,18 +2869,13 @@
               <a:rPr lang="zh-CN" altLang="en-US"/>
               <a:t>单击此处编辑母版标题样式</a:t>
             </a:r>
+            <a:endParaRPr lang="zh-CN" altLang="en-US"/>
           </a:p>
         </p:txBody>
       </p:sp>
       <p:sp>
         <p:nvSpPr>
-          <p:cNvPr id="3" name="文本占位符 2">
-            <a:extLst>
-              <a:ext uri="{FF2B5EF4-FFF2-40B4-BE49-F238E27FC236}">
-                <a16:creationId xmlns:a16="http://schemas.microsoft.com/office/drawing/2014/main" id="{2276C96B-1D9C-4E28-B4F5-707918746CC9}"/>
-              </a:ext>
-            </a:extLst>
-          </p:cNvPr>
+          <p:cNvPr id="3" name="文本占位符 2"/>
           <p:cNvSpPr>
             <a:spLocks noGrp="1"/>
           </p:cNvSpPr>
@@ -3297,6 +2903,7 @@
               <a:rPr lang="zh-CN" altLang="en-US"/>
               <a:t>编辑母版文本样式</a:t>
             </a:r>
+            <a:endParaRPr lang="zh-CN" altLang="en-US"/>
           </a:p>
           <a:p>
             <a:pPr lvl="1"/>
@@ -3304,6 +2911,7 @@
               <a:rPr lang="zh-CN" altLang="en-US"/>
               <a:t>第二级</a:t>
             </a:r>
+            <a:endParaRPr lang="zh-CN" altLang="en-US"/>
           </a:p>
           <a:p>
             <a:pPr lvl="2"/>
@@ -3311,6 +2919,7 @@
               <a:rPr lang="zh-CN" altLang="en-US"/>
               <a:t>第三级</a:t>
             </a:r>
+            <a:endParaRPr lang="zh-CN" altLang="en-US"/>
           </a:p>
           <a:p>
             <a:pPr lvl="3"/>
@@ -3318,6 +2927,7 @@
               <a:rPr lang="zh-CN" altLang="en-US"/>
               <a:t>第四级</a:t>
             </a:r>
+            <a:endParaRPr lang="zh-CN" altLang="en-US"/>
           </a:p>
           <a:p>
             <a:pPr lvl="4"/>
@@ -3325,18 +2935,13 @@
               <a:rPr lang="zh-CN" altLang="en-US"/>
               <a:t>第五级</a:t>
             </a:r>
+            <a:endParaRPr lang="zh-CN" altLang="en-US"/>
           </a:p>
         </p:txBody>
       </p:sp>
       <p:sp>
         <p:nvSpPr>
-          <p:cNvPr id="4" name="日期占位符 3">
-            <a:extLst>
-              <a:ext uri="{FF2B5EF4-FFF2-40B4-BE49-F238E27FC236}">
-                <a16:creationId xmlns:a16="http://schemas.microsoft.com/office/drawing/2014/main" id="{A1F0DA4F-BD09-45DE-8506-669FB60F5D75}"/>
-              </a:ext>
-            </a:extLst>
-          </p:cNvPr>
+          <p:cNvPr id="4" name="日期占位符 3"/>
           <p:cNvSpPr>
             <a:spLocks noGrp="1"/>
           </p:cNvSpPr>
@@ -3369,7 +2974,6 @@
           <a:p>
             <a:fld id="{F318E930-FC99-4238-B0EE-ACD1A6D07B5C}" type="datetimeFigureOut">
               <a:rPr lang="zh-CN" altLang="en-US" smtClean="0"/>
-              <a:t>2020/11/16</a:t>
             </a:fld>
             <a:endParaRPr lang="zh-CN" altLang="en-US"/>
           </a:p>
@@ -3377,13 +2981,7 @@
       </p:sp>
       <p:sp>
         <p:nvSpPr>
-          <p:cNvPr id="5" name="页脚占位符 4">
-            <a:extLst>
-              <a:ext uri="{FF2B5EF4-FFF2-40B4-BE49-F238E27FC236}">
-                <a16:creationId xmlns:a16="http://schemas.microsoft.com/office/drawing/2014/main" id="{B98613F8-3500-4F98-9DDD-BDA8A5FAD0E6}"/>
-              </a:ext>
-            </a:extLst>
-          </p:cNvPr>
+          <p:cNvPr id="5" name="页脚占位符 4"/>
           <p:cNvSpPr>
             <a:spLocks noGrp="1"/>
           </p:cNvSpPr>
@@ -3420,13 +3018,7 @@
       </p:sp>
       <p:sp>
         <p:nvSpPr>
-          <p:cNvPr id="6" name="灯片编号占位符 5">
-            <a:extLst>
-              <a:ext uri="{FF2B5EF4-FFF2-40B4-BE49-F238E27FC236}">
-                <a16:creationId xmlns:a16="http://schemas.microsoft.com/office/drawing/2014/main" id="{46FE0F61-6C22-457F-9D0F-ED730D91AC78}"/>
-              </a:ext>
-            </a:extLst>
-          </p:cNvPr>
+          <p:cNvPr id="6" name="灯片编号占位符 5"/>
           <p:cNvSpPr>
             <a:spLocks noGrp="1"/>
           </p:cNvSpPr>
@@ -3459,18 +3051,12 @@
           <a:p>
             <a:fld id="{325673FD-FD9B-42CC-9261-6811E61FD00E}" type="slidenum">
               <a:rPr lang="zh-CN" altLang="en-US" smtClean="0"/>
-              <a:t>‹#›</a:t>
             </a:fld>
             <a:endParaRPr lang="zh-CN" altLang="en-US"/>
           </a:p>
         </p:txBody>
       </p:sp>
     </p:spTree>
-    <p:extLst>
-      <p:ext uri="{BB962C8B-B14F-4D97-AF65-F5344CB8AC3E}">
-        <p14:creationId xmlns:p14="http://schemas.microsoft.com/office/powerpoint/2010/main" val="1154524310"/>
-      </p:ext>
-    </p:extLst>
   </p:cSld>
   <p:clrMap bg1="lt1" tx1="dk1" bg2="lt2" tx2="dk2" accent1="accent1" accent2="accent2" accent3="accent3" accent4="accent4" accent5="accent5" accent6="accent6" hlink="hlink" folHlink="folHlink"/>
   <p:sldLayoutIdLst>
@@ -3788,13 +3374,7 @@
       </p:grpSpPr>
       <p:sp>
         <p:nvSpPr>
-          <p:cNvPr id="2" name="标题 1">
-            <a:extLst>
-              <a:ext uri="{FF2B5EF4-FFF2-40B4-BE49-F238E27FC236}">
-                <a16:creationId xmlns:a16="http://schemas.microsoft.com/office/drawing/2014/main" id="{D8F6F22F-371D-494E-8D4B-8A8FAE047E44}"/>
-              </a:ext>
-            </a:extLst>
-          </p:cNvPr>
+          <p:cNvPr id="2" name="标题 1"/>
           <p:cNvSpPr>
             <a:spLocks noGrp="1"/>
           </p:cNvSpPr>
@@ -3838,18 +3418,16 @@
               </a:rPr>
               <a:t>线性攻击</a:t>
             </a:r>
+            <a:endParaRPr lang="zh-CN" altLang="en-US" sz="4000" dirty="0">
+              <a:latin typeface="宋体" panose="02010600030101010101" pitchFamily="2" charset="-122"/>
+              <a:ea typeface="宋体" panose="02010600030101010101" pitchFamily="2" charset="-122"/>
+            </a:endParaRPr>
           </a:p>
         </p:txBody>
       </p:sp>
       <p:sp>
         <p:nvSpPr>
-          <p:cNvPr id="3" name="副标题 2">
-            <a:extLst>
-              <a:ext uri="{FF2B5EF4-FFF2-40B4-BE49-F238E27FC236}">
-                <a16:creationId xmlns:a16="http://schemas.microsoft.com/office/drawing/2014/main" id="{7F18EB9B-F2A1-4B34-93B5-FBDC3F3BCB58}"/>
-              </a:ext>
-            </a:extLst>
-          </p:cNvPr>
+          <p:cNvPr id="3" name="副标题 2"/>
           <p:cNvSpPr>
             <a:spLocks noGrp="1"/>
           </p:cNvSpPr>
@@ -3875,11 +3453,6 @@
         </p:txBody>
       </p:sp>
     </p:spTree>
-    <p:extLst>
-      <p:ext uri="{BB962C8B-B14F-4D97-AF65-F5344CB8AC3E}">
-        <p14:creationId xmlns:p14="http://schemas.microsoft.com/office/powerpoint/2010/main" val="546980235"/>
-      </p:ext>
-    </p:extLst>
   </p:cSld>
   <p:clrMapOvr>
     <a:masterClrMapping/>
@@ -3906,13 +3479,7 @@
       </p:grpSpPr>
       <p:sp>
         <p:nvSpPr>
-          <p:cNvPr id="5" name="标题 4">
-            <a:extLst>
-              <a:ext uri="{FF2B5EF4-FFF2-40B4-BE49-F238E27FC236}">
-                <a16:creationId xmlns:a16="http://schemas.microsoft.com/office/drawing/2014/main" id="{A26D6168-EA4E-4DBC-9A58-818E291A937B}"/>
-              </a:ext>
-            </a:extLst>
-          </p:cNvPr>
+          <p:cNvPr id="5" name="标题 4"/>
           <p:cNvSpPr>
             <a:spLocks noGrp="1"/>
           </p:cNvSpPr>
@@ -3955,13 +3522,7 @@
       </p:sp>
       <p:sp>
         <p:nvSpPr>
-          <p:cNvPr id="6" name="内容占位符 5">
-            <a:extLst>
-              <a:ext uri="{FF2B5EF4-FFF2-40B4-BE49-F238E27FC236}">
-                <a16:creationId xmlns:a16="http://schemas.microsoft.com/office/drawing/2014/main" id="{22C539FA-F927-44B0-8270-278584A27B65}"/>
-              </a:ext>
-            </a:extLst>
-          </p:cNvPr>
+          <p:cNvPr id="6" name="内容占位符 5"/>
           <p:cNvSpPr>
             <a:spLocks noGrp="1"/>
           </p:cNvSpPr>
@@ -4105,6 +3666,11 @@
               </a:rPr>
               <a:t>Example , ChaCha</a:t>
             </a:r>
+            <a:endParaRPr lang="en-US" altLang="zh-CN" dirty="0">
+              <a:latin typeface="Times New Roman" panose="02020603050405020304" pitchFamily="18" charset="0"/>
+              <a:ea typeface="宋体" panose="02010600030101010101" pitchFamily="2" charset="-122"/>
+              <a:cs typeface="Times New Roman" panose="02020603050405020304" pitchFamily="18" charset="0"/>
+            </a:endParaRPr>
           </a:p>
           <a:p>
             <a:pPr marL="0" indent="0">
@@ -4118,25 +3684,24 @@
               </a:rPr>
               <a:t> </a:t>
             </a:r>
+            <a:endParaRPr lang="en-US" altLang="zh-CN" dirty="0">
+              <a:latin typeface="Times New Roman" panose="02020603050405020304" pitchFamily="18" charset="0"/>
+              <a:ea typeface="宋体" panose="02010600030101010101" pitchFamily="2" charset="-122"/>
+              <a:cs typeface="Times New Roman" panose="02020603050405020304" pitchFamily="18" charset="0"/>
+            </a:endParaRPr>
           </a:p>
         </p:txBody>
       </p:sp>
       <p:pic>
         <p:nvPicPr>
-          <p:cNvPr id="7" name="图片 6">
-            <a:extLst>
-              <a:ext uri="{FF2B5EF4-FFF2-40B4-BE49-F238E27FC236}">
-                <a16:creationId xmlns:a16="http://schemas.microsoft.com/office/drawing/2014/main" id="{790F612F-F3CB-4483-A7BA-8AD713D6610D}"/>
-              </a:ext>
-            </a:extLst>
-          </p:cNvPr>
+          <p:cNvPr id="7" name="图片 6"/>
           <p:cNvPicPr>
             <a:picLocks noChangeAspect="1"/>
           </p:cNvPicPr>
           <p:nvPr/>
         </p:nvPicPr>
         <p:blipFill>
-          <a:blip r:embed="rId2"/>
+          <a:blip r:embed="rId1"/>
           <a:stretch>
             <a:fillRect/>
           </a:stretch>
@@ -4153,23 +3718,11 @@
       </p:pic>
       <p:graphicFrame>
         <p:nvGraphicFramePr>
-          <p:cNvPr id="11" name="表格 10">
-            <a:extLst>
-              <a:ext uri="{FF2B5EF4-FFF2-40B4-BE49-F238E27FC236}">
-                <a16:creationId xmlns:a16="http://schemas.microsoft.com/office/drawing/2014/main" id="{5E26566F-87A2-4377-A526-D3013A45B229}"/>
-              </a:ext>
-            </a:extLst>
-          </p:cNvPr>
+          <p:cNvPr id="11" name="表格 10"/>
           <p:cNvGraphicFramePr>
             <a:graphicFrameLocks noGrp="1"/>
           </p:cNvGraphicFramePr>
-          <p:nvPr>
-            <p:extLst>
-              <p:ext uri="{D42A27DB-BD31-4B8C-83A1-F6EECF244321}">
-                <p14:modId xmlns:p14="http://schemas.microsoft.com/office/powerpoint/2010/main" val="1425804326"/>
-              </p:ext>
-            </p:extLst>
-          </p:nvPr>
+          <p:nvPr/>
         </p:nvGraphicFramePr>
         <p:xfrm>
           <a:off x="1174118" y="4465528"/>
@@ -4182,34 +3735,10 @@
                 <a:tableStyleId>{0505E3EF-67EA-436B-97B2-0124C06EBD24}</a:tableStyleId>
               </a:tblPr>
               <a:tblGrid>
-                <a:gridCol w="388801">
-                  <a:extLst>
-                    <a:ext uri="{9D8B030D-6E8A-4147-A177-3AD203B41FA5}">
-                      <a16:colId xmlns:a16="http://schemas.microsoft.com/office/drawing/2014/main" val="1524610856"/>
-                    </a:ext>
-                  </a:extLst>
-                </a:gridCol>
-                <a:gridCol w="388801">
-                  <a:extLst>
-                    <a:ext uri="{9D8B030D-6E8A-4147-A177-3AD203B41FA5}">
-                      <a16:colId xmlns:a16="http://schemas.microsoft.com/office/drawing/2014/main" val="2510242510"/>
-                    </a:ext>
-                  </a:extLst>
-                </a:gridCol>
-                <a:gridCol w="388801">
-                  <a:extLst>
-                    <a:ext uri="{9D8B030D-6E8A-4147-A177-3AD203B41FA5}">
-                      <a16:colId xmlns:a16="http://schemas.microsoft.com/office/drawing/2014/main" val="1374305720"/>
-                    </a:ext>
-                  </a:extLst>
-                </a:gridCol>
-                <a:gridCol w="277420">
-                  <a:extLst>
-                    <a:ext uri="{9D8B030D-6E8A-4147-A177-3AD203B41FA5}">
-                      <a16:colId xmlns:a16="http://schemas.microsoft.com/office/drawing/2014/main" val="648817349"/>
-                    </a:ext>
-                  </a:extLst>
-                </a:gridCol>
+                <a:gridCol w="388801"/>
+                <a:gridCol w="388801"/>
+                <a:gridCol w="388801"/>
+                <a:gridCol w="277420"/>
               </a:tblGrid>
               <a:tr h="240506">
                 <a:tc>
@@ -4262,11 +3791,6 @@
                     </a:solidFill>
                   </a:tcPr>
                 </a:tc>
-                <a:extLst>
-                  <a:ext uri="{0D108BD9-81ED-4DB2-BD59-A6C34878D82A}">
-                    <a16:rowId xmlns:a16="http://schemas.microsoft.com/office/drawing/2014/main" val="2731416917"/>
-                  </a:ext>
-                </a:extLst>
               </a:tr>
               <a:tr h="240506">
                 <a:tc>
@@ -4319,11 +3843,6 @@
                     </a:solidFill>
                   </a:tcPr>
                 </a:tc>
-                <a:extLst>
-                  <a:ext uri="{0D108BD9-81ED-4DB2-BD59-A6C34878D82A}">
-                    <a16:rowId xmlns:a16="http://schemas.microsoft.com/office/drawing/2014/main" val="2603265666"/>
-                  </a:ext>
-                </a:extLst>
               </a:tr>
               <a:tr h="240506">
                 <a:tc>
@@ -4376,11 +3895,6 @@
                     </a:solidFill>
                   </a:tcPr>
                 </a:tc>
-                <a:extLst>
-                  <a:ext uri="{0D108BD9-81ED-4DB2-BD59-A6C34878D82A}">
-                    <a16:rowId xmlns:a16="http://schemas.microsoft.com/office/drawing/2014/main" val="2738736799"/>
-                  </a:ext>
-                </a:extLst>
               </a:tr>
               <a:tr h="240506">
                 <a:tc>
@@ -4433,11 +3947,6 @@
                     </a:solidFill>
                   </a:tcPr>
                 </a:tc>
-                <a:extLst>
-                  <a:ext uri="{0D108BD9-81ED-4DB2-BD59-A6C34878D82A}">
-                    <a16:rowId xmlns:a16="http://schemas.microsoft.com/office/drawing/2014/main" val="2129731664"/>
-                  </a:ext>
-                </a:extLst>
               </a:tr>
             </a:tbl>
           </a:graphicData>
@@ -4445,13 +3954,7 @@
       </p:graphicFrame>
       <p:cxnSp>
         <p:nvCxnSpPr>
-          <p:cNvPr id="13" name="直接箭头连接符 12">
-            <a:extLst>
-              <a:ext uri="{FF2B5EF4-FFF2-40B4-BE49-F238E27FC236}">
-                <a16:creationId xmlns:a16="http://schemas.microsoft.com/office/drawing/2014/main" id="{760062F7-D114-4976-88D5-E93E4CCAC682}"/>
-              </a:ext>
-            </a:extLst>
-          </p:cNvPr>
+          <p:cNvPr id="13" name="直接箭头连接符 12"/>
           <p:cNvCxnSpPr/>
           <p:nvPr/>
         </p:nvCxnSpPr>
@@ -4484,23 +3987,11 @@
       </p:cxnSp>
       <p:graphicFrame>
         <p:nvGraphicFramePr>
-          <p:cNvPr id="16" name="表格 15">
-            <a:extLst>
-              <a:ext uri="{FF2B5EF4-FFF2-40B4-BE49-F238E27FC236}">
-                <a16:creationId xmlns:a16="http://schemas.microsoft.com/office/drawing/2014/main" id="{2EC8AB43-9098-4B36-B4C2-9FE5BBE7430A}"/>
-              </a:ext>
-            </a:extLst>
-          </p:cNvPr>
+          <p:cNvPr id="16" name="表格 15"/>
           <p:cNvGraphicFramePr>
             <a:graphicFrameLocks noGrp="1"/>
           </p:cNvGraphicFramePr>
-          <p:nvPr>
-            <p:extLst>
-              <p:ext uri="{D42A27DB-BD31-4B8C-83A1-F6EECF244321}">
-                <p14:modId xmlns:p14="http://schemas.microsoft.com/office/powerpoint/2010/main" val="1588112530"/>
-              </p:ext>
-            </p:extLst>
-          </p:nvPr>
+          <p:nvPr/>
         </p:nvGraphicFramePr>
         <p:xfrm>
           <a:off x="3933594" y="4465528"/>
@@ -4513,34 +4004,10 @@
                 <a:tableStyleId>{0505E3EF-67EA-436B-97B2-0124C06EBD24}</a:tableStyleId>
               </a:tblPr>
               <a:tblGrid>
-                <a:gridCol w="388801">
-                  <a:extLst>
-                    <a:ext uri="{9D8B030D-6E8A-4147-A177-3AD203B41FA5}">
-                      <a16:colId xmlns:a16="http://schemas.microsoft.com/office/drawing/2014/main" val="1524610856"/>
-                    </a:ext>
-                  </a:extLst>
-                </a:gridCol>
-                <a:gridCol w="388801">
-                  <a:extLst>
-                    <a:ext uri="{9D8B030D-6E8A-4147-A177-3AD203B41FA5}">
-                      <a16:colId xmlns:a16="http://schemas.microsoft.com/office/drawing/2014/main" val="2510242510"/>
-                    </a:ext>
-                  </a:extLst>
-                </a:gridCol>
-                <a:gridCol w="388801">
-                  <a:extLst>
-                    <a:ext uri="{9D8B030D-6E8A-4147-A177-3AD203B41FA5}">
-                      <a16:colId xmlns:a16="http://schemas.microsoft.com/office/drawing/2014/main" val="1374305720"/>
-                    </a:ext>
-                  </a:extLst>
-                </a:gridCol>
-                <a:gridCol w="277420">
-                  <a:extLst>
-                    <a:ext uri="{9D8B030D-6E8A-4147-A177-3AD203B41FA5}">
-                      <a16:colId xmlns:a16="http://schemas.microsoft.com/office/drawing/2014/main" val="648817349"/>
-                    </a:ext>
-                  </a:extLst>
-                </a:gridCol>
+                <a:gridCol w="388801"/>
+                <a:gridCol w="388801"/>
+                <a:gridCol w="388801"/>
+                <a:gridCol w="277420"/>
               </a:tblGrid>
               <a:tr h="240506">
                 <a:tc>
@@ -4593,11 +4060,6 @@
                     </a:solidFill>
                   </a:tcPr>
                 </a:tc>
-                <a:extLst>
-                  <a:ext uri="{0D108BD9-81ED-4DB2-BD59-A6C34878D82A}">
-                    <a16:rowId xmlns:a16="http://schemas.microsoft.com/office/drawing/2014/main" val="2731416917"/>
-                  </a:ext>
-                </a:extLst>
               </a:tr>
               <a:tr h="240506">
                 <a:tc>
@@ -4650,11 +4112,6 @@
                     </a:solidFill>
                   </a:tcPr>
                 </a:tc>
-                <a:extLst>
-                  <a:ext uri="{0D108BD9-81ED-4DB2-BD59-A6C34878D82A}">
-                    <a16:rowId xmlns:a16="http://schemas.microsoft.com/office/drawing/2014/main" val="2603265666"/>
-                  </a:ext>
-                </a:extLst>
               </a:tr>
               <a:tr h="240506">
                 <a:tc>
@@ -4707,11 +4164,6 @@
                     </a:solidFill>
                   </a:tcPr>
                 </a:tc>
-                <a:extLst>
-                  <a:ext uri="{0D108BD9-81ED-4DB2-BD59-A6C34878D82A}">
-                    <a16:rowId xmlns:a16="http://schemas.microsoft.com/office/drawing/2014/main" val="2738736799"/>
-                  </a:ext>
-                </a:extLst>
               </a:tr>
               <a:tr h="240506">
                 <a:tc>
@@ -4764,11 +4216,6 @@
                     </a:solidFill>
                   </a:tcPr>
                 </a:tc>
-                <a:extLst>
-                  <a:ext uri="{0D108BD9-81ED-4DB2-BD59-A6C34878D82A}">
-                    <a16:rowId xmlns:a16="http://schemas.microsoft.com/office/drawing/2014/main" val="2129731664"/>
-                  </a:ext>
-                </a:extLst>
               </a:tr>
             </a:tbl>
           </a:graphicData>
@@ -4781,7 +4228,7 @@
               <p:cNvPr id="17" name="文本框 16">
                 <a:extLst>
                   <a:ext uri="{FF2B5EF4-FFF2-40B4-BE49-F238E27FC236}">
-                    <a16:creationId xmlns:a16="http://schemas.microsoft.com/office/drawing/2014/main" id="{5F7BAA57-A1BC-435A-8190-AAF3C4629E27}"/>
+                    <ele attr="{5F7BAA57-A1BC-435A-8190-AAF3C4629E27}"/>
                   </a:ext>
                 </a:extLst>
               </p:cNvPr>
@@ -4855,13 +4302,7 @@
         <mc:Fallback>
           <p:sp>
             <p:nvSpPr>
-              <p:cNvPr id="17" name="文本框 16">
-                <a:extLst>
-                  <a:ext uri="{FF2B5EF4-FFF2-40B4-BE49-F238E27FC236}">
-                    <a16:creationId xmlns:a16="http://schemas.microsoft.com/office/drawing/2014/main" id="{5F7BAA57-A1BC-435A-8190-AAF3C4629E27}"/>
-                  </a:ext>
-                </a:extLst>
-              </p:cNvPr>
+              <p:cNvPr id="17" name="文本框 16"/>
               <p:cNvSpPr txBox="1">
                 <a:spLocks noRot="1" noChangeAspect="1" noMove="1" noResize="1" noEditPoints="1" noAdjustHandles="1" noChangeArrowheads="1" noChangeShapeType="1" noTextEdit="1"/>
               </p:cNvSpPr>
@@ -4875,8 +4316,8 @@
               <a:prstGeom prst="rect">
                 <a:avLst/>
               </a:prstGeom>
-              <a:blipFill>
-                <a:blip r:embed="rId3"/>
+              <a:blipFill rotWithShape="1">
+                <a:blip r:embed="rId2"/>
                 <a:stretch>
                   <a:fillRect l="-2477" t="-8197" b="-24590"/>
                 </a:stretch>
@@ -4892,6 +4333,9 @@
                   </a:rPr>
                   <a:t> </a:t>
                 </a:r>
+                <a:endParaRPr lang="zh-CN" altLang="en-US">
+                  <a:noFill/>
+                </a:endParaRPr>
               </a:p>
             </p:txBody>
           </p:sp>
@@ -4904,7 +4348,7 @@
               <p:cNvPr id="18" name="文本框 17">
                 <a:extLst>
                   <a:ext uri="{FF2B5EF4-FFF2-40B4-BE49-F238E27FC236}">
-                    <a16:creationId xmlns:a16="http://schemas.microsoft.com/office/drawing/2014/main" id="{27AB0D0A-51BC-4B38-AF41-A1D41E09DF8F}"/>
+                    <ele attr="{27AB0D0A-51BC-4B38-AF41-A1D41E09DF8F}"/>
                   </a:ext>
                 </a:extLst>
               </p:cNvPr>
@@ -4978,13 +4422,7 @@
         <mc:Fallback>
           <p:sp>
             <p:nvSpPr>
-              <p:cNvPr id="18" name="文本框 17">
-                <a:extLst>
-                  <a:ext uri="{FF2B5EF4-FFF2-40B4-BE49-F238E27FC236}">
-                    <a16:creationId xmlns:a16="http://schemas.microsoft.com/office/drawing/2014/main" id="{27AB0D0A-51BC-4B38-AF41-A1D41E09DF8F}"/>
-                  </a:ext>
-                </a:extLst>
-              </p:cNvPr>
+              <p:cNvPr id="18" name="文本框 17"/>
               <p:cNvSpPr txBox="1">
                 <a:spLocks noRot="1" noChangeAspect="1" noMove="1" noResize="1" noEditPoints="1" noAdjustHandles="1" noChangeArrowheads="1" noChangeShapeType="1" noTextEdit="1"/>
               </p:cNvSpPr>
@@ -4998,8 +4436,8 @@
               <a:prstGeom prst="rect">
                 <a:avLst/>
               </a:prstGeom>
-              <a:blipFill>
-                <a:blip r:embed="rId4"/>
+              <a:blipFill rotWithShape="1">
+                <a:blip r:embed="rId3"/>
                 <a:stretch>
                   <a:fillRect l="-3376" t="-10000" r="-19831" b="-26667"/>
                 </a:stretch>
@@ -5015,6 +4453,9 @@
                   </a:rPr>
                   <a:t> </a:t>
                 </a:r>
+                <a:endParaRPr lang="zh-CN" altLang="en-US">
+                  <a:noFill/>
+                </a:endParaRPr>
               </a:p>
             </p:txBody>
           </p:sp>
@@ -5022,20 +4463,14 @@
       </mc:AlternateContent>
       <p:pic>
         <p:nvPicPr>
-          <p:cNvPr id="19" name="图片 18">
-            <a:extLst>
-              <a:ext uri="{FF2B5EF4-FFF2-40B4-BE49-F238E27FC236}">
-                <a16:creationId xmlns:a16="http://schemas.microsoft.com/office/drawing/2014/main" id="{14789727-324F-40F3-AE1A-B3189AD5E374}"/>
-              </a:ext>
-            </a:extLst>
-          </p:cNvPr>
+          <p:cNvPr id="19" name="图片 18"/>
           <p:cNvPicPr>
             <a:picLocks noChangeAspect="1"/>
           </p:cNvPicPr>
           <p:nvPr/>
         </p:nvPicPr>
         <p:blipFill>
-          <a:blip r:embed="rId5"/>
+          <a:blip r:embed="rId4"/>
           <a:stretch>
             <a:fillRect/>
           </a:stretch>
@@ -5052,13 +4487,7 @@
       </p:pic>
       <p:sp>
         <p:nvSpPr>
-          <p:cNvPr id="20" name="文本框 19">
-            <a:extLst>
-              <a:ext uri="{FF2B5EF4-FFF2-40B4-BE49-F238E27FC236}">
-                <a16:creationId xmlns:a16="http://schemas.microsoft.com/office/drawing/2014/main" id="{A3EA5423-9D27-40F5-A9D3-6CF4A52AC163}"/>
-              </a:ext>
-            </a:extLst>
-          </p:cNvPr>
+          <p:cNvPr id="20" name="文本框 19"/>
           <p:cNvSpPr txBox="1"/>
           <p:nvPr/>
         </p:nvSpPr>
@@ -5099,7 +4528,7 @@
               <p:cNvPr id="21" name="文本框 20">
                 <a:extLst>
                   <a:ext uri="{FF2B5EF4-FFF2-40B4-BE49-F238E27FC236}">
-                    <a16:creationId xmlns:a16="http://schemas.microsoft.com/office/drawing/2014/main" id="{E6648D74-AA34-43A0-897A-F398D222069B}"/>
+                    <ele attr="{E6648D74-AA34-43A0-897A-F398D222069B}"/>
                   </a:ext>
                 </a:extLst>
               </p:cNvPr>
@@ -5200,13 +4629,7 @@
         <mc:Fallback>
           <p:sp>
             <p:nvSpPr>
-              <p:cNvPr id="21" name="文本框 20">
-                <a:extLst>
-                  <a:ext uri="{FF2B5EF4-FFF2-40B4-BE49-F238E27FC236}">
-                    <a16:creationId xmlns:a16="http://schemas.microsoft.com/office/drawing/2014/main" id="{E6648D74-AA34-43A0-897A-F398D222069B}"/>
-                  </a:ext>
-                </a:extLst>
-              </p:cNvPr>
+              <p:cNvPr id="21" name="文本框 20"/>
               <p:cNvSpPr txBox="1">
                 <a:spLocks noRot="1" noChangeAspect="1" noMove="1" noResize="1" noEditPoints="1" noAdjustHandles="1" noChangeArrowheads="1" noChangeShapeType="1" noTextEdit="1"/>
               </p:cNvSpPr>
@@ -5220,8 +4643,8 @@
               <a:prstGeom prst="rect">
                 <a:avLst/>
               </a:prstGeom>
-              <a:blipFill>
-                <a:blip r:embed="rId6"/>
+              <a:blipFill rotWithShape="1">
+                <a:blip r:embed="rId5"/>
                 <a:stretch>
                   <a:fillRect l="-1120" t="-10000" b="-26667"/>
                 </a:stretch>
@@ -5237,17 +4660,15 @@
                   </a:rPr>
                   <a:t> </a:t>
                 </a:r>
+                <a:endParaRPr lang="zh-CN" altLang="en-US">
+                  <a:noFill/>
+                </a:endParaRPr>
               </a:p>
             </p:txBody>
           </p:sp>
         </mc:Fallback>
       </mc:AlternateContent>
     </p:spTree>
-    <p:extLst>
-      <p:ext uri="{BB962C8B-B14F-4D97-AF65-F5344CB8AC3E}">
-        <p14:creationId xmlns:p14="http://schemas.microsoft.com/office/powerpoint/2010/main" val="941831785"/>
-      </p:ext>
-    </p:extLst>
   </p:cSld>
   <p:clrMapOvr>
     <a:masterClrMapping/>
@@ -5274,13 +4695,7 @@
       </p:grpSpPr>
       <p:sp>
         <p:nvSpPr>
-          <p:cNvPr id="5" name="标题 4">
-            <a:extLst>
-              <a:ext uri="{FF2B5EF4-FFF2-40B4-BE49-F238E27FC236}">
-                <a16:creationId xmlns:a16="http://schemas.microsoft.com/office/drawing/2014/main" id="{A26D6168-EA4E-4DBC-9A58-818E291A937B}"/>
-              </a:ext>
-            </a:extLst>
-          </p:cNvPr>
+          <p:cNvPr id="5" name="标题 4"/>
           <p:cNvSpPr>
             <a:spLocks noGrp="1"/>
           </p:cNvSpPr>
@@ -5323,13 +4738,7 @@
       </p:sp>
       <p:sp>
         <p:nvSpPr>
-          <p:cNvPr id="6" name="内容占位符 5">
-            <a:extLst>
-              <a:ext uri="{FF2B5EF4-FFF2-40B4-BE49-F238E27FC236}">
-                <a16:creationId xmlns:a16="http://schemas.microsoft.com/office/drawing/2014/main" id="{22C539FA-F927-44B0-8270-278584A27B65}"/>
-              </a:ext>
-            </a:extLst>
-          </p:cNvPr>
+          <p:cNvPr id="6" name="内容占位符 5"/>
           <p:cNvSpPr>
             <a:spLocks noGrp="1"/>
           </p:cNvSpPr>
@@ -5546,6 +4955,10 @@
               </a:rPr>
               <a:t>  +</a:t>
             </a:r>
+            <a:endParaRPr lang="en-US" altLang="zh-CN" dirty="0">
+              <a:latin typeface="宋体" panose="02010600030101010101" pitchFamily="2" charset="-122"/>
+              <a:ea typeface="宋体" panose="02010600030101010101" pitchFamily="2" charset="-122"/>
+            </a:endParaRPr>
           </a:p>
           <a:p>
             <a:pPr marL="0" indent="0">
@@ -5569,6 +4982,11 @@
               </a:rPr>
               <a:t>—Example , Chaskey</a:t>
             </a:r>
+            <a:endParaRPr lang="en-US" altLang="zh-CN" dirty="0">
+              <a:latin typeface="Times New Roman" panose="02020603050405020304" pitchFamily="18" charset="0"/>
+              <a:ea typeface="宋体" panose="02010600030101010101" pitchFamily="2" charset="-122"/>
+              <a:cs typeface="Times New Roman" panose="02020603050405020304" pitchFamily="18" charset="0"/>
+            </a:endParaRPr>
           </a:p>
           <a:p>
             <a:r>
@@ -5603,6 +5021,11 @@
               </a:rPr>
               <a:t>dim(U)=25</a:t>
             </a:r>
+            <a:endParaRPr lang="en-US" altLang="zh-CN" dirty="0">
+              <a:latin typeface="Times New Roman" panose="02020603050405020304" pitchFamily="18" charset="0"/>
+              <a:ea typeface="宋体" panose="02010600030101010101" pitchFamily="2" charset="-122"/>
+              <a:cs typeface="Times New Roman" panose="02020603050405020304" pitchFamily="18" charset="0"/>
+            </a:endParaRPr>
           </a:p>
           <a:p>
             <a:r>
@@ -5639,13 +5062,7 @@
       </p:sp>
       <p:sp>
         <p:nvSpPr>
-          <p:cNvPr id="2" name="矩形 1">
-            <a:extLst>
-              <a:ext uri="{FF2B5EF4-FFF2-40B4-BE49-F238E27FC236}">
-                <a16:creationId xmlns:a16="http://schemas.microsoft.com/office/drawing/2014/main" id="{E5E6A53F-3984-420A-9B9C-4B663DCBBCC2}"/>
-              </a:ext>
-            </a:extLst>
-          </p:cNvPr>
+          <p:cNvPr id="2" name="矩形 1"/>
           <p:cNvSpPr/>
           <p:nvPr/>
         </p:nvSpPr>
@@ -5686,13 +5103,7 @@
       </p:sp>
       <p:sp>
         <p:nvSpPr>
-          <p:cNvPr id="8" name="矩形 7">
-            <a:extLst>
-              <a:ext uri="{FF2B5EF4-FFF2-40B4-BE49-F238E27FC236}">
-                <a16:creationId xmlns:a16="http://schemas.microsoft.com/office/drawing/2014/main" id="{67CF8DB0-242D-41DB-8D08-7515E27C4974}"/>
-              </a:ext>
-            </a:extLst>
-          </p:cNvPr>
+          <p:cNvPr id="8" name="矩形 7"/>
           <p:cNvSpPr/>
           <p:nvPr/>
         </p:nvSpPr>
@@ -5733,13 +5144,7 @@
       </p:sp>
       <p:cxnSp>
         <p:nvCxnSpPr>
-          <p:cNvPr id="4" name="直接连接符 3">
-            <a:extLst>
-              <a:ext uri="{FF2B5EF4-FFF2-40B4-BE49-F238E27FC236}">
-                <a16:creationId xmlns:a16="http://schemas.microsoft.com/office/drawing/2014/main" id="{FEC3D67C-CD35-47B2-AE12-35C1C8FA4EE0}"/>
-              </a:ext>
-            </a:extLst>
-          </p:cNvPr>
+          <p:cNvPr id="4" name="直接连接符 3"/>
           <p:cNvCxnSpPr/>
           <p:nvPr/>
         </p:nvCxnSpPr>
@@ -5769,13 +5174,7 @@
       </p:cxnSp>
       <p:sp>
         <p:nvSpPr>
-          <p:cNvPr id="9" name="矩形 8">
-            <a:extLst>
-              <a:ext uri="{FF2B5EF4-FFF2-40B4-BE49-F238E27FC236}">
-                <a16:creationId xmlns:a16="http://schemas.microsoft.com/office/drawing/2014/main" id="{58D1FDE1-38F0-4280-B18C-D491E5BCA034}"/>
-              </a:ext>
-            </a:extLst>
-          </p:cNvPr>
+          <p:cNvPr id="9" name="矩形 8"/>
           <p:cNvSpPr/>
           <p:nvPr/>
         </p:nvSpPr>
@@ -5816,13 +5215,7 @@
       </p:sp>
       <p:sp>
         <p:nvSpPr>
-          <p:cNvPr id="10" name="椭圆 9">
-            <a:extLst>
-              <a:ext uri="{FF2B5EF4-FFF2-40B4-BE49-F238E27FC236}">
-                <a16:creationId xmlns:a16="http://schemas.microsoft.com/office/drawing/2014/main" id="{1E270044-B4DE-45C6-891A-072629D84842}"/>
-              </a:ext>
-            </a:extLst>
-          </p:cNvPr>
+          <p:cNvPr id="10" name="椭圆 9"/>
           <p:cNvSpPr/>
           <p:nvPr/>
         </p:nvSpPr>
@@ -5869,13 +5262,7 @@
       </p:sp>
       <p:sp>
         <p:nvSpPr>
-          <p:cNvPr id="11" name="椭圆 10">
-            <a:extLst>
-              <a:ext uri="{FF2B5EF4-FFF2-40B4-BE49-F238E27FC236}">
-                <a16:creationId xmlns:a16="http://schemas.microsoft.com/office/drawing/2014/main" id="{B073F697-E377-407F-9E52-D8ADA740D04A}"/>
-              </a:ext>
-            </a:extLst>
-          </p:cNvPr>
+          <p:cNvPr id="11" name="椭圆 10"/>
           <p:cNvSpPr/>
           <p:nvPr/>
         </p:nvSpPr>
@@ -5922,13 +5309,7 @@
       </p:sp>
       <p:sp>
         <p:nvSpPr>
-          <p:cNvPr id="14" name="矩形 13">
-            <a:extLst>
-              <a:ext uri="{FF2B5EF4-FFF2-40B4-BE49-F238E27FC236}">
-                <a16:creationId xmlns:a16="http://schemas.microsoft.com/office/drawing/2014/main" id="{724C09F5-CAE4-4AD9-B62A-DD6B52543689}"/>
-              </a:ext>
-            </a:extLst>
-          </p:cNvPr>
+          <p:cNvPr id="14" name="矩形 13"/>
           <p:cNvSpPr/>
           <p:nvPr/>
         </p:nvSpPr>
@@ -5969,13 +5350,7 @@
       </p:sp>
       <p:sp>
         <p:nvSpPr>
-          <p:cNvPr id="15" name="矩形 14">
-            <a:extLst>
-              <a:ext uri="{FF2B5EF4-FFF2-40B4-BE49-F238E27FC236}">
-                <a16:creationId xmlns:a16="http://schemas.microsoft.com/office/drawing/2014/main" id="{B64505C0-A556-4BFB-8385-574D18899C73}"/>
-              </a:ext>
-            </a:extLst>
-          </p:cNvPr>
+          <p:cNvPr id="15" name="矩形 14"/>
           <p:cNvSpPr/>
           <p:nvPr/>
         </p:nvSpPr>
@@ -6016,13 +5391,7 @@
       </p:sp>
       <p:cxnSp>
         <p:nvCxnSpPr>
-          <p:cNvPr id="16" name="直接连接符 15">
-            <a:extLst>
-              <a:ext uri="{FF2B5EF4-FFF2-40B4-BE49-F238E27FC236}">
-                <a16:creationId xmlns:a16="http://schemas.microsoft.com/office/drawing/2014/main" id="{D8BFEE42-EC1F-4ADF-83D1-BFDBBE4AA1F9}"/>
-              </a:ext>
-            </a:extLst>
-          </p:cNvPr>
+          <p:cNvPr id="16" name="直接连接符 15"/>
           <p:cNvCxnSpPr/>
           <p:nvPr/>
         </p:nvCxnSpPr>
@@ -6052,13 +5421,7 @@
       </p:cxnSp>
       <p:sp>
         <p:nvSpPr>
-          <p:cNvPr id="18" name="矩形 17">
-            <a:extLst>
-              <a:ext uri="{FF2B5EF4-FFF2-40B4-BE49-F238E27FC236}">
-                <a16:creationId xmlns:a16="http://schemas.microsoft.com/office/drawing/2014/main" id="{879B2CB2-8D14-488C-BAEE-CFED46A770CD}"/>
-              </a:ext>
-            </a:extLst>
-          </p:cNvPr>
+          <p:cNvPr id="18" name="矩形 17"/>
           <p:cNvSpPr/>
           <p:nvPr/>
         </p:nvSpPr>
@@ -6099,13 +5462,7 @@
       </p:sp>
       <p:cxnSp>
         <p:nvCxnSpPr>
-          <p:cNvPr id="21" name="直接箭头连接符 20">
-            <a:extLst>
-              <a:ext uri="{FF2B5EF4-FFF2-40B4-BE49-F238E27FC236}">
-                <a16:creationId xmlns:a16="http://schemas.microsoft.com/office/drawing/2014/main" id="{F342BD84-7347-468D-B30D-5801EA127202}"/>
-              </a:ext>
-            </a:extLst>
-          </p:cNvPr>
+          <p:cNvPr id="21" name="直接箭头连接符 20"/>
           <p:cNvCxnSpPr>
             <a:stCxn id="10" idx="6"/>
             <a:endCxn id="11" idx="1"/>
@@ -6144,13 +5501,7 @@
       </p:cxnSp>
       <p:sp>
         <p:nvSpPr>
-          <p:cNvPr id="22" name="椭圆 21">
-            <a:extLst>
-              <a:ext uri="{FF2B5EF4-FFF2-40B4-BE49-F238E27FC236}">
-                <a16:creationId xmlns:a16="http://schemas.microsoft.com/office/drawing/2014/main" id="{E2AD2EAE-DCEB-411B-812E-E2941DAA471F}"/>
-              </a:ext>
-            </a:extLst>
-          </p:cNvPr>
+          <p:cNvPr id="22" name="椭圆 21"/>
           <p:cNvSpPr/>
           <p:nvPr/>
         </p:nvSpPr>
@@ -6194,13 +5545,7 @@
       </p:sp>
       <p:sp>
         <p:nvSpPr>
-          <p:cNvPr id="23" name="椭圆 22">
-            <a:extLst>
-              <a:ext uri="{FF2B5EF4-FFF2-40B4-BE49-F238E27FC236}">
-                <a16:creationId xmlns:a16="http://schemas.microsoft.com/office/drawing/2014/main" id="{124547B0-269D-4050-AF9C-A36A0FB5510E}"/>
-              </a:ext>
-            </a:extLst>
-          </p:cNvPr>
+          <p:cNvPr id="23" name="椭圆 22"/>
           <p:cNvSpPr/>
           <p:nvPr/>
         </p:nvSpPr>
@@ -6247,13 +5592,7 @@
       </p:sp>
       <p:cxnSp>
         <p:nvCxnSpPr>
-          <p:cNvPr id="25" name="直接箭头连接符 24">
-            <a:extLst>
-              <a:ext uri="{FF2B5EF4-FFF2-40B4-BE49-F238E27FC236}">
-                <a16:creationId xmlns:a16="http://schemas.microsoft.com/office/drawing/2014/main" id="{CD1939FD-0F41-4B4D-95C2-7A74053804E5}"/>
-              </a:ext>
-            </a:extLst>
-          </p:cNvPr>
+          <p:cNvPr id="25" name="直接箭头连接符 24"/>
           <p:cNvCxnSpPr>
             <a:endCxn id="23" idx="7"/>
           </p:cNvCxnSpPr>
@@ -6290,11 +5629,6 @@
         </p:style>
       </p:cxnSp>
     </p:spTree>
-    <p:extLst>
-      <p:ext uri="{BB962C8B-B14F-4D97-AF65-F5344CB8AC3E}">
-        <p14:creationId xmlns:p14="http://schemas.microsoft.com/office/powerpoint/2010/main" val="2678731798"/>
-      </p:ext>
-    </p:extLst>
   </p:cSld>
   <p:clrMapOvr>
     <a:masterClrMapping/>
@@ -6321,13 +5655,7 @@
       </p:grpSpPr>
       <p:sp>
         <p:nvSpPr>
-          <p:cNvPr id="2" name="标题 1">
-            <a:extLst>
-              <a:ext uri="{FF2B5EF4-FFF2-40B4-BE49-F238E27FC236}">
-                <a16:creationId xmlns:a16="http://schemas.microsoft.com/office/drawing/2014/main" id="{9D00BE31-DDB2-40F6-BEDA-0C70F003C5FA}"/>
-              </a:ext>
-            </a:extLst>
-          </p:cNvPr>
+          <p:cNvPr id="2" name="标题 1"/>
           <p:cNvSpPr>
             <a:spLocks noGrp="1"/>
           </p:cNvSpPr>
@@ -6354,6 +5682,10 @@
               </a:rPr>
               <a:t>划分技术</a:t>
             </a:r>
+            <a:endParaRPr lang="zh-CN" altLang="en-US" dirty="0">
+              <a:latin typeface="宋体" panose="02010600030101010101" pitchFamily="2" charset="-122"/>
+              <a:ea typeface="宋体" panose="02010600030101010101" pitchFamily="2" charset="-122"/>
+            </a:endParaRPr>
           </a:p>
         </p:txBody>
       </p:sp>
@@ -6364,7 +5696,7 @@
               <p:cNvPr id="3" name="内容占位符 2">
                 <a:extLst>
                   <a:ext uri="{FF2B5EF4-FFF2-40B4-BE49-F238E27FC236}">
-                    <a16:creationId xmlns:a16="http://schemas.microsoft.com/office/drawing/2014/main" id="{4B9841CE-12C7-46DC-9D3D-1962DBC2190E}"/>
+                    <ele attr="{4B9841CE-12C7-46DC-9D3D-1962DBC2190E}"/>
                   </a:ext>
                 </a:extLst>
               </p:cNvPr>
@@ -6674,13 +6006,7 @@
         <mc:Fallback>
           <p:sp>
             <p:nvSpPr>
-              <p:cNvPr id="3" name="内容占位符 2">
-                <a:extLst>
-                  <a:ext uri="{FF2B5EF4-FFF2-40B4-BE49-F238E27FC236}">
-                    <a16:creationId xmlns:a16="http://schemas.microsoft.com/office/drawing/2014/main" id="{4B9841CE-12C7-46DC-9D3D-1962DBC2190E}"/>
-                  </a:ext>
-                </a:extLst>
-              </p:cNvPr>
+              <p:cNvPr id="3" name="内容占位符 2"/>
               <p:cNvSpPr>
                 <a:spLocks noGrp="1" noRot="1" noChangeAspect="1" noMove="1" noResize="1" noEditPoints="1" noAdjustHandles="1" noChangeArrowheads="1" noChangeShapeType="1" noTextEdit="1"/>
               </p:cNvSpPr>
@@ -6693,8 +6019,8 @@
                 <a:off x="838200" y="1359877"/>
                 <a:ext cx="10515600" cy="4817086"/>
               </a:xfrm>
-              <a:blipFill>
-                <a:blip r:embed="rId2"/>
+              <a:blipFill rotWithShape="1">
+                <a:blip r:embed="rId1"/>
                 <a:stretch>
                   <a:fillRect l="-1043" t="-2658" r="-4580"/>
                 </a:stretch>
@@ -6710,6 +6036,9 @@
                   </a:rPr>
                   <a:t> </a:t>
                 </a:r>
+                <a:endParaRPr lang="zh-CN" altLang="en-US">
+                  <a:noFill/>
+                </a:endParaRPr>
               </a:p>
             </p:txBody>
           </p:sp>
@@ -6717,20 +6046,14 @@
       </mc:AlternateContent>
       <p:pic>
         <p:nvPicPr>
-          <p:cNvPr id="4" name="图片 3">
-            <a:extLst>
-              <a:ext uri="{FF2B5EF4-FFF2-40B4-BE49-F238E27FC236}">
-                <a16:creationId xmlns:a16="http://schemas.microsoft.com/office/drawing/2014/main" id="{985B014D-960D-4CAE-B7C1-58E8E8D0B625}"/>
-              </a:ext>
-            </a:extLst>
-          </p:cNvPr>
+          <p:cNvPr id="4" name="图片 3"/>
           <p:cNvPicPr>
             <a:picLocks noChangeAspect="1"/>
           </p:cNvPicPr>
           <p:nvPr/>
         </p:nvPicPr>
         <p:blipFill>
-          <a:blip r:embed="rId3"/>
+          <a:blip r:embed="rId2"/>
           <a:stretch>
             <a:fillRect/>
           </a:stretch>
@@ -6747,16 +6070,8 @@
       </p:pic>
       <p:cxnSp>
         <p:nvCxnSpPr>
-          <p:cNvPr id="6" name="直接箭头连接符 5">
-            <a:extLst>
-              <a:ext uri="{FF2B5EF4-FFF2-40B4-BE49-F238E27FC236}">
-                <a16:creationId xmlns:a16="http://schemas.microsoft.com/office/drawing/2014/main" id="{BF216526-EE73-43F8-BEB9-D7BE8055F51C}"/>
-              </a:ext>
-            </a:extLst>
-          </p:cNvPr>
-          <p:cNvCxnSpPr>
-            <a:cxnSpLocks/>
-          </p:cNvCxnSpPr>
+          <p:cNvPr id="6" name="直接箭头连接符 5"/>
+          <p:cNvCxnSpPr/>
           <p:nvPr/>
         </p:nvCxnSpPr>
         <p:spPr>
@@ -6788,16 +6103,8 @@
       </p:cxnSp>
       <p:cxnSp>
         <p:nvCxnSpPr>
-          <p:cNvPr id="10" name="直接箭头连接符 9">
-            <a:extLst>
-              <a:ext uri="{FF2B5EF4-FFF2-40B4-BE49-F238E27FC236}">
-                <a16:creationId xmlns:a16="http://schemas.microsoft.com/office/drawing/2014/main" id="{2D6FE7CC-A04C-4F5B-A01D-EC2F04803947}"/>
-              </a:ext>
-            </a:extLst>
-          </p:cNvPr>
-          <p:cNvCxnSpPr>
-            <a:cxnSpLocks/>
-          </p:cNvCxnSpPr>
+          <p:cNvPr id="10" name="直接箭头连接符 9"/>
+          <p:cNvCxnSpPr/>
           <p:nvPr/>
         </p:nvCxnSpPr>
         <p:spPr>
@@ -6829,16 +6136,8 @@
       </p:cxnSp>
       <p:cxnSp>
         <p:nvCxnSpPr>
-          <p:cNvPr id="16" name="直接箭头连接符 15">
-            <a:extLst>
-              <a:ext uri="{FF2B5EF4-FFF2-40B4-BE49-F238E27FC236}">
-                <a16:creationId xmlns:a16="http://schemas.microsoft.com/office/drawing/2014/main" id="{0665A0E2-1802-4DD6-87F5-22E4579F03E1}"/>
-              </a:ext>
-            </a:extLst>
-          </p:cNvPr>
-          <p:cNvCxnSpPr>
-            <a:cxnSpLocks/>
-          </p:cNvCxnSpPr>
+          <p:cNvPr id="16" name="直接箭头连接符 15"/>
+          <p:cNvCxnSpPr/>
           <p:nvPr/>
         </p:nvCxnSpPr>
         <p:spPr>
@@ -6870,13 +6169,7 @@
       </p:cxnSp>
       <p:sp>
         <p:nvSpPr>
-          <p:cNvPr id="17" name="矩形 16">
-            <a:extLst>
-              <a:ext uri="{FF2B5EF4-FFF2-40B4-BE49-F238E27FC236}">
-                <a16:creationId xmlns:a16="http://schemas.microsoft.com/office/drawing/2014/main" id="{81C4767C-2563-4EF6-AA21-37EAE8BB9B88}"/>
-              </a:ext>
-            </a:extLst>
-          </p:cNvPr>
+          <p:cNvPr id="17" name="矩形 16"/>
           <p:cNvSpPr/>
           <p:nvPr/>
         </p:nvSpPr>
@@ -6917,16 +6210,8 @@
       </p:sp>
       <p:cxnSp>
         <p:nvCxnSpPr>
-          <p:cNvPr id="19" name="直接连接符 18">
-            <a:extLst>
-              <a:ext uri="{FF2B5EF4-FFF2-40B4-BE49-F238E27FC236}">
-                <a16:creationId xmlns:a16="http://schemas.microsoft.com/office/drawing/2014/main" id="{68A0C9E4-190D-4B87-AC03-E44E1647DDA3}"/>
-              </a:ext>
-            </a:extLst>
-          </p:cNvPr>
-          <p:cNvCxnSpPr>
-            <a:cxnSpLocks/>
-          </p:cNvCxnSpPr>
+          <p:cNvPr id="19" name="直接连接符 18"/>
+          <p:cNvCxnSpPr/>
           <p:nvPr/>
         </p:nvCxnSpPr>
         <p:spPr>
@@ -6955,20 +6240,14 @@
       </p:cxnSp>
       <p:pic>
         <p:nvPicPr>
-          <p:cNvPr id="22" name="图片 21">
-            <a:extLst>
-              <a:ext uri="{FF2B5EF4-FFF2-40B4-BE49-F238E27FC236}">
-                <a16:creationId xmlns:a16="http://schemas.microsoft.com/office/drawing/2014/main" id="{0C68CB4A-79A2-4A55-BD0C-EC61012D3E9B}"/>
-              </a:ext>
-            </a:extLst>
-          </p:cNvPr>
+          <p:cNvPr id="22" name="图片 21"/>
           <p:cNvPicPr>
             <a:picLocks noChangeAspect="1"/>
           </p:cNvPicPr>
           <p:nvPr/>
         </p:nvPicPr>
         <p:blipFill>
-          <a:blip r:embed="rId4"/>
+          <a:blip r:embed="rId3"/>
           <a:stretch>
             <a:fillRect/>
           </a:stretch>
@@ -6984,11 +6263,6 @@
         </p:spPr>
       </p:pic>
     </p:spTree>
-    <p:extLst>
-      <p:ext uri="{BB962C8B-B14F-4D97-AF65-F5344CB8AC3E}">
-        <p14:creationId xmlns:p14="http://schemas.microsoft.com/office/powerpoint/2010/main" val="1200127879"/>
-      </p:ext>
-    </p:extLst>
   </p:cSld>
   <p:clrMapOvr>
     <a:masterClrMapping/>
@@ -7015,13 +6289,7 @@
       </p:grpSpPr>
       <p:sp>
         <p:nvSpPr>
-          <p:cNvPr id="2" name="标题 1">
-            <a:extLst>
-              <a:ext uri="{FF2B5EF4-FFF2-40B4-BE49-F238E27FC236}">
-                <a16:creationId xmlns:a16="http://schemas.microsoft.com/office/drawing/2014/main" id="{7D077462-4D8B-455F-9B2A-9E6E995EDAD0}"/>
-              </a:ext>
-            </a:extLst>
-          </p:cNvPr>
+          <p:cNvPr id="2" name="标题 1"/>
           <p:cNvSpPr>
             <a:spLocks noGrp="1"/>
           </p:cNvSpPr>
@@ -7048,18 +6316,16 @@
               </a:rPr>
               <a:t>划分技术</a:t>
             </a:r>
+            <a:endParaRPr lang="zh-CN" altLang="en-US" sz="4000" dirty="0">
+              <a:latin typeface="宋体" panose="02010600030101010101" pitchFamily="2" charset="-122"/>
+              <a:ea typeface="宋体" panose="02010600030101010101" pitchFamily="2" charset="-122"/>
+            </a:endParaRPr>
           </a:p>
         </p:txBody>
       </p:sp>
       <p:sp>
         <p:nvSpPr>
-          <p:cNvPr id="3" name="内容占位符 2">
-            <a:extLst>
-              <a:ext uri="{FF2B5EF4-FFF2-40B4-BE49-F238E27FC236}">
-                <a16:creationId xmlns:a16="http://schemas.microsoft.com/office/drawing/2014/main" id="{B9F8C603-2EA3-4873-B996-D94CF20DD9A8}"/>
-              </a:ext>
-            </a:extLst>
-          </p:cNvPr>
+          <p:cNvPr id="3" name="内容占位符 2"/>
           <p:cNvSpPr>
             <a:spLocks noGrp="1"/>
           </p:cNvSpPr>
@@ -7128,20 +6394,14 @@
       </p:sp>
       <p:pic>
         <p:nvPicPr>
-          <p:cNvPr id="4" name="图片 3">
-            <a:extLst>
-              <a:ext uri="{FF2B5EF4-FFF2-40B4-BE49-F238E27FC236}">
-                <a16:creationId xmlns:a16="http://schemas.microsoft.com/office/drawing/2014/main" id="{F7DC6E15-0096-4255-B3B8-693B2F0556E3}"/>
-              </a:ext>
-            </a:extLst>
-          </p:cNvPr>
+          <p:cNvPr id="4" name="图片 3"/>
           <p:cNvPicPr>
             <a:picLocks noChangeAspect="1"/>
           </p:cNvPicPr>
           <p:nvPr/>
         </p:nvPicPr>
         <p:blipFill>
-          <a:blip r:embed="rId2"/>
+          <a:blip r:embed="rId1"/>
           <a:stretch>
             <a:fillRect/>
           </a:stretch>
@@ -7157,11 +6417,6 @@
         </p:spPr>
       </p:pic>
     </p:spTree>
-    <p:extLst>
-      <p:ext uri="{BB962C8B-B14F-4D97-AF65-F5344CB8AC3E}">
-        <p14:creationId xmlns:p14="http://schemas.microsoft.com/office/powerpoint/2010/main" val="3826728261"/>
-      </p:ext>
-    </p:extLst>
   </p:cSld>
   <p:clrMapOvr>
     <a:masterClrMapping/>
@@ -7188,13 +6443,7 @@
       </p:grpSpPr>
       <p:sp>
         <p:nvSpPr>
-          <p:cNvPr id="2" name="标题 1">
-            <a:extLst>
-              <a:ext uri="{FF2B5EF4-FFF2-40B4-BE49-F238E27FC236}">
-                <a16:creationId xmlns:a16="http://schemas.microsoft.com/office/drawing/2014/main" id="{B9AFA357-F9A5-4498-B118-C298486AB272}"/>
-              </a:ext>
-            </a:extLst>
-          </p:cNvPr>
+          <p:cNvPr id="2" name="标题 1"/>
           <p:cNvSpPr>
             <a:spLocks noGrp="1"/>
           </p:cNvSpPr>
@@ -7221,6 +6470,10 @@
               </a:rPr>
               <a:t>划分技术</a:t>
             </a:r>
+            <a:endParaRPr lang="zh-CN" altLang="en-US" sz="4000" dirty="0">
+              <a:latin typeface="宋体" panose="02010600030101010101" pitchFamily="2" charset="-122"/>
+              <a:ea typeface="宋体" panose="02010600030101010101" pitchFamily="2" charset="-122"/>
+            </a:endParaRPr>
           </a:p>
         </p:txBody>
       </p:sp>
@@ -7231,7 +6484,7 @@
               <p:cNvPr id="3" name="内容占位符 2">
                 <a:extLst>
                   <a:ext uri="{FF2B5EF4-FFF2-40B4-BE49-F238E27FC236}">
-                    <a16:creationId xmlns:a16="http://schemas.microsoft.com/office/drawing/2014/main" id="{6EF73FCE-A769-41BD-BCB0-7A0DE9903281}"/>
+                    <ele attr="{6EF73FCE-A769-41BD-BCB0-7A0DE9903281}"/>
                   </a:ext>
                 </a:extLst>
               </p:cNvPr>
@@ -7477,13 +6730,7 @@
         <mc:Fallback>
           <p:sp>
             <p:nvSpPr>
-              <p:cNvPr id="3" name="内容占位符 2">
-                <a:extLst>
-                  <a:ext uri="{FF2B5EF4-FFF2-40B4-BE49-F238E27FC236}">
-                    <a16:creationId xmlns:a16="http://schemas.microsoft.com/office/drawing/2014/main" id="{6EF73FCE-A769-41BD-BCB0-7A0DE9903281}"/>
-                  </a:ext>
-                </a:extLst>
-              </p:cNvPr>
+              <p:cNvPr id="3" name="内容占位符 2"/>
               <p:cNvSpPr>
                 <a:spLocks noGrp="1" noRot="1" noChangeAspect="1" noMove="1" noResize="1" noEditPoints="1" noAdjustHandles="1" noChangeArrowheads="1" noChangeShapeType="1" noTextEdit="1"/>
               </p:cNvSpPr>
@@ -7496,8 +6743,8 @@
                 <a:off x="838200" y="1242646"/>
                 <a:ext cx="10515600" cy="4934317"/>
               </a:xfrm>
-              <a:blipFill>
-                <a:blip r:embed="rId2"/>
+              <a:blipFill rotWithShape="1">
+                <a:blip r:embed="rId1"/>
                 <a:stretch>
                   <a:fillRect l="-1043" t="-2596"/>
                 </a:stretch>
@@ -7513,759 +6760,274 @@
                   </a:rPr>
                   <a:t> </a:t>
                 </a:r>
+                <a:endParaRPr lang="zh-CN" altLang="en-US">
+                  <a:noFill/>
+                </a:endParaRPr>
               </a:p>
             </p:txBody>
           </p:sp>
         </mc:Fallback>
       </mc:AlternateContent>
-      <mc:AlternateContent xmlns:mc="http://schemas.openxmlformats.org/markup-compatibility/2006">
-        <mc:Choice xmlns:a14="http://schemas.microsoft.com/office/drawing/2010/main" Requires="a14">
-          <p:graphicFrame>
-            <p:nvGraphicFramePr>
-              <p:cNvPr id="4" name="表格 3">
-                <a:extLst>
-                  <a:ext uri="{FF2B5EF4-FFF2-40B4-BE49-F238E27FC236}">
-                    <a16:creationId xmlns:a16="http://schemas.microsoft.com/office/drawing/2014/main" id="{326308A7-EB9C-4BC9-A171-1D817BD36A8F}"/>
-                  </a:ext>
-                </a:extLst>
-              </p:cNvPr>
-              <p:cNvGraphicFramePr>
-                <a:graphicFrameLocks noGrp="1"/>
-              </p:cNvGraphicFramePr>
-              <p:nvPr>
-                <p:extLst>
-                  <p:ext uri="{D42A27DB-BD31-4B8C-83A1-F6EECF244321}">
-                    <p14:modId xmlns:p14="http://schemas.microsoft.com/office/powerpoint/2010/main" val="412628353"/>
-                  </p:ext>
-                </p:extLst>
-              </p:nvPr>
-            </p:nvGraphicFramePr>
-            <p:xfrm>
-              <a:off x="1875693" y="2965939"/>
-              <a:ext cx="8225691" cy="2093220"/>
-            </p:xfrm>
-            <a:graphic>
-              <a:graphicData uri="http://schemas.openxmlformats.org/drawingml/2006/table">
-                <a:tbl>
-                  <a:tblPr firstRow="1" bandRow="1">
-                    <a:tableStyleId>{5C22544A-7EE6-4342-B048-85BDC9FD1C3A}</a:tableStyleId>
-                  </a:tblPr>
-                  <a:tblGrid>
-                    <a:gridCol w="1652953">
-                      <a:extLst>
-                        <a:ext uri="{9D8B030D-6E8A-4147-A177-3AD203B41FA5}">
-                          <a16:colId xmlns:a16="http://schemas.microsoft.com/office/drawing/2014/main" val="710268351"/>
-                        </a:ext>
-                      </a:extLst>
-                    </a:gridCol>
-                    <a:gridCol w="3830841">
-                      <a:extLst>
-                        <a:ext uri="{9D8B030D-6E8A-4147-A177-3AD203B41FA5}">
-                          <a16:colId xmlns:a16="http://schemas.microsoft.com/office/drawing/2014/main" val="2825607308"/>
-                        </a:ext>
-                      </a:extLst>
-                    </a:gridCol>
-                    <a:gridCol w="2741897">
-                      <a:extLst>
-                        <a:ext uri="{9D8B030D-6E8A-4147-A177-3AD203B41FA5}">
-                          <a16:colId xmlns:a16="http://schemas.microsoft.com/office/drawing/2014/main" val="3885971571"/>
-                        </a:ext>
-                      </a:extLst>
-                    </a:gridCol>
-                  </a:tblGrid>
-                  <a:tr h="418644">
-                    <a:tc>
-                      <a:txBody>
-                        <a:bodyPr/>
-                        <a:lstStyle/>
-                        <a:p>
-                          <a:r>
-                            <a:rPr lang="en-US" altLang="zh-CN" dirty="0"/>
-                            <a:t>p[i-1]||p[i-2]</a:t>
-                          </a:r>
-                          <a:endParaRPr lang="zh-CN" altLang="en-US" dirty="0"/>
-                        </a:p>
-                      </a:txBody>
-                      <a:tcPr/>
-                    </a:tc>
-                    <a:tc>
-                      <a:txBody>
-                        <a:bodyPr/>
-                        <a:lstStyle/>
-                        <a:p>
-                          <a:r>
-                            <a:rPr lang="en-US" altLang="zh-CN" dirty="0"/>
-                            <a:t>z0[i-1]</a:t>
-                          </a:r>
-                          <a:r>
-                            <a:rPr lang="zh-CN" altLang="en-US" dirty="0"/>
-                            <a:t> </a:t>
-                          </a:r>
-                          <a14:m>
-                            <m:oMath xmlns:m="http://schemas.openxmlformats.org/officeDocument/2006/math">
-                              <m:r>
-                                <a:rPr lang="zh-CN" altLang="en-US" i="0" dirty="0">
-                                  <a:latin typeface="Cambria Math" panose="02040503050406030204" pitchFamily="18" charset="0"/>
-                                </a:rPr>
-                                <m:t>⊕</m:t>
-                              </m:r>
-                            </m:oMath>
-                          </a14:m>
-                          <a:r>
-                            <a:rPr lang="en-US" altLang="zh-CN" dirty="0"/>
-                            <a:t>z0[i-1]</a:t>
-                          </a:r>
-                          <a:endParaRPr lang="zh-CN" altLang="en-US" dirty="0"/>
-                        </a:p>
-                      </a:txBody>
-                      <a:tcPr/>
-                    </a:tc>
-                    <a:tc>
-                      <a:txBody>
-                        <a:bodyPr/>
-                        <a:lstStyle/>
-                        <a:p>
-                          <a:r>
-                            <a:rPr lang="en-US" altLang="zh-CN" dirty="0"/>
-                            <a:t>z0[i]</a:t>
-                          </a:r>
-                          <a:endParaRPr lang="zh-CN" altLang="en-US" dirty="0"/>
-                        </a:p>
-                      </a:txBody>
-                      <a:tcPr/>
-                    </a:tc>
-                    <a:extLst>
-                      <a:ext uri="{0D108BD9-81ED-4DB2-BD59-A6C34878D82A}">
-                        <a16:rowId xmlns:a16="http://schemas.microsoft.com/office/drawing/2014/main" val="3783335449"/>
-                      </a:ext>
-                    </a:extLst>
-                  </a:tr>
-                  <a:tr h="418644">
-                    <a:tc>
-                      <a:txBody>
-                        <a:bodyPr/>
-                        <a:lstStyle/>
-                        <a:p>
-                          <a:r>
-                            <a:rPr lang="en-US" altLang="zh-CN" dirty="0"/>
-                            <a:t>00</a:t>
-                          </a:r>
-                          <a:endParaRPr lang="zh-CN" altLang="en-US" dirty="0"/>
-                        </a:p>
-                      </a:txBody>
-                      <a:tcPr/>
-                    </a:tc>
-                    <a:tc>
-                      <a:txBody>
-                        <a:bodyPr/>
-                        <a:lstStyle/>
-                        <a:p>
-                          <a:r>
-                            <a:rPr lang="en-US" altLang="zh-CN" dirty="0">
-                              <a:latin typeface="Times New Roman" panose="02020603050405020304" pitchFamily="18" charset="0"/>
-                              <a:cs typeface="Times New Roman" panose="02020603050405020304" pitchFamily="18" charset="0"/>
-                            </a:rPr>
-                            <a:t>p[i]</a:t>
-                          </a:r>
-                          <a:r>
-                            <a:rPr lang="zh-CN" altLang="en-US" dirty="0"/>
-                            <a:t> </a:t>
-                          </a:r>
-                          <a14:m>
-                            <m:oMath xmlns:m="http://schemas.openxmlformats.org/officeDocument/2006/math">
-                              <m:r>
-                                <a:rPr lang="zh-CN" altLang="en-US" i="0" dirty="0">
-                                  <a:latin typeface="Cambria Math" panose="02040503050406030204" pitchFamily="18" charset="0"/>
-                                </a:rPr>
-                                <m:t>⊕</m:t>
-                              </m:r>
-                            </m:oMath>
-                          </a14:m>
-                          <a:r>
-                            <a:rPr lang="en-US" altLang="zh-CN" dirty="0">
-                              <a:latin typeface="Times New Roman" panose="02020603050405020304" pitchFamily="18" charset="0"/>
-                              <a:cs typeface="Times New Roman" panose="02020603050405020304" pitchFamily="18" charset="0"/>
-                            </a:rPr>
-                            <a:t>x1[i-1]</a:t>
-                          </a:r>
-                          <a:r>
-                            <a:rPr lang="zh-CN" altLang="en-US" dirty="0"/>
-                            <a:t> </a:t>
-                          </a:r>
-                          <a14:m>
-                            <m:oMath xmlns:m="http://schemas.openxmlformats.org/officeDocument/2006/math">
-                              <m:r>
-                                <a:rPr lang="zh-CN" altLang="en-US" i="0" dirty="0">
-                                  <a:latin typeface="Cambria Math" panose="02040503050406030204" pitchFamily="18" charset="0"/>
-                                </a:rPr>
-                                <m:t>⊕</m:t>
-                              </m:r>
-                            </m:oMath>
-                          </a14:m>
-                          <a:r>
-                            <a:rPr lang="en-US" altLang="zh-CN" dirty="0">
-                              <a:latin typeface="Times New Roman" panose="02020603050405020304" pitchFamily="18" charset="0"/>
-                              <a:cs typeface="Times New Roman" panose="02020603050405020304" pitchFamily="18" charset="0"/>
-                            </a:rPr>
-                            <a:t>x1[i-2]</a:t>
-                          </a:r>
-                          <a:endParaRPr lang="zh-CN" altLang="en-US" dirty="0">
-                            <a:latin typeface="Times New Roman" panose="02020603050405020304" pitchFamily="18" charset="0"/>
-                            <a:cs typeface="Times New Roman" panose="02020603050405020304" pitchFamily="18" charset="0"/>
-                          </a:endParaRPr>
-                        </a:p>
-                      </a:txBody>
-                      <a:tcPr/>
-                    </a:tc>
-                    <a:tc>
-                      <a:txBody>
-                        <a:bodyPr/>
-                        <a:lstStyle/>
-                        <a:p>
-                          <a:r>
-                            <a:rPr lang="zh-CN" altLang="en-US" dirty="0"/>
-                            <a:t>√</a:t>
-                          </a:r>
-                        </a:p>
-                      </a:txBody>
-                      <a:tcPr/>
-                    </a:tc>
-                    <a:extLst>
-                      <a:ext uri="{0D108BD9-81ED-4DB2-BD59-A6C34878D82A}">
-                        <a16:rowId xmlns:a16="http://schemas.microsoft.com/office/drawing/2014/main" val="3460928188"/>
-                      </a:ext>
-                    </a:extLst>
-                  </a:tr>
-                  <a:tr h="418644">
-                    <a:tc>
-                      <a:txBody>
-                        <a:bodyPr/>
-                        <a:lstStyle/>
-                        <a:p>
-                          <a:r>
-                            <a:rPr lang="en-US" altLang="zh-CN" dirty="0"/>
-                            <a:t>01</a:t>
-                          </a:r>
-                          <a:endParaRPr lang="zh-CN" altLang="en-US" dirty="0"/>
-                        </a:p>
-                      </a:txBody>
-                      <a:tcPr/>
-                    </a:tc>
-                    <a:tc>
-                      <a:txBody>
-                        <a:bodyPr/>
-                        <a:lstStyle/>
-                        <a:p>
-                          <a:r>
-                            <a:rPr lang="en-US" altLang="zh-CN" dirty="0"/>
-                            <a:t>not available</a:t>
-                          </a:r>
-                          <a:endParaRPr lang="zh-CN" altLang="en-US" dirty="0"/>
-                        </a:p>
-                      </a:txBody>
-                      <a:tcPr/>
-                    </a:tc>
-                    <a:tc>
-                      <a:txBody>
-                        <a:bodyPr/>
-                        <a:lstStyle/>
-                        <a:p>
-                          <a:r>
-                            <a:rPr lang="zh-CN" altLang="en-US" dirty="0"/>
-                            <a:t>√</a:t>
-                          </a:r>
-                        </a:p>
-                      </a:txBody>
-                      <a:tcPr/>
-                    </a:tc>
-                    <a:extLst>
-                      <a:ext uri="{0D108BD9-81ED-4DB2-BD59-A6C34878D82A}">
-                        <a16:rowId xmlns:a16="http://schemas.microsoft.com/office/drawing/2014/main" val="2180915833"/>
-                      </a:ext>
-                    </a:extLst>
-                  </a:tr>
-                  <a:tr h="418644">
-                    <a:tc>
-                      <a:txBody>
-                        <a:bodyPr/>
-                        <a:lstStyle/>
-                        <a:p>
-                          <a:r>
-                            <a:rPr lang="en-US" altLang="zh-CN" dirty="0"/>
-                            <a:t>10</a:t>
-                          </a:r>
-                          <a:endParaRPr lang="zh-CN" altLang="en-US" dirty="0"/>
-                        </a:p>
-                      </a:txBody>
-                      <a:tcPr/>
-                    </a:tc>
-                    <a:tc>
-                      <a:txBody>
-                        <a:bodyPr/>
-                        <a:lstStyle/>
-                        <a:p>
-                          <a:r>
-                            <a:rPr lang="en-US" altLang="zh-CN" dirty="0">
-                              <a:latin typeface="Times New Roman" panose="02020603050405020304" pitchFamily="18" charset="0"/>
-                              <a:cs typeface="Times New Roman" panose="02020603050405020304" pitchFamily="18" charset="0"/>
-                            </a:rPr>
-                            <a:t>p[i]</a:t>
-                          </a:r>
-                          <a:r>
-                            <a:rPr lang="zh-CN" altLang="en-US" dirty="0">
-                              <a:latin typeface="Times New Roman" panose="02020603050405020304" pitchFamily="18" charset="0"/>
-                              <a:cs typeface="Times New Roman" panose="02020603050405020304" pitchFamily="18" charset="0"/>
-                            </a:rPr>
-                            <a:t> </a:t>
-                          </a:r>
-                          <a14:m>
-                            <m:oMath xmlns:m="http://schemas.openxmlformats.org/officeDocument/2006/math">
-                              <m:r>
-                                <a:rPr lang="zh-CN" altLang="en-US" i="0" dirty="0">
-                                  <a:latin typeface="Cambria Math" panose="02040503050406030204" pitchFamily="18" charset="0"/>
-                                </a:rPr>
-                                <m:t>⊕</m:t>
-                              </m:r>
-                            </m:oMath>
-                          </a14:m>
-                          <a:r>
-                            <a:rPr lang="en-US" altLang="zh-CN" dirty="0">
-                              <a:latin typeface="Times New Roman" panose="02020603050405020304" pitchFamily="18" charset="0"/>
-                              <a:cs typeface="Times New Roman" panose="02020603050405020304" pitchFamily="18" charset="0"/>
-                            </a:rPr>
-                            <a:t>1</a:t>
-                          </a:r>
-                          <a:endParaRPr lang="zh-CN" altLang="en-US" dirty="0">
-                            <a:latin typeface="Times New Roman" panose="02020603050405020304" pitchFamily="18" charset="0"/>
-                            <a:cs typeface="Times New Roman" panose="02020603050405020304" pitchFamily="18" charset="0"/>
-                          </a:endParaRPr>
-                        </a:p>
-                      </a:txBody>
-                      <a:tcPr/>
-                    </a:tc>
-                    <a:tc>
-                      <a:txBody>
-                        <a:bodyPr/>
-                        <a:lstStyle/>
-                        <a:p>
-                          <a:r>
-                            <a:rPr lang="zh-CN" altLang="en-US" dirty="0"/>
-                            <a:t>√</a:t>
-                          </a:r>
-                        </a:p>
-                      </a:txBody>
-                      <a:tcPr/>
-                    </a:tc>
-                    <a:extLst>
-                      <a:ext uri="{0D108BD9-81ED-4DB2-BD59-A6C34878D82A}">
-                        <a16:rowId xmlns:a16="http://schemas.microsoft.com/office/drawing/2014/main" val="3443982490"/>
-                      </a:ext>
-                    </a:extLst>
-                  </a:tr>
-                  <a:tr h="418644">
-                    <a:tc>
-                      <a:txBody>
-                        <a:bodyPr/>
-                        <a:lstStyle/>
-                        <a:p>
-                          <a:r>
-                            <a:rPr lang="en-US" altLang="zh-CN" dirty="0"/>
-                            <a:t>11</a:t>
-                          </a:r>
-                          <a:endParaRPr lang="zh-CN" altLang="en-US" dirty="0"/>
-                        </a:p>
-                      </a:txBody>
-                      <a:tcPr/>
-                    </a:tc>
-                    <a:tc>
-                      <a:txBody>
-                        <a:bodyPr/>
-                        <a:lstStyle/>
-                        <a:p>
-                          <a:r>
-                            <a:rPr lang="en-US" altLang="zh-CN" dirty="0">
-                              <a:latin typeface="Times New Roman" panose="02020603050405020304" pitchFamily="18" charset="0"/>
-                              <a:cs typeface="Times New Roman" panose="02020603050405020304" pitchFamily="18" charset="0"/>
-                            </a:rPr>
-                            <a:t>p[i]</a:t>
-                          </a:r>
-                          <a:r>
-                            <a:rPr lang="zh-CN" altLang="en-US" dirty="0">
-                              <a:latin typeface="Times New Roman" panose="02020603050405020304" pitchFamily="18" charset="0"/>
-                              <a:cs typeface="Times New Roman" panose="02020603050405020304" pitchFamily="18" charset="0"/>
-                            </a:rPr>
-                            <a:t> </a:t>
-                          </a:r>
-                          <a14:m>
-                            <m:oMath xmlns:m="http://schemas.openxmlformats.org/officeDocument/2006/math">
-                              <m:r>
-                                <a:rPr lang="zh-CN" altLang="en-US" i="0" dirty="0">
-                                  <a:latin typeface="Cambria Math" panose="02040503050406030204" pitchFamily="18" charset="0"/>
-                                </a:rPr>
-                                <m:t>⊕</m:t>
-                              </m:r>
-                            </m:oMath>
-                          </a14:m>
-                          <a:r>
-                            <a:rPr lang="en-US" altLang="zh-CN" dirty="0">
-                              <a:latin typeface="Times New Roman" panose="02020603050405020304" pitchFamily="18" charset="0"/>
-                              <a:cs typeface="Times New Roman" panose="02020603050405020304" pitchFamily="18" charset="0"/>
-                            </a:rPr>
-                            <a:t>1</a:t>
-                          </a:r>
-                          <a:endParaRPr lang="zh-CN" altLang="en-US" dirty="0">
-                            <a:latin typeface="Times New Roman" panose="02020603050405020304" pitchFamily="18" charset="0"/>
-                            <a:cs typeface="Times New Roman" panose="02020603050405020304" pitchFamily="18" charset="0"/>
-                          </a:endParaRPr>
-                        </a:p>
-                      </a:txBody>
-                      <a:tcPr/>
-                    </a:tc>
-                    <a:tc>
-                      <a:txBody>
-                        <a:bodyPr/>
-                        <a:lstStyle/>
-                        <a:p>
-                          <a:r>
-                            <a:rPr lang="en-US" altLang="zh-CN" dirty="0"/>
-                            <a:t>not available</a:t>
-                          </a:r>
-                          <a:endParaRPr lang="zh-CN" altLang="en-US" dirty="0"/>
-                        </a:p>
-                      </a:txBody>
-                      <a:tcPr/>
-                    </a:tc>
-                    <a:extLst>
-                      <a:ext uri="{0D108BD9-81ED-4DB2-BD59-A6C34878D82A}">
-                        <a16:rowId xmlns:a16="http://schemas.microsoft.com/office/drawing/2014/main" val="2472922987"/>
-                      </a:ext>
-                    </a:extLst>
-                  </a:tr>
-                </a:tbl>
-              </a:graphicData>
-            </a:graphic>
-          </p:graphicFrame>
-        </mc:Choice>
-        <mc:Fallback>
-          <p:graphicFrame>
-            <p:nvGraphicFramePr>
-              <p:cNvPr id="4" name="表格 3">
-                <a:extLst>
-                  <a:ext uri="{FF2B5EF4-FFF2-40B4-BE49-F238E27FC236}">
-                    <a16:creationId xmlns:a16="http://schemas.microsoft.com/office/drawing/2014/main" id="{326308A7-EB9C-4BC9-A171-1D817BD36A8F}"/>
-                  </a:ext>
-                </a:extLst>
-              </p:cNvPr>
-              <p:cNvGraphicFramePr>
-                <a:graphicFrameLocks noGrp="1"/>
-              </p:cNvGraphicFramePr>
-              <p:nvPr>
-                <p:extLst>
-                  <p:ext uri="{D42A27DB-BD31-4B8C-83A1-F6EECF244321}">
-                    <p14:modId xmlns:p14="http://schemas.microsoft.com/office/powerpoint/2010/main" val="412628353"/>
-                  </p:ext>
-                </p:extLst>
-              </p:nvPr>
-            </p:nvGraphicFramePr>
-            <p:xfrm>
-              <a:off x="1875693" y="2965939"/>
-              <a:ext cx="8225691" cy="2093220"/>
-            </p:xfrm>
-            <a:graphic>
-              <a:graphicData uri="http://schemas.openxmlformats.org/drawingml/2006/table">
-                <a:tbl>
-                  <a:tblPr firstRow="1" bandRow="1">
-                    <a:tableStyleId>{5C22544A-7EE6-4342-B048-85BDC9FD1C3A}</a:tableStyleId>
-                  </a:tblPr>
-                  <a:tblGrid>
-                    <a:gridCol w="1652953">
-                      <a:extLst>
-                        <a:ext uri="{9D8B030D-6E8A-4147-A177-3AD203B41FA5}">
-                          <a16:colId xmlns:a16="http://schemas.microsoft.com/office/drawing/2014/main" val="710268351"/>
-                        </a:ext>
-                      </a:extLst>
-                    </a:gridCol>
-                    <a:gridCol w="3830841">
-                      <a:extLst>
-                        <a:ext uri="{9D8B030D-6E8A-4147-A177-3AD203B41FA5}">
-                          <a16:colId xmlns:a16="http://schemas.microsoft.com/office/drawing/2014/main" val="2825607308"/>
-                        </a:ext>
-                      </a:extLst>
-                    </a:gridCol>
-                    <a:gridCol w="2741897">
-                      <a:extLst>
-                        <a:ext uri="{9D8B030D-6E8A-4147-A177-3AD203B41FA5}">
-                          <a16:colId xmlns:a16="http://schemas.microsoft.com/office/drawing/2014/main" val="3885971571"/>
-                        </a:ext>
-                      </a:extLst>
-                    </a:gridCol>
-                  </a:tblGrid>
-                  <a:tr h="418644">
-                    <a:tc>
-                      <a:txBody>
-                        <a:bodyPr/>
-                        <a:lstStyle/>
-                        <a:p>
-                          <a:r>
-                            <a:rPr lang="en-US" altLang="zh-CN" dirty="0"/>
-                            <a:t>p[i-1]||p[i-2]</a:t>
-                          </a:r>
-                          <a:endParaRPr lang="zh-CN" altLang="en-US" dirty="0"/>
-                        </a:p>
-                      </a:txBody>
-                      <a:tcPr/>
-                    </a:tc>
-                    <a:tc>
-                      <a:txBody>
-                        <a:bodyPr/>
-                        <a:lstStyle/>
-                        <a:p>
-                          <a:endParaRPr lang="zh-CN"/>
-                        </a:p>
-                      </a:txBody>
-                      <a:tcPr>
-                        <a:blipFill>
-                          <a:blip r:embed="rId3"/>
-                          <a:stretch>
-                            <a:fillRect l="-43175" t="-7246" r="-72063" b="-408696"/>
-                          </a:stretch>
-                        </a:blipFill>
-                      </a:tcPr>
-                    </a:tc>
-                    <a:tc>
-                      <a:txBody>
-                        <a:bodyPr/>
-                        <a:lstStyle/>
-                        <a:p>
-                          <a:r>
-                            <a:rPr lang="en-US" altLang="zh-CN" dirty="0"/>
-                            <a:t>z0[i]</a:t>
-                          </a:r>
-                          <a:endParaRPr lang="zh-CN" altLang="en-US" dirty="0"/>
-                        </a:p>
-                      </a:txBody>
-                      <a:tcPr/>
-                    </a:tc>
-                    <a:extLst>
-                      <a:ext uri="{0D108BD9-81ED-4DB2-BD59-A6C34878D82A}">
-                        <a16:rowId xmlns:a16="http://schemas.microsoft.com/office/drawing/2014/main" val="3783335449"/>
-                      </a:ext>
-                    </a:extLst>
-                  </a:tr>
-                  <a:tr h="418644">
-                    <a:tc>
-                      <a:txBody>
-                        <a:bodyPr/>
-                        <a:lstStyle/>
-                        <a:p>
-                          <a:r>
-                            <a:rPr lang="en-US" altLang="zh-CN" dirty="0"/>
-                            <a:t>00</a:t>
-                          </a:r>
-                          <a:endParaRPr lang="zh-CN" altLang="en-US" dirty="0"/>
-                        </a:p>
-                      </a:txBody>
-                      <a:tcPr/>
-                    </a:tc>
-                    <a:tc>
-                      <a:txBody>
-                        <a:bodyPr/>
-                        <a:lstStyle/>
-                        <a:p>
-                          <a:endParaRPr lang="zh-CN"/>
-                        </a:p>
-                      </a:txBody>
-                      <a:tcPr>
-                        <a:blipFill>
-                          <a:blip r:embed="rId3"/>
-                          <a:stretch>
-                            <a:fillRect l="-43175" t="-107246" r="-72063" b="-308696"/>
-                          </a:stretch>
-                        </a:blipFill>
-                      </a:tcPr>
-                    </a:tc>
-                    <a:tc>
-                      <a:txBody>
-                        <a:bodyPr/>
-                        <a:lstStyle/>
-                        <a:p>
-                          <a:r>
-                            <a:rPr lang="zh-CN" altLang="en-US" dirty="0"/>
-                            <a:t>√</a:t>
-                          </a:r>
-                        </a:p>
-                      </a:txBody>
-                      <a:tcPr/>
-                    </a:tc>
-                    <a:extLst>
-                      <a:ext uri="{0D108BD9-81ED-4DB2-BD59-A6C34878D82A}">
-                        <a16:rowId xmlns:a16="http://schemas.microsoft.com/office/drawing/2014/main" val="3460928188"/>
-                      </a:ext>
-                    </a:extLst>
-                  </a:tr>
-                  <a:tr h="418644">
-                    <a:tc>
-                      <a:txBody>
-                        <a:bodyPr/>
-                        <a:lstStyle/>
-                        <a:p>
-                          <a:r>
-                            <a:rPr lang="en-US" altLang="zh-CN" dirty="0"/>
-                            <a:t>01</a:t>
-                          </a:r>
-                          <a:endParaRPr lang="zh-CN" altLang="en-US" dirty="0"/>
-                        </a:p>
-                      </a:txBody>
-                      <a:tcPr/>
-                    </a:tc>
-                    <a:tc>
-                      <a:txBody>
-                        <a:bodyPr/>
-                        <a:lstStyle/>
-                        <a:p>
-                          <a:r>
-                            <a:rPr lang="en-US" altLang="zh-CN" dirty="0"/>
-                            <a:t>not available</a:t>
-                          </a:r>
-                          <a:endParaRPr lang="zh-CN" altLang="en-US" dirty="0"/>
-                        </a:p>
-                      </a:txBody>
-                      <a:tcPr/>
-                    </a:tc>
-                    <a:tc>
-                      <a:txBody>
-                        <a:bodyPr/>
-                        <a:lstStyle/>
-                        <a:p>
-                          <a:r>
-                            <a:rPr lang="zh-CN" altLang="en-US" dirty="0"/>
-                            <a:t>√</a:t>
-                          </a:r>
-                        </a:p>
-                      </a:txBody>
-                      <a:tcPr/>
-                    </a:tc>
-                    <a:extLst>
-                      <a:ext uri="{0D108BD9-81ED-4DB2-BD59-A6C34878D82A}">
-                        <a16:rowId xmlns:a16="http://schemas.microsoft.com/office/drawing/2014/main" val="2180915833"/>
-                      </a:ext>
-                    </a:extLst>
-                  </a:tr>
-                  <a:tr h="418644">
-                    <a:tc>
-                      <a:txBody>
-                        <a:bodyPr/>
-                        <a:lstStyle/>
-                        <a:p>
-                          <a:r>
-                            <a:rPr lang="en-US" altLang="zh-CN" dirty="0"/>
-                            <a:t>10</a:t>
-                          </a:r>
-                          <a:endParaRPr lang="zh-CN" altLang="en-US" dirty="0"/>
-                        </a:p>
-                      </a:txBody>
-                      <a:tcPr/>
-                    </a:tc>
-                    <a:tc>
-                      <a:txBody>
-                        <a:bodyPr/>
-                        <a:lstStyle/>
-                        <a:p>
-                          <a:endParaRPr lang="zh-CN"/>
-                        </a:p>
-                      </a:txBody>
-                      <a:tcPr>
-                        <a:blipFill>
-                          <a:blip r:embed="rId3"/>
-                          <a:stretch>
-                            <a:fillRect l="-43175" t="-305797" r="-72063" b="-110145"/>
-                          </a:stretch>
-                        </a:blipFill>
-                      </a:tcPr>
-                    </a:tc>
-                    <a:tc>
-                      <a:txBody>
-                        <a:bodyPr/>
-                        <a:lstStyle/>
-                        <a:p>
-                          <a:r>
-                            <a:rPr lang="zh-CN" altLang="en-US" dirty="0"/>
-                            <a:t>√</a:t>
-                          </a:r>
-                        </a:p>
-                      </a:txBody>
-                      <a:tcPr/>
-                    </a:tc>
-                    <a:extLst>
-                      <a:ext uri="{0D108BD9-81ED-4DB2-BD59-A6C34878D82A}">
-                        <a16:rowId xmlns:a16="http://schemas.microsoft.com/office/drawing/2014/main" val="3443982490"/>
-                      </a:ext>
-                    </a:extLst>
-                  </a:tr>
-                  <a:tr h="418644">
-                    <a:tc>
-                      <a:txBody>
-                        <a:bodyPr/>
-                        <a:lstStyle/>
-                        <a:p>
-                          <a:r>
-                            <a:rPr lang="en-US" altLang="zh-CN" dirty="0"/>
-                            <a:t>11</a:t>
-                          </a:r>
-                          <a:endParaRPr lang="zh-CN" altLang="en-US" dirty="0"/>
-                        </a:p>
-                      </a:txBody>
-                      <a:tcPr/>
-                    </a:tc>
-                    <a:tc>
-                      <a:txBody>
-                        <a:bodyPr/>
-                        <a:lstStyle/>
-                        <a:p>
-                          <a:endParaRPr lang="zh-CN"/>
-                        </a:p>
-                      </a:txBody>
-                      <a:tcPr>
-                        <a:blipFill>
-                          <a:blip r:embed="rId3"/>
-                          <a:stretch>
-                            <a:fillRect l="-43175" t="-405797" r="-72063" b="-10145"/>
-                          </a:stretch>
-                        </a:blipFill>
-                      </a:tcPr>
-                    </a:tc>
-                    <a:tc>
-                      <a:txBody>
-                        <a:bodyPr/>
-                        <a:lstStyle/>
-                        <a:p>
-                          <a:r>
-                            <a:rPr lang="en-US" altLang="zh-CN" dirty="0"/>
-                            <a:t>not available</a:t>
-                          </a:r>
-                          <a:endParaRPr lang="zh-CN" altLang="en-US" dirty="0"/>
-                        </a:p>
-                      </a:txBody>
-                      <a:tcPr/>
-                    </a:tc>
-                    <a:extLst>
-                      <a:ext uri="{0D108BD9-81ED-4DB2-BD59-A6C34878D82A}">
-                        <a16:rowId xmlns:a16="http://schemas.microsoft.com/office/drawing/2014/main" val="2472922987"/>
-                      </a:ext>
-                    </a:extLst>
-                  </a:tr>
-                </a:tbl>
-              </a:graphicData>
-            </a:graphic>
-          </p:graphicFrame>
-        </mc:Fallback>
-      </mc:AlternateContent>
+      <p:graphicFrame>
+        <p:nvGraphicFramePr>
+          <p:cNvPr id="4" name="表格 3"/>
+          <p:cNvGraphicFramePr>
+            <a:graphicFrameLocks noGrp="1"/>
+          </p:cNvGraphicFramePr>
+          <p:nvPr/>
+        </p:nvGraphicFramePr>
+        <p:xfrm>
+          <a:off x="1875693" y="2965939"/>
+          <a:ext cx="8225691" cy="2093220"/>
+        </p:xfrm>
+        <a:graphic>
+          <a:graphicData uri="http://schemas.openxmlformats.org/drawingml/2006/table">
+            <a:tbl>
+              <a:tblPr firstRow="1" bandRow="1">
+                <a:tableStyleId>{5C22544A-7EE6-4342-B048-85BDC9FD1C3A}</a:tableStyleId>
+              </a:tblPr>
+              <a:tblGrid>
+                <a:gridCol w="1652953"/>
+                <a:gridCol w="3830841"/>
+                <a:gridCol w="2741897"/>
+              </a:tblGrid>
+              <a:tr h="418644">
+                <a:tc>
+                  <a:txBody>
+                    <a:bodyPr/>
+                    <a:lstStyle/>
+                    <a:p>
+                      <a:r>
+                        <a:rPr lang="en-US" altLang="zh-CN" dirty="0"/>
+                        <a:t>p[i-1]||p[i-2]</a:t>
+                      </a:r>
+                      <a:endParaRPr lang="zh-CN" altLang="en-US" dirty="0"/>
+                    </a:p>
+                  </a:txBody>
+                  <a:tcPr/>
+                </a:tc>
+                <a:tc>
+                  <a:txBody>
+                    <a:bodyPr/>
+                    <a:lstStyle/>
+                    <a:p>
+                      <a:endParaRPr lang="zh-CN"/>
+                    </a:p>
+                  </a:txBody>
+                  <a:tcPr>
+                    <a:blipFill>
+                      <a:blip r:embed="rId2"/>
+                      <a:stretch>
+                        <a:fillRect l="-43175" t="-7246" r="-72063" b="-408696"/>
+                      </a:stretch>
+                    </a:blipFill>
+                  </a:tcPr>
+                </a:tc>
+                <a:tc>
+                  <a:txBody>
+                    <a:bodyPr/>
+                    <a:lstStyle/>
+                    <a:p>
+                      <a:r>
+                        <a:rPr lang="en-US" altLang="zh-CN" dirty="0"/>
+                        <a:t>z0[i]</a:t>
+                      </a:r>
+                      <a:endParaRPr lang="zh-CN" altLang="en-US" dirty="0"/>
+                    </a:p>
+                  </a:txBody>
+                  <a:tcPr/>
+                </a:tc>
+              </a:tr>
+              <a:tr h="418644">
+                <a:tc>
+                  <a:txBody>
+                    <a:bodyPr/>
+                    <a:lstStyle/>
+                    <a:p>
+                      <a:r>
+                        <a:rPr lang="en-US" altLang="zh-CN" dirty="0"/>
+                        <a:t>00</a:t>
+                      </a:r>
+                      <a:endParaRPr lang="zh-CN" altLang="en-US" dirty="0"/>
+                    </a:p>
+                  </a:txBody>
+                  <a:tcPr/>
+                </a:tc>
+                <a:tc>
+                  <a:txBody>
+                    <a:bodyPr/>
+                    <a:lstStyle/>
+                    <a:p>
+                      <a:endParaRPr lang="zh-CN"/>
+                    </a:p>
+                  </a:txBody>
+                  <a:tcPr>
+                    <a:blipFill>
+                      <a:blip r:embed="rId2"/>
+                      <a:stretch>
+                        <a:fillRect l="-43175" t="-107246" r="-72063" b="-308696"/>
+                      </a:stretch>
+                    </a:blipFill>
+                  </a:tcPr>
+                </a:tc>
+                <a:tc>
+                  <a:txBody>
+                    <a:bodyPr/>
+                    <a:lstStyle/>
+                    <a:p>
+                      <a:r>
+                        <a:rPr lang="zh-CN" altLang="en-US" dirty="0"/>
+                        <a:t>√</a:t>
+                      </a:r>
+                      <a:endParaRPr lang="zh-CN" altLang="en-US" dirty="0"/>
+                    </a:p>
+                  </a:txBody>
+                  <a:tcPr/>
+                </a:tc>
+              </a:tr>
+              <a:tr h="418644">
+                <a:tc>
+                  <a:txBody>
+                    <a:bodyPr/>
+                    <a:lstStyle/>
+                    <a:p>
+                      <a:r>
+                        <a:rPr lang="en-US" altLang="zh-CN" dirty="0"/>
+                        <a:t>01</a:t>
+                      </a:r>
+                      <a:endParaRPr lang="zh-CN" altLang="en-US" dirty="0"/>
+                    </a:p>
+                  </a:txBody>
+                  <a:tcPr/>
+                </a:tc>
+                <a:tc>
+                  <a:txBody>
+                    <a:bodyPr/>
+                    <a:lstStyle/>
+                    <a:p>
+                      <a:r>
+                        <a:rPr lang="en-US" altLang="zh-CN" dirty="0"/>
+                        <a:t>not available</a:t>
+                      </a:r>
+                      <a:endParaRPr lang="zh-CN" altLang="en-US" dirty="0"/>
+                    </a:p>
+                  </a:txBody>
+                  <a:tcPr/>
+                </a:tc>
+                <a:tc>
+                  <a:txBody>
+                    <a:bodyPr/>
+                    <a:lstStyle/>
+                    <a:p>
+                      <a:r>
+                        <a:rPr lang="zh-CN" altLang="en-US" dirty="0"/>
+                        <a:t>√</a:t>
+                      </a:r>
+                      <a:endParaRPr lang="zh-CN" altLang="en-US" dirty="0"/>
+                    </a:p>
+                  </a:txBody>
+                  <a:tcPr/>
+                </a:tc>
+              </a:tr>
+              <a:tr h="418644">
+                <a:tc>
+                  <a:txBody>
+                    <a:bodyPr/>
+                    <a:lstStyle/>
+                    <a:p>
+                      <a:r>
+                        <a:rPr lang="en-US" altLang="zh-CN" dirty="0"/>
+                        <a:t>10</a:t>
+                      </a:r>
+                      <a:endParaRPr lang="zh-CN" altLang="en-US" dirty="0"/>
+                    </a:p>
+                  </a:txBody>
+                  <a:tcPr/>
+                </a:tc>
+                <a:tc>
+                  <a:txBody>
+                    <a:bodyPr/>
+                    <a:lstStyle/>
+                    <a:p>
+                      <a:endParaRPr lang="zh-CN"/>
+                    </a:p>
+                  </a:txBody>
+                  <a:tcPr>
+                    <a:blipFill>
+                      <a:blip r:embed="rId2"/>
+                      <a:stretch>
+                        <a:fillRect l="-43175" t="-305797" r="-72063" b="-110145"/>
+                      </a:stretch>
+                    </a:blipFill>
+                  </a:tcPr>
+                </a:tc>
+                <a:tc>
+                  <a:txBody>
+                    <a:bodyPr/>
+                    <a:lstStyle/>
+                    <a:p>
+                      <a:r>
+                        <a:rPr lang="zh-CN" altLang="en-US" dirty="0"/>
+                        <a:t>√</a:t>
+                      </a:r>
+                      <a:endParaRPr lang="zh-CN" altLang="en-US" dirty="0"/>
+                    </a:p>
+                  </a:txBody>
+                  <a:tcPr/>
+                </a:tc>
+              </a:tr>
+              <a:tr h="418644">
+                <a:tc>
+                  <a:txBody>
+                    <a:bodyPr/>
+                    <a:lstStyle/>
+                    <a:p>
+                      <a:r>
+                        <a:rPr lang="en-US" altLang="zh-CN" dirty="0"/>
+                        <a:t>11</a:t>
+                      </a:r>
+                      <a:endParaRPr lang="zh-CN" altLang="en-US" dirty="0"/>
+                    </a:p>
+                  </a:txBody>
+                  <a:tcPr/>
+                </a:tc>
+                <a:tc>
+                  <a:txBody>
+                    <a:bodyPr/>
+                    <a:lstStyle/>
+                    <a:p>
+                      <a:endParaRPr lang="zh-CN"/>
+                    </a:p>
+                  </a:txBody>
+                  <a:tcPr>
+                    <a:blipFill>
+                      <a:blip r:embed="rId2"/>
+                      <a:stretch>
+                        <a:fillRect l="-43175" t="-405797" r="-72063" b="-10145"/>
+                      </a:stretch>
+                    </a:blipFill>
+                  </a:tcPr>
+                </a:tc>
+                <a:tc>
+                  <a:txBody>
+                    <a:bodyPr/>
+                    <a:lstStyle/>
+                    <a:p>
+                      <a:r>
+                        <a:rPr lang="en-US" altLang="zh-CN" dirty="0"/>
+                        <a:t>not available</a:t>
+                      </a:r>
+                      <a:endParaRPr lang="zh-CN" altLang="en-US" dirty="0"/>
+                    </a:p>
+                  </a:txBody>
+                  <a:tcPr/>
+                </a:tc>
+              </a:tr>
+            </a:tbl>
+          </a:graphicData>
+        </a:graphic>
+      </p:graphicFrame>
     </p:spTree>
-    <p:extLst>
-      <p:ext uri="{BB962C8B-B14F-4D97-AF65-F5344CB8AC3E}">
-        <p14:creationId xmlns:p14="http://schemas.microsoft.com/office/powerpoint/2010/main" val="1437061087"/>
-      </p:ext>
-    </p:extLst>
   </p:cSld>
   <p:clrMapOvr>
     <a:masterClrMapping/>
@@ -8292,13 +7054,7 @@
       </p:grpSpPr>
       <p:sp>
         <p:nvSpPr>
-          <p:cNvPr id="2" name="标题 1">
-            <a:extLst>
-              <a:ext uri="{FF2B5EF4-FFF2-40B4-BE49-F238E27FC236}">
-                <a16:creationId xmlns:a16="http://schemas.microsoft.com/office/drawing/2014/main" id="{718E8C61-AC16-4C55-BA11-A7FA7DCCA120}"/>
-              </a:ext>
-            </a:extLst>
-          </p:cNvPr>
+          <p:cNvPr id="2" name="标题 1"/>
           <p:cNvSpPr>
             <a:spLocks noGrp="1"/>
           </p:cNvSpPr>
@@ -8325,18 +7081,16 @@
               </a:rPr>
               <a:t>划分技术</a:t>
             </a:r>
+            <a:endParaRPr lang="zh-CN" altLang="en-US" sz="4000" dirty="0">
+              <a:latin typeface="宋体" panose="02010600030101010101" pitchFamily="2" charset="-122"/>
+              <a:ea typeface="宋体" panose="02010600030101010101" pitchFamily="2" charset="-122"/>
+            </a:endParaRPr>
           </a:p>
         </p:txBody>
       </p:sp>
       <p:pic>
         <p:nvPicPr>
-          <p:cNvPr id="4" name="内容占位符 3">
-            <a:extLst>
-              <a:ext uri="{FF2B5EF4-FFF2-40B4-BE49-F238E27FC236}">
-                <a16:creationId xmlns:a16="http://schemas.microsoft.com/office/drawing/2014/main" id="{414F231E-36F9-43FF-8A8E-17C53756699D}"/>
-              </a:ext>
-            </a:extLst>
-          </p:cNvPr>
+          <p:cNvPr id="4" name="内容占位符 3"/>
           <p:cNvPicPr>
             <a:picLocks noGrp="1" noChangeAspect="1"/>
           </p:cNvPicPr>
@@ -8345,7 +7099,7 @@
           </p:nvPr>
         </p:nvPicPr>
         <p:blipFill>
-          <a:blip r:embed="rId2"/>
+          <a:blip r:embed="rId1"/>
           <a:stretch>
             <a:fillRect/>
           </a:stretch>
@@ -8367,7 +7121,7 @@
               <p:cNvPr id="5" name="文本框 4">
                 <a:extLst>
                   <a:ext uri="{FF2B5EF4-FFF2-40B4-BE49-F238E27FC236}">
-                    <a16:creationId xmlns:a16="http://schemas.microsoft.com/office/drawing/2014/main" id="{D86FF3FD-99B1-4A74-8A63-72D51F73AE0F}"/>
+                    <ele attr="{D86FF3FD-99B1-4A74-8A63-72D51F73AE0F}"/>
                   </a:ext>
                 </a:extLst>
               </p:cNvPr>
@@ -8890,13 +7644,7 @@
         <mc:Fallback>
           <p:sp>
             <p:nvSpPr>
-              <p:cNvPr id="5" name="文本框 4">
-                <a:extLst>
-                  <a:ext uri="{FF2B5EF4-FFF2-40B4-BE49-F238E27FC236}">
-                    <a16:creationId xmlns:a16="http://schemas.microsoft.com/office/drawing/2014/main" id="{D86FF3FD-99B1-4A74-8A63-72D51F73AE0F}"/>
-                  </a:ext>
-                </a:extLst>
-              </p:cNvPr>
+              <p:cNvPr id="5" name="文本框 4"/>
               <p:cNvSpPr txBox="1">
                 <a:spLocks noRot="1" noChangeAspect="1" noMove="1" noResize="1" noEditPoints="1" noAdjustHandles="1" noChangeArrowheads="1" noChangeShapeType="1" noTextEdit="1"/>
               </p:cNvSpPr>
@@ -8910,8 +7658,8 @@
               <a:prstGeom prst="rect">
                 <a:avLst/>
               </a:prstGeom>
-              <a:blipFill>
-                <a:blip r:embed="rId3"/>
+              <a:blipFill rotWithShape="1">
+                <a:blip r:embed="rId2"/>
                 <a:stretch>
                   <a:fillRect l="-1874" t="-1524" r="-7404"/>
                 </a:stretch>
@@ -8927,17 +7675,15 @@
                   </a:rPr>
                   <a:t> </a:t>
                 </a:r>
+                <a:endParaRPr lang="zh-CN" altLang="en-US">
+                  <a:noFill/>
+                </a:endParaRPr>
               </a:p>
             </p:txBody>
           </p:sp>
         </mc:Fallback>
       </mc:AlternateContent>
     </p:spTree>
-    <p:extLst>
-      <p:ext uri="{BB962C8B-B14F-4D97-AF65-F5344CB8AC3E}">
-        <p14:creationId xmlns:p14="http://schemas.microsoft.com/office/powerpoint/2010/main" val="3733807177"/>
-      </p:ext>
-    </p:extLst>
   </p:cSld>
   <p:clrMapOvr>
     <a:masterClrMapping/>
@@ -8964,13 +7710,7 @@
       </p:grpSpPr>
       <p:sp>
         <p:nvSpPr>
-          <p:cNvPr id="2" name="标题 1">
-            <a:extLst>
-              <a:ext uri="{FF2B5EF4-FFF2-40B4-BE49-F238E27FC236}">
-                <a16:creationId xmlns:a16="http://schemas.microsoft.com/office/drawing/2014/main" id="{953FB6F1-0F00-4C29-8D7C-F7472407CB87}"/>
-              </a:ext>
-            </a:extLst>
-          </p:cNvPr>
+          <p:cNvPr id="2" name="标题 1"/>
           <p:cNvSpPr>
             <a:spLocks noGrp="1"/>
           </p:cNvSpPr>
@@ -8997,18 +7737,16 @@
               </a:rPr>
               <a:t>划分技术</a:t>
             </a:r>
+            <a:endParaRPr lang="zh-CN" altLang="en-US" sz="4000" dirty="0">
+              <a:latin typeface="宋体" panose="02010600030101010101" pitchFamily="2" charset="-122"/>
+              <a:ea typeface="宋体" panose="02010600030101010101" pitchFamily="2" charset="-122"/>
+            </a:endParaRPr>
           </a:p>
         </p:txBody>
       </p:sp>
       <p:sp>
         <p:nvSpPr>
-          <p:cNvPr id="3" name="内容占位符 2">
-            <a:extLst>
-              <a:ext uri="{FF2B5EF4-FFF2-40B4-BE49-F238E27FC236}">
-                <a16:creationId xmlns:a16="http://schemas.microsoft.com/office/drawing/2014/main" id="{C598ABBF-E387-477A-ABC6-3D229B5B6C37}"/>
-              </a:ext>
-            </a:extLst>
-          </p:cNvPr>
+          <p:cNvPr id="3" name="内容占位符 2"/>
           <p:cNvSpPr>
             <a:spLocks noGrp="1"/>
           </p:cNvSpPr>
@@ -9049,11 +7787,6 @@
         </p:txBody>
       </p:sp>
     </p:spTree>
-    <p:extLst>
-      <p:ext uri="{BB962C8B-B14F-4D97-AF65-F5344CB8AC3E}">
-        <p14:creationId xmlns:p14="http://schemas.microsoft.com/office/powerpoint/2010/main" val="3164937886"/>
-      </p:ext>
-    </p:extLst>
   </p:cSld>
   <p:clrMapOvr>
     <a:masterClrMapping/>
@@ -9080,13 +7813,7 @@
       </p:grpSpPr>
       <p:sp>
         <p:nvSpPr>
-          <p:cNvPr id="2" name="标题 1">
-            <a:extLst>
-              <a:ext uri="{FF2B5EF4-FFF2-40B4-BE49-F238E27FC236}">
-                <a16:creationId xmlns:a16="http://schemas.microsoft.com/office/drawing/2014/main" id="{9D3058FE-36BA-48CD-816D-E7D35D3D7329}"/>
-              </a:ext>
-            </a:extLst>
-          </p:cNvPr>
+          <p:cNvPr id="2" name="标题 1"/>
           <p:cNvSpPr>
             <a:spLocks noGrp="1"/>
           </p:cNvSpPr>
@@ -9113,18 +7840,16 @@
               </a:rPr>
               <a:t>结合不同的线性路线</a:t>
             </a:r>
+            <a:endParaRPr lang="zh-CN" altLang="en-US" dirty="0">
+              <a:latin typeface="宋体" panose="02010600030101010101" pitchFamily="2" charset="-122"/>
+              <a:ea typeface="宋体" panose="02010600030101010101" pitchFamily="2" charset="-122"/>
+            </a:endParaRPr>
           </a:p>
         </p:txBody>
       </p:sp>
       <p:pic>
         <p:nvPicPr>
-          <p:cNvPr id="4" name="内容占位符 3">
-            <a:extLst>
-              <a:ext uri="{FF2B5EF4-FFF2-40B4-BE49-F238E27FC236}">
-                <a16:creationId xmlns:a16="http://schemas.microsoft.com/office/drawing/2014/main" id="{F4B5DD08-BEF2-4E58-845E-AEE5AE53C581}"/>
-              </a:ext>
-            </a:extLst>
-          </p:cNvPr>
+          <p:cNvPr id="4" name="内容占位符 3"/>
           <p:cNvPicPr>
             <a:picLocks noGrp="1" noChangeAspect="1"/>
           </p:cNvPicPr>
@@ -9133,7 +7858,7 @@
           </p:nvPr>
         </p:nvPicPr>
         <p:blipFill>
-          <a:blip r:embed="rId2"/>
+          <a:blip r:embed="rId1"/>
           <a:stretch>
             <a:fillRect/>
           </a:stretch>
@@ -9155,7 +7880,7 @@
               <p:cNvPr id="6" name="文本框 5">
                 <a:extLst>
                   <a:ext uri="{FF2B5EF4-FFF2-40B4-BE49-F238E27FC236}">
-                    <a16:creationId xmlns:a16="http://schemas.microsoft.com/office/drawing/2014/main" id="{BE4826AD-FF22-44A7-99F2-6B1FE6D52EB7}"/>
+                    <ele attr="{BE4826AD-FF22-44A7-99F2-6B1FE6D52EB7}"/>
                   </a:ext>
                 </a:extLst>
               </p:cNvPr>
@@ -9327,13 +8052,7 @@
         <mc:Fallback>
           <p:sp>
             <p:nvSpPr>
-              <p:cNvPr id="6" name="文本框 5">
-                <a:extLst>
-                  <a:ext uri="{FF2B5EF4-FFF2-40B4-BE49-F238E27FC236}">
-                    <a16:creationId xmlns:a16="http://schemas.microsoft.com/office/drawing/2014/main" id="{BE4826AD-FF22-44A7-99F2-6B1FE6D52EB7}"/>
-                  </a:ext>
-                </a:extLst>
-              </p:cNvPr>
+              <p:cNvPr id="6" name="文本框 5"/>
               <p:cNvSpPr txBox="1">
                 <a:spLocks noRot="1" noChangeAspect="1" noMove="1" noResize="1" noEditPoints="1" noAdjustHandles="1" noChangeArrowheads="1" noChangeShapeType="1" noTextEdit="1"/>
               </p:cNvSpPr>
@@ -9347,8 +8066,8 @@
               <a:prstGeom prst="rect">
                 <a:avLst/>
               </a:prstGeom>
-              <a:blipFill>
-                <a:blip r:embed="rId3"/>
+              <a:blipFill rotWithShape="1">
+                <a:blip r:embed="rId2"/>
                 <a:stretch>
                   <a:fillRect l="-1901" t="-2506" b="-5467"/>
                 </a:stretch>
@@ -9364,17 +8083,15 @@
                   </a:rPr>
                   <a:t> </a:t>
                 </a:r>
+                <a:endParaRPr lang="zh-CN" altLang="en-US">
+                  <a:noFill/>
+                </a:endParaRPr>
               </a:p>
             </p:txBody>
           </p:sp>
         </mc:Fallback>
       </mc:AlternateContent>
     </p:spTree>
-    <p:extLst>
-      <p:ext uri="{BB962C8B-B14F-4D97-AF65-F5344CB8AC3E}">
-        <p14:creationId xmlns:p14="http://schemas.microsoft.com/office/powerpoint/2010/main" val="1829043561"/>
-      </p:ext>
-    </p:extLst>
   </p:cSld>
   <p:clrMapOvr>
     <a:masterClrMapping/>
@@ -9401,13 +8118,7 @@
       </p:grpSpPr>
       <p:sp>
         <p:nvSpPr>
-          <p:cNvPr id="4" name="标题 3">
-            <a:extLst>
-              <a:ext uri="{FF2B5EF4-FFF2-40B4-BE49-F238E27FC236}">
-                <a16:creationId xmlns:a16="http://schemas.microsoft.com/office/drawing/2014/main" id="{EE64ED25-CE2F-4C27-8E6A-1C0D89DC66F5}"/>
-              </a:ext>
-            </a:extLst>
-          </p:cNvPr>
+          <p:cNvPr id="4" name="标题 3"/>
           <p:cNvSpPr>
             <a:spLocks noGrp="1"/>
           </p:cNvSpPr>
@@ -9433,18 +8144,16 @@
               </a:rPr>
               <a:t>谢谢大家！</a:t>
             </a:r>
+            <a:endParaRPr lang="zh-CN" altLang="en-US" dirty="0">
+              <a:latin typeface="宋体" panose="02010600030101010101" pitchFamily="2" charset="-122"/>
+              <a:ea typeface="宋体" panose="02010600030101010101" pitchFamily="2" charset="-122"/>
+            </a:endParaRPr>
           </a:p>
         </p:txBody>
       </p:sp>
       <p:sp>
         <p:nvSpPr>
-          <p:cNvPr id="5" name="文本占位符 4">
-            <a:extLst>
-              <a:ext uri="{FF2B5EF4-FFF2-40B4-BE49-F238E27FC236}">
-                <a16:creationId xmlns:a16="http://schemas.microsoft.com/office/drawing/2014/main" id="{872ACDCA-CBEC-4CF4-872F-C1003DF224CC}"/>
-              </a:ext>
-            </a:extLst>
-          </p:cNvPr>
+          <p:cNvPr id="5" name="文本占位符 4"/>
           <p:cNvSpPr>
             <a:spLocks noGrp="1"/>
           </p:cNvSpPr>
@@ -9462,11 +8171,6 @@
         </p:txBody>
       </p:sp>
     </p:spTree>
-    <p:extLst>
-      <p:ext uri="{BB962C8B-B14F-4D97-AF65-F5344CB8AC3E}">
-        <p14:creationId xmlns:p14="http://schemas.microsoft.com/office/powerpoint/2010/main" val="2368086401"/>
-      </p:ext>
-    </p:extLst>
   </p:cSld>
   <p:clrMapOvr>
     <a:masterClrMapping/>
@@ -9493,13 +8197,7 @@
       </p:grpSpPr>
       <p:sp>
         <p:nvSpPr>
-          <p:cNvPr id="2" name="标题 1">
-            <a:extLst>
-              <a:ext uri="{FF2B5EF4-FFF2-40B4-BE49-F238E27FC236}">
-                <a16:creationId xmlns:a16="http://schemas.microsoft.com/office/drawing/2014/main" id="{CBB7C4E9-F017-4268-923E-29B939C2D4A0}"/>
-              </a:ext>
-            </a:extLst>
-          </p:cNvPr>
+          <p:cNvPr id="2" name="标题 1"/>
           <p:cNvSpPr>
             <a:spLocks noGrp="1"/>
           </p:cNvSpPr>
@@ -9521,18 +8219,16 @@
               </a:rPr>
               <a:t>差分、线性攻击</a:t>
             </a:r>
+            <a:endParaRPr lang="zh-CN" altLang="en-US" dirty="0">
+              <a:latin typeface="宋体" panose="02010600030101010101" pitchFamily="2" charset="-122"/>
+              <a:ea typeface="宋体" panose="02010600030101010101" pitchFamily="2" charset="-122"/>
+            </a:endParaRPr>
           </a:p>
         </p:txBody>
       </p:sp>
       <p:sp>
         <p:nvSpPr>
-          <p:cNvPr id="5" name="文本占位符 4">
-            <a:extLst>
-              <a:ext uri="{FF2B5EF4-FFF2-40B4-BE49-F238E27FC236}">
-                <a16:creationId xmlns:a16="http://schemas.microsoft.com/office/drawing/2014/main" id="{AD654B4F-0D91-4D51-91D2-3D24BDBB734A}"/>
-              </a:ext>
-            </a:extLst>
-          </p:cNvPr>
+          <p:cNvPr id="5" name="文本占位符 4"/>
           <p:cNvSpPr>
             <a:spLocks noGrp="1"/>
           </p:cNvSpPr>
@@ -9549,6 +8245,7 @@
               <a:rPr lang="zh-CN" altLang="en-US" dirty="0"/>
               <a:t>差分攻击</a:t>
             </a:r>
+            <a:endParaRPr lang="zh-CN" altLang="en-US" dirty="0"/>
           </a:p>
         </p:txBody>
       </p:sp>
@@ -9559,7 +8256,7 @@
               <p:cNvPr id="3" name="内容占位符 2">
                 <a:extLst>
                   <a:ext uri="{FF2B5EF4-FFF2-40B4-BE49-F238E27FC236}">
-                    <a16:creationId xmlns:a16="http://schemas.microsoft.com/office/drawing/2014/main" id="{BE1445F7-15D2-4634-8941-D1819035F517}"/>
+                    <ele attr="{BE1445F7-15D2-4634-8941-D1819035F517}"/>
                   </a:ext>
                 </a:extLst>
               </p:cNvPr>
@@ -10076,13 +8773,7 @@
         <mc:Fallback>
           <p:sp>
             <p:nvSpPr>
-              <p:cNvPr id="3" name="内容占位符 2">
-                <a:extLst>
-                  <a:ext uri="{FF2B5EF4-FFF2-40B4-BE49-F238E27FC236}">
-                    <a16:creationId xmlns:a16="http://schemas.microsoft.com/office/drawing/2014/main" id="{BE1445F7-15D2-4634-8941-D1819035F517}"/>
-                  </a:ext>
-                </a:extLst>
-              </p:cNvPr>
+              <p:cNvPr id="3" name="内容占位符 2"/>
               <p:cNvSpPr>
                 <a:spLocks noGrp="1" noRot="1" noChangeAspect="1" noMove="1" noResize="1" noEditPoints="1" noAdjustHandles="1" noChangeArrowheads="1" noChangeShapeType="1" noTextEdit="1"/>
               </p:cNvSpPr>
@@ -10091,8 +8782,8 @@
               </p:nvPr>
             </p:nvSpPr>
             <p:spPr>
-              <a:blipFill>
-                <a:blip r:embed="rId3"/>
+              <a:blipFill rotWithShape="1">
+                <a:blip r:embed="rId1"/>
                 <a:stretch>
                   <a:fillRect l="-2128" t="-3477"/>
                 </a:stretch>
@@ -10108,6 +8799,9 @@
                   </a:rPr>
                   <a:t> </a:t>
                 </a:r>
+                <a:endParaRPr lang="zh-CN" altLang="en-US">
+                  <a:noFill/>
+                </a:endParaRPr>
               </a:p>
             </p:txBody>
           </p:sp>
@@ -10115,13 +8809,7 @@
       </mc:AlternateContent>
       <p:sp>
         <p:nvSpPr>
-          <p:cNvPr id="6" name="文本占位符 5">
-            <a:extLst>
-              <a:ext uri="{FF2B5EF4-FFF2-40B4-BE49-F238E27FC236}">
-                <a16:creationId xmlns:a16="http://schemas.microsoft.com/office/drawing/2014/main" id="{3D7388EF-DEBB-4A28-BBA4-4789F946BF8C}"/>
-              </a:ext>
-            </a:extLst>
-          </p:cNvPr>
+          <p:cNvPr id="6" name="文本占位符 5"/>
           <p:cNvSpPr>
             <a:spLocks noGrp="1"/>
           </p:cNvSpPr>
@@ -10138,6 +8826,7 @@
               <a:rPr lang="zh-CN" altLang="en-US" dirty="0"/>
               <a:t>线性攻击</a:t>
             </a:r>
+            <a:endParaRPr lang="zh-CN" altLang="en-US" dirty="0"/>
           </a:p>
         </p:txBody>
       </p:sp>
@@ -10148,7 +8837,7 @@
               <p:cNvPr id="7" name="内容占位符 6">
                 <a:extLst>
                   <a:ext uri="{FF2B5EF4-FFF2-40B4-BE49-F238E27FC236}">
-                    <a16:creationId xmlns:a16="http://schemas.microsoft.com/office/drawing/2014/main" id="{BDC82D4E-4C29-4BDF-81A1-4CABC48BD487}"/>
+                    <ele attr="{BDC82D4E-4C29-4BDF-81A1-4CABC48BD487}"/>
                   </a:ext>
                 </a:extLst>
               </p:cNvPr>
@@ -10760,13 +9449,7 @@
         <mc:Fallback>
           <p:sp>
             <p:nvSpPr>
-              <p:cNvPr id="7" name="内容占位符 6">
-                <a:extLst>
-                  <a:ext uri="{FF2B5EF4-FFF2-40B4-BE49-F238E27FC236}">
-                    <a16:creationId xmlns:a16="http://schemas.microsoft.com/office/drawing/2014/main" id="{BDC82D4E-4C29-4BDF-81A1-4CABC48BD487}"/>
-                  </a:ext>
-                </a:extLst>
-              </p:cNvPr>
+              <p:cNvPr id="7" name="内容占位符 6"/>
               <p:cNvSpPr>
                 <a:spLocks noGrp="1" noRot="1" noChangeAspect="1" noMove="1" noResize="1" noEditPoints="1" noAdjustHandles="1" noChangeArrowheads="1" noChangeShapeType="1" noTextEdit="1"/>
               </p:cNvSpPr>
@@ -10779,8 +9462,8 @@
                 <a:off x="6172198" y="2505075"/>
                 <a:ext cx="6210301" cy="3684588"/>
               </a:xfrm>
-              <a:blipFill>
-                <a:blip r:embed="rId4"/>
+              <a:blipFill rotWithShape="1">
+                <a:blip r:embed="rId2"/>
                 <a:stretch>
                   <a:fillRect l="-1668" t="-3311"/>
                 </a:stretch>
@@ -10796,6 +9479,9 @@
                   </a:rPr>
                   <a:t> </a:t>
                 </a:r>
+                <a:endParaRPr lang="zh-CN" altLang="en-US">
+                  <a:noFill/>
+                </a:endParaRPr>
               </a:p>
             </p:txBody>
           </p:sp>
@@ -10803,13 +9489,7 @@
       </mc:AlternateContent>
       <p:cxnSp>
         <p:nvCxnSpPr>
-          <p:cNvPr id="14" name="直接箭头连接符 13">
-            <a:extLst>
-              <a:ext uri="{FF2B5EF4-FFF2-40B4-BE49-F238E27FC236}">
-                <a16:creationId xmlns:a16="http://schemas.microsoft.com/office/drawing/2014/main" id="{31053285-E216-4E56-9952-DF0BF0CB0291}"/>
-              </a:ext>
-            </a:extLst>
-          </p:cNvPr>
+          <p:cNvPr id="14" name="直接箭头连接符 13"/>
           <p:cNvCxnSpPr/>
           <p:nvPr/>
         </p:nvCxnSpPr>
@@ -10847,7 +9527,7 @@
               <p:cNvPr id="15" name="文本框 14">
                 <a:extLst>
                   <a:ext uri="{FF2B5EF4-FFF2-40B4-BE49-F238E27FC236}">
-                    <a16:creationId xmlns:a16="http://schemas.microsoft.com/office/drawing/2014/main" id="{10AC889E-D2C1-4CDE-B856-41B89102C612}"/>
+                    <ele attr="{10AC889E-D2C1-4CDE-B856-41B89102C612}"/>
                   </a:ext>
                 </a:extLst>
               </p:cNvPr>
@@ -10954,13 +9634,7 @@
         <mc:Fallback>
           <p:sp>
             <p:nvSpPr>
-              <p:cNvPr id="15" name="文本框 14">
-                <a:extLst>
-                  <a:ext uri="{FF2B5EF4-FFF2-40B4-BE49-F238E27FC236}">
-                    <a16:creationId xmlns:a16="http://schemas.microsoft.com/office/drawing/2014/main" id="{10AC889E-D2C1-4CDE-B856-41B89102C612}"/>
-                  </a:ext>
-                </a:extLst>
-              </p:cNvPr>
+              <p:cNvPr id="15" name="文本框 14"/>
               <p:cNvSpPr txBox="1">
                 <a:spLocks noRot="1" noChangeAspect="1" noMove="1" noResize="1" noEditPoints="1" noAdjustHandles="1" noChangeArrowheads="1" noChangeShapeType="1" noTextEdit="1"/>
               </p:cNvSpPr>
@@ -10974,8 +9648,8 @@
               <a:prstGeom prst="rect">
                 <a:avLst/>
               </a:prstGeom>
-              <a:blipFill>
-                <a:blip r:embed="rId5"/>
+              <a:blipFill rotWithShape="1">
+                <a:blip r:embed="rId3"/>
                 <a:stretch>
                   <a:fillRect l="-1654" t="-7547" b="-14151"/>
                 </a:stretch>
@@ -10991,17 +9665,15 @@
                   </a:rPr>
                   <a:t> </a:t>
                 </a:r>
+                <a:endParaRPr lang="zh-CN" altLang="en-US">
+                  <a:noFill/>
+                </a:endParaRPr>
               </a:p>
             </p:txBody>
           </p:sp>
         </mc:Fallback>
       </mc:AlternateContent>
     </p:spTree>
-    <p:extLst>
-      <p:ext uri="{BB962C8B-B14F-4D97-AF65-F5344CB8AC3E}">
-        <p14:creationId xmlns:p14="http://schemas.microsoft.com/office/powerpoint/2010/main" val="2201701597"/>
-      </p:ext>
-    </p:extLst>
   </p:cSld>
   <p:clrMapOvr>
     <a:masterClrMapping/>
@@ -11028,13 +9700,7 @@
       </p:grpSpPr>
       <p:sp>
         <p:nvSpPr>
-          <p:cNvPr id="7" name="标题 6">
-            <a:extLst>
-              <a:ext uri="{FF2B5EF4-FFF2-40B4-BE49-F238E27FC236}">
-                <a16:creationId xmlns:a16="http://schemas.microsoft.com/office/drawing/2014/main" id="{55254EA4-DAB7-4979-B0CB-E4EF82893006}"/>
-              </a:ext>
-            </a:extLst>
-          </p:cNvPr>
+          <p:cNvPr id="7" name="标题 6"/>
           <p:cNvSpPr>
             <a:spLocks noGrp="1"/>
           </p:cNvSpPr>
@@ -11061,6 +9727,10 @@
               </a:rPr>
               <a:t>差分线性模型</a:t>
             </a:r>
+            <a:endParaRPr lang="zh-CN" altLang="en-US" dirty="0">
+              <a:latin typeface="宋体" panose="02010600030101010101" pitchFamily="2" charset="-122"/>
+              <a:ea typeface="宋体" panose="02010600030101010101" pitchFamily="2" charset="-122"/>
+            </a:endParaRPr>
           </a:p>
         </p:txBody>
       </p:sp>
@@ -11071,7 +9741,7 @@
               <p:cNvPr id="8" name="内容占位符 7">
                 <a:extLst>
                   <a:ext uri="{FF2B5EF4-FFF2-40B4-BE49-F238E27FC236}">
-                    <a16:creationId xmlns:a16="http://schemas.microsoft.com/office/drawing/2014/main" id="{71514A84-1B01-48E6-9D5C-FA19FFA9E999}"/>
+                    <ele attr="{71514A84-1B01-48E6-9D5C-FA19FFA9E999}"/>
                   </a:ext>
                 </a:extLst>
               </p:cNvPr>
@@ -11736,13 +10406,7 @@
         <mc:Fallback>
           <p:sp>
             <p:nvSpPr>
-              <p:cNvPr id="8" name="内容占位符 7">
-                <a:extLst>
-                  <a:ext uri="{FF2B5EF4-FFF2-40B4-BE49-F238E27FC236}">
-                    <a16:creationId xmlns:a16="http://schemas.microsoft.com/office/drawing/2014/main" id="{71514A84-1B01-48E6-9D5C-FA19FFA9E999}"/>
-                  </a:ext>
-                </a:extLst>
-              </p:cNvPr>
+              <p:cNvPr id="8" name="内容占位符 7"/>
               <p:cNvSpPr>
                 <a:spLocks noGrp="1" noRot="1" noChangeAspect="1" noMove="1" noResize="1" noEditPoints="1" noAdjustHandles="1" noChangeArrowheads="1" noChangeShapeType="1" noTextEdit="1"/>
               </p:cNvSpPr>
@@ -11755,8 +10419,8 @@
                 <a:off x="838200" y="1082180"/>
                 <a:ext cx="10515600" cy="5094783"/>
               </a:xfrm>
-              <a:blipFill>
-                <a:blip r:embed="rId2"/>
+              <a:blipFill rotWithShape="1">
+                <a:blip r:embed="rId1"/>
                 <a:stretch>
                   <a:fillRect l="-1043" t="-2515" r="-638"/>
                 </a:stretch>
@@ -11772,17 +10436,15 @@
                   </a:rPr>
                   <a:t> </a:t>
                 </a:r>
+                <a:endParaRPr lang="zh-CN" altLang="en-US">
+                  <a:noFill/>
+                </a:endParaRPr>
               </a:p>
             </p:txBody>
           </p:sp>
         </mc:Fallback>
       </mc:AlternateContent>
     </p:spTree>
-    <p:extLst>
-      <p:ext uri="{BB962C8B-B14F-4D97-AF65-F5344CB8AC3E}">
-        <p14:creationId xmlns:p14="http://schemas.microsoft.com/office/powerpoint/2010/main" val="1999616607"/>
-      </p:ext>
-    </p:extLst>
   </p:cSld>
   <p:clrMapOvr>
     <a:masterClrMapping/>
@@ -11809,13 +10471,7 @@
       </p:grpSpPr>
       <p:sp>
         <p:nvSpPr>
-          <p:cNvPr id="7" name="标题 6">
-            <a:extLst>
-              <a:ext uri="{FF2B5EF4-FFF2-40B4-BE49-F238E27FC236}">
-                <a16:creationId xmlns:a16="http://schemas.microsoft.com/office/drawing/2014/main" id="{55254EA4-DAB7-4979-B0CB-E4EF82893006}"/>
-              </a:ext>
-            </a:extLst>
-          </p:cNvPr>
+          <p:cNvPr id="7" name="标题 6"/>
           <p:cNvSpPr>
             <a:spLocks noGrp="1"/>
           </p:cNvSpPr>
@@ -11842,6 +10498,10 @@
               </a:rPr>
               <a:t>差分线性模型</a:t>
             </a:r>
+            <a:endParaRPr lang="zh-CN" altLang="en-US" dirty="0">
+              <a:latin typeface="宋体" panose="02010600030101010101" pitchFamily="2" charset="-122"/>
+              <a:ea typeface="宋体" panose="02010600030101010101" pitchFamily="2" charset="-122"/>
+            </a:endParaRPr>
           </a:p>
         </p:txBody>
       </p:sp>
@@ -11852,7 +10512,7 @@
               <p:cNvPr id="8" name="内容占位符 7">
                 <a:extLst>
                   <a:ext uri="{FF2B5EF4-FFF2-40B4-BE49-F238E27FC236}">
-                    <a16:creationId xmlns:a16="http://schemas.microsoft.com/office/drawing/2014/main" id="{71514A84-1B01-48E6-9D5C-FA19FFA9E999}"/>
+                    <ele attr="{71514A84-1B01-48E6-9D5C-FA19FFA9E999}"/>
                   </a:ext>
                 </a:extLst>
               </p:cNvPr>
@@ -13564,13 +12224,7 @@
         <mc:Fallback>
           <p:sp>
             <p:nvSpPr>
-              <p:cNvPr id="8" name="内容占位符 7">
-                <a:extLst>
-                  <a:ext uri="{FF2B5EF4-FFF2-40B4-BE49-F238E27FC236}">
-                    <a16:creationId xmlns:a16="http://schemas.microsoft.com/office/drawing/2014/main" id="{71514A84-1B01-48E6-9D5C-FA19FFA9E999}"/>
-                  </a:ext>
-                </a:extLst>
-              </p:cNvPr>
+              <p:cNvPr id="8" name="内容占位符 7"/>
               <p:cNvSpPr>
                 <a:spLocks noGrp="1" noRot="1" noChangeAspect="1" noMove="1" noResize="1" noEditPoints="1" noAdjustHandles="1" noChangeArrowheads="1" noChangeShapeType="1" noTextEdit="1"/>
               </p:cNvSpPr>
@@ -13583,8 +12237,8 @@
                 <a:off x="838200" y="1082180"/>
                 <a:ext cx="10515600" cy="5094783"/>
               </a:xfrm>
-              <a:blipFill>
-                <a:blip r:embed="rId2"/>
+              <a:blipFill rotWithShape="1">
+                <a:blip r:embed="rId1"/>
                 <a:stretch>
                   <a:fillRect l="-1043" t="-2515" r="-580" b="-359"/>
                 </a:stretch>
@@ -13600,17 +12254,15 @@
                   </a:rPr>
                   <a:t> </a:t>
                 </a:r>
+                <a:endParaRPr lang="zh-CN" altLang="en-US">
+                  <a:noFill/>
+                </a:endParaRPr>
               </a:p>
             </p:txBody>
           </p:sp>
         </mc:Fallback>
       </mc:AlternateContent>
     </p:spTree>
-    <p:extLst>
-      <p:ext uri="{BB962C8B-B14F-4D97-AF65-F5344CB8AC3E}">
-        <p14:creationId xmlns:p14="http://schemas.microsoft.com/office/powerpoint/2010/main" val="687070071"/>
-      </p:ext>
-    </p:extLst>
   </p:cSld>
   <p:clrMapOvr>
     <a:masterClrMapping/>
@@ -13637,13 +12289,7 @@
       </p:grpSpPr>
       <p:sp>
         <p:nvSpPr>
-          <p:cNvPr id="7" name="标题 6">
-            <a:extLst>
-              <a:ext uri="{FF2B5EF4-FFF2-40B4-BE49-F238E27FC236}">
-                <a16:creationId xmlns:a16="http://schemas.microsoft.com/office/drawing/2014/main" id="{55254EA4-DAB7-4979-B0CB-E4EF82893006}"/>
-              </a:ext>
-            </a:extLst>
-          </p:cNvPr>
+          <p:cNvPr id="7" name="标题 6"/>
           <p:cNvSpPr>
             <a:spLocks noGrp="1"/>
           </p:cNvSpPr>
@@ -13670,6 +12316,10 @@
               </a:rPr>
               <a:t>差分线性模型（实际）</a:t>
             </a:r>
+            <a:endParaRPr lang="zh-CN" altLang="en-US" dirty="0">
+              <a:latin typeface="宋体" panose="02010600030101010101" pitchFamily="2" charset="-122"/>
+              <a:ea typeface="宋体" panose="02010600030101010101" pitchFamily="2" charset="-122"/>
+            </a:endParaRPr>
           </a:p>
         </p:txBody>
       </p:sp>
@@ -13680,7 +12330,7 @@
               <p:cNvPr id="8" name="内容占位符 7">
                 <a:extLst>
                   <a:ext uri="{FF2B5EF4-FFF2-40B4-BE49-F238E27FC236}">
-                    <a16:creationId xmlns:a16="http://schemas.microsoft.com/office/drawing/2014/main" id="{71514A84-1B01-48E6-9D5C-FA19FFA9E999}"/>
+                    <ele attr="{71514A84-1B01-48E6-9D5C-FA19FFA9E999}"/>
                   </a:ext>
                 </a:extLst>
               </p:cNvPr>
@@ -14189,13 +12839,7 @@
         <mc:Fallback>
           <p:sp>
             <p:nvSpPr>
-              <p:cNvPr id="8" name="内容占位符 7">
-                <a:extLst>
-                  <a:ext uri="{FF2B5EF4-FFF2-40B4-BE49-F238E27FC236}">
-                    <a16:creationId xmlns:a16="http://schemas.microsoft.com/office/drawing/2014/main" id="{71514A84-1B01-48E6-9D5C-FA19FFA9E999}"/>
-                  </a:ext>
-                </a:extLst>
-              </p:cNvPr>
+              <p:cNvPr id="8" name="内容占位符 7"/>
               <p:cNvSpPr>
                 <a:spLocks noGrp="1" noRot="1" noChangeAspect="1" noMove="1" noResize="1" noEditPoints="1" noAdjustHandles="1" noChangeArrowheads="1" noChangeShapeType="1" noTextEdit="1"/>
               </p:cNvSpPr>
@@ -14208,8 +12852,8 @@
                 <a:off x="838200" y="1082180"/>
                 <a:ext cx="10515600" cy="5094783"/>
               </a:xfrm>
-              <a:blipFill>
-                <a:blip r:embed="rId2"/>
+              <a:blipFill rotWithShape="1">
+                <a:blip r:embed="rId1"/>
                 <a:stretch>
                   <a:fillRect l="-1217" t="-2156"/>
                 </a:stretch>
@@ -14225,6 +12869,9 @@
                   </a:rPr>
                   <a:t> </a:t>
                 </a:r>
+                <a:endParaRPr lang="zh-CN" altLang="en-US">
+                  <a:noFill/>
+                </a:endParaRPr>
               </a:p>
             </p:txBody>
           </p:sp>
@@ -14232,20 +12879,14 @@
       </mc:AlternateContent>
       <p:pic>
         <p:nvPicPr>
-          <p:cNvPr id="3" name="图片 2">
-            <a:extLst>
-              <a:ext uri="{FF2B5EF4-FFF2-40B4-BE49-F238E27FC236}">
-                <a16:creationId xmlns:a16="http://schemas.microsoft.com/office/drawing/2014/main" id="{2922FDBC-19F1-4BA4-9FF8-6F7FEBED0980}"/>
-              </a:ext>
-            </a:extLst>
-          </p:cNvPr>
+          <p:cNvPr id="3" name="图片 2"/>
           <p:cNvPicPr>
             <a:picLocks noChangeAspect="1"/>
           </p:cNvPicPr>
           <p:nvPr/>
         </p:nvPicPr>
         <p:blipFill>
-          <a:blip r:embed="rId3"/>
+          <a:blip r:embed="rId2"/>
           <a:stretch>
             <a:fillRect/>
           </a:stretch>
@@ -14261,11 +12902,6 @@
         </p:spPr>
       </p:pic>
     </p:spTree>
-    <p:extLst>
-      <p:ext uri="{BB962C8B-B14F-4D97-AF65-F5344CB8AC3E}">
-        <p14:creationId xmlns:p14="http://schemas.microsoft.com/office/powerpoint/2010/main" val="1166399419"/>
-      </p:ext>
-    </p:extLst>
   </p:cSld>
   <p:clrMapOvr>
     <a:masterClrMapping/>
@@ -14292,13 +12928,7 @@
       </p:grpSpPr>
       <p:sp>
         <p:nvSpPr>
-          <p:cNvPr id="2" name="标题 1">
-            <a:extLst>
-              <a:ext uri="{FF2B5EF4-FFF2-40B4-BE49-F238E27FC236}">
-                <a16:creationId xmlns:a16="http://schemas.microsoft.com/office/drawing/2014/main" id="{EE4BDC5D-737E-497F-8B9A-9690A35F8865}"/>
-              </a:ext>
-            </a:extLst>
-          </p:cNvPr>
+          <p:cNvPr id="2" name="标题 1"/>
           <p:cNvSpPr>
             <a:spLocks noGrp="1"/>
           </p:cNvSpPr>
@@ -14331,18 +12961,16 @@
               </a:rPr>
               <a:t>算法</a:t>
             </a:r>
+            <a:endParaRPr lang="zh-CN" altLang="en-US" sz="4000" dirty="0">
+              <a:latin typeface="宋体" panose="02010600030101010101" pitchFamily="2" charset="-122"/>
+              <a:ea typeface="宋体" panose="02010600030101010101" pitchFamily="2" charset="-122"/>
+            </a:endParaRPr>
           </a:p>
         </p:txBody>
       </p:sp>
       <p:sp>
         <p:nvSpPr>
-          <p:cNvPr id="3" name="内容占位符 2">
-            <a:extLst>
-              <a:ext uri="{FF2B5EF4-FFF2-40B4-BE49-F238E27FC236}">
-                <a16:creationId xmlns:a16="http://schemas.microsoft.com/office/drawing/2014/main" id="{7E7F5EB8-2831-4052-9232-95524EE6261A}"/>
-              </a:ext>
-            </a:extLst>
-          </p:cNvPr>
+          <p:cNvPr id="3" name="内容占位符 2"/>
           <p:cNvSpPr>
             <a:spLocks noGrp="1"/>
           </p:cNvSpPr>
@@ -14647,6 +13275,11 @@
               </a:rPr>
               <a:t>2013</a:t>
             </a:r>
+            <a:endParaRPr lang="en-US" altLang="zh-CN" dirty="0">
+              <a:latin typeface="Times New Roman" panose="02020603050405020304" pitchFamily="18" charset="0"/>
+              <a:ea typeface="宋体" panose="02010600030101010101" pitchFamily="2" charset="-122"/>
+              <a:cs typeface="Times New Roman" panose="02020603050405020304" pitchFamily="18" charset="0"/>
+            </a:endParaRPr>
           </a:p>
           <a:p>
             <a:pPr marL="0" indent="0">
@@ -14678,25 +13311,24 @@
               </a:rPr>
               <a:t>所示。</a:t>
             </a:r>
+            <a:endParaRPr lang="zh-CN" altLang="en-US" dirty="0">
+              <a:latin typeface="Times New Roman" panose="02020603050405020304" pitchFamily="18" charset="0"/>
+              <a:ea typeface="宋体" panose="02010600030101010101" pitchFamily="2" charset="-122"/>
+              <a:cs typeface="Times New Roman" panose="02020603050405020304" pitchFamily="18" charset="0"/>
+            </a:endParaRPr>
           </a:p>
         </p:txBody>
       </p:sp>
       <p:pic>
         <p:nvPicPr>
-          <p:cNvPr id="4" name="图片 3">
-            <a:extLst>
-              <a:ext uri="{FF2B5EF4-FFF2-40B4-BE49-F238E27FC236}">
-                <a16:creationId xmlns:a16="http://schemas.microsoft.com/office/drawing/2014/main" id="{B927C01B-48B1-4CEC-BE84-407D3C77E145}"/>
-              </a:ext>
-            </a:extLst>
-          </p:cNvPr>
+          <p:cNvPr id="4" name="图片 3"/>
           <p:cNvPicPr>
             <a:picLocks noChangeAspect="1"/>
           </p:cNvPicPr>
           <p:nvPr/>
         </p:nvPicPr>
         <p:blipFill>
-          <a:blip r:embed="rId2"/>
+          <a:blip r:embed="rId1"/>
           <a:stretch>
             <a:fillRect/>
           </a:stretch>
@@ -14712,11 +13344,6 @@
         </p:spPr>
       </p:pic>
     </p:spTree>
-    <p:extLst>
-      <p:ext uri="{BB962C8B-B14F-4D97-AF65-F5344CB8AC3E}">
-        <p14:creationId xmlns:p14="http://schemas.microsoft.com/office/powerpoint/2010/main" val="3145535976"/>
-      </p:ext>
-    </p:extLst>
   </p:cSld>
   <p:clrMapOvr>
     <a:masterClrMapping/>
@@ -14743,13 +13370,7 @@
       </p:grpSpPr>
       <p:sp>
         <p:nvSpPr>
-          <p:cNvPr id="4" name="标题 3">
-            <a:extLst>
-              <a:ext uri="{FF2B5EF4-FFF2-40B4-BE49-F238E27FC236}">
-                <a16:creationId xmlns:a16="http://schemas.microsoft.com/office/drawing/2014/main" id="{3BF88E22-6E0E-4288-B2FD-C2CE547B76E5}"/>
-              </a:ext>
-            </a:extLst>
-          </p:cNvPr>
+          <p:cNvPr id="4" name="标题 3"/>
           <p:cNvSpPr>
             <a:spLocks noGrp="1"/>
           </p:cNvSpPr>
@@ -14792,18 +13413,16 @@
               </a:rPr>
               <a:t>的改进的差分线性攻击框架</a:t>
             </a:r>
+            <a:endParaRPr lang="zh-CN" altLang="en-US" sz="4000" dirty="0">
+              <a:latin typeface="宋体" panose="02010600030101010101" pitchFamily="2" charset="-122"/>
+              <a:ea typeface="宋体" panose="02010600030101010101" pitchFamily="2" charset="-122"/>
+            </a:endParaRPr>
           </a:p>
         </p:txBody>
       </p:sp>
       <p:sp>
         <p:nvSpPr>
-          <p:cNvPr id="5" name="文本占位符 4">
-            <a:extLst>
-              <a:ext uri="{FF2B5EF4-FFF2-40B4-BE49-F238E27FC236}">
-                <a16:creationId xmlns:a16="http://schemas.microsoft.com/office/drawing/2014/main" id="{17F77ABC-D0AA-4729-87A1-21E9DF6AD99F}"/>
-              </a:ext>
-            </a:extLst>
-          </p:cNvPr>
+          <p:cNvPr id="5" name="文本占位符 4"/>
           <p:cNvSpPr>
             <a:spLocks noGrp="1"/>
           </p:cNvSpPr>
@@ -14821,11 +13440,6 @@
         </p:txBody>
       </p:sp>
     </p:spTree>
-    <p:extLst>
-      <p:ext uri="{BB962C8B-B14F-4D97-AF65-F5344CB8AC3E}">
-        <p14:creationId xmlns:p14="http://schemas.microsoft.com/office/powerpoint/2010/main" val="2295586215"/>
-      </p:ext>
-    </p:extLst>
   </p:cSld>
   <p:clrMapOvr>
     <a:masterClrMapping/>
@@ -14852,13 +13466,7 @@
       </p:grpSpPr>
       <p:sp>
         <p:nvSpPr>
-          <p:cNvPr id="7" name="标题 6">
-            <a:extLst>
-              <a:ext uri="{FF2B5EF4-FFF2-40B4-BE49-F238E27FC236}">
-                <a16:creationId xmlns:a16="http://schemas.microsoft.com/office/drawing/2014/main" id="{55254EA4-DAB7-4979-B0CB-E4EF82893006}"/>
-              </a:ext>
-            </a:extLst>
-          </p:cNvPr>
+          <p:cNvPr id="7" name="标题 6"/>
           <p:cNvSpPr>
             <a:spLocks noGrp="1"/>
           </p:cNvSpPr>
@@ -14885,6 +13493,10 @@
               </a:rPr>
               <a:t>改进的差分线性模型</a:t>
             </a:r>
+            <a:endParaRPr lang="zh-CN" altLang="en-US" dirty="0">
+              <a:latin typeface="宋体" panose="02010600030101010101" pitchFamily="2" charset="-122"/>
+              <a:ea typeface="宋体" panose="02010600030101010101" pitchFamily="2" charset="-122"/>
+            </a:endParaRPr>
           </a:p>
         </p:txBody>
       </p:sp>
@@ -14895,7 +13507,7 @@
               <p:cNvPr id="8" name="内容占位符 7">
                 <a:extLst>
                   <a:ext uri="{FF2B5EF4-FFF2-40B4-BE49-F238E27FC236}">
-                    <a16:creationId xmlns:a16="http://schemas.microsoft.com/office/drawing/2014/main" id="{71514A84-1B01-48E6-9D5C-FA19FFA9E999}"/>
+                    <ele attr="{71514A84-1B01-48E6-9D5C-FA19FFA9E999}"/>
                   </a:ext>
                 </a:extLst>
               </p:cNvPr>
@@ -15201,13 +13813,7 @@
         <mc:Fallback>
           <p:sp>
             <p:nvSpPr>
-              <p:cNvPr id="8" name="内容占位符 7">
-                <a:extLst>
-                  <a:ext uri="{FF2B5EF4-FFF2-40B4-BE49-F238E27FC236}">
-                    <a16:creationId xmlns:a16="http://schemas.microsoft.com/office/drawing/2014/main" id="{71514A84-1B01-48E6-9D5C-FA19FFA9E999}"/>
-                  </a:ext>
-                </a:extLst>
-              </p:cNvPr>
+              <p:cNvPr id="8" name="内容占位符 7"/>
               <p:cNvSpPr>
                 <a:spLocks noGrp="1" noRot="1" noChangeAspect="1" noMove="1" noResize="1" noEditPoints="1" noAdjustHandles="1" noChangeArrowheads="1" noChangeShapeType="1" noTextEdit="1"/>
               </p:cNvSpPr>
@@ -15220,8 +13826,8 @@
                 <a:off x="838200" y="1082180"/>
                 <a:ext cx="10515600" cy="5094783"/>
               </a:xfrm>
-              <a:blipFill>
-                <a:blip r:embed="rId2"/>
+              <a:blipFill rotWithShape="1">
+                <a:blip r:embed="rId1"/>
                 <a:stretch>
                   <a:fillRect l="-1217" t="-2515"/>
                 </a:stretch>
@@ -15237,17 +13843,15 @@
                   </a:rPr>
                   <a:t> </a:t>
                 </a:r>
+                <a:endParaRPr lang="zh-CN" altLang="en-US">
+                  <a:noFill/>
+                </a:endParaRPr>
               </a:p>
             </p:txBody>
           </p:sp>
         </mc:Fallback>
       </mc:AlternateContent>
     </p:spTree>
-    <p:extLst>
-      <p:ext uri="{BB962C8B-B14F-4D97-AF65-F5344CB8AC3E}">
-        <p14:creationId xmlns:p14="http://schemas.microsoft.com/office/powerpoint/2010/main" val="1947173481"/>
-      </p:ext>
-    </p:extLst>
   </p:cSld>
   <p:clrMapOvr>
     <a:masterClrMapping/>
@@ -15274,13 +13878,7 @@
       </p:grpSpPr>
       <p:sp>
         <p:nvSpPr>
-          <p:cNvPr id="2" name="标题 1">
-            <a:extLst>
-              <a:ext uri="{FF2B5EF4-FFF2-40B4-BE49-F238E27FC236}">
-                <a16:creationId xmlns:a16="http://schemas.microsoft.com/office/drawing/2014/main" id="{9D7FAB90-07CC-41BE-B11D-1134234F79E1}"/>
-              </a:ext>
-            </a:extLst>
-          </p:cNvPr>
+          <p:cNvPr id="2" name="标题 1"/>
           <p:cNvSpPr>
             <a:spLocks noGrp="1"/>
           </p:cNvSpPr>
@@ -15307,18 +13905,16 @@
               </a:rPr>
               <a:t>产生正确对</a:t>
             </a:r>
+            <a:endParaRPr lang="zh-CN" altLang="en-US" dirty="0">
+              <a:latin typeface="宋体" panose="02010600030101010101" pitchFamily="2" charset="-122"/>
+              <a:ea typeface="宋体" panose="02010600030101010101" pitchFamily="2" charset="-122"/>
+            </a:endParaRPr>
           </a:p>
         </p:txBody>
       </p:sp>
       <p:pic>
         <p:nvPicPr>
-          <p:cNvPr id="16" name="内容占位符 15">
-            <a:extLst>
-              <a:ext uri="{FF2B5EF4-FFF2-40B4-BE49-F238E27FC236}">
-                <a16:creationId xmlns:a16="http://schemas.microsoft.com/office/drawing/2014/main" id="{4EF56FD4-0C5A-4658-AB6E-A33FD8D5F341}"/>
-              </a:ext>
-            </a:extLst>
-          </p:cNvPr>
+          <p:cNvPr id="16" name="内容占位符 15"/>
           <p:cNvPicPr>
             <a:picLocks noGrp="1" noChangeAspect="1"/>
           </p:cNvPicPr>
@@ -15327,7 +13923,7 @@
           </p:nvPr>
         </p:nvPicPr>
         <p:blipFill>
-          <a:blip r:embed="rId2"/>
+          <a:blip r:embed="rId1"/>
           <a:stretch>
             <a:fillRect/>
           </a:stretch>
@@ -15349,7 +13945,7 @@
               <p:cNvPr id="11" name="文本占位符 10">
                 <a:extLst>
                   <a:ext uri="{FF2B5EF4-FFF2-40B4-BE49-F238E27FC236}">
-                    <a16:creationId xmlns:a16="http://schemas.microsoft.com/office/drawing/2014/main" id="{2F90DD7B-95DA-4295-907F-4F851C7F62BD}"/>
+                    <ele attr="{2F90DD7B-95DA-4295-907F-4F851C7F62BD}"/>
                   </a:ext>
                 </a:extLst>
               </p:cNvPr>
@@ -16102,13 +14698,7 @@
         <mc:Fallback>
           <p:sp>
             <p:nvSpPr>
-              <p:cNvPr id="11" name="文本占位符 10">
-                <a:extLst>
-                  <a:ext uri="{FF2B5EF4-FFF2-40B4-BE49-F238E27FC236}">
-                    <a16:creationId xmlns:a16="http://schemas.microsoft.com/office/drawing/2014/main" id="{2F90DD7B-95DA-4295-907F-4F851C7F62BD}"/>
-                  </a:ext>
-                </a:extLst>
-              </p:cNvPr>
+              <p:cNvPr id="11" name="文本占位符 10"/>
               <p:cNvSpPr>
                 <a:spLocks noGrp="1" noRot="1" noChangeAspect="1" noMove="1" noResize="1" noEditPoints="1" noAdjustHandles="1" noChangeArrowheads="1" noChangeShapeType="1" noTextEdit="1"/>
               </p:cNvSpPr>
@@ -16121,8 +14711,8 @@
                 <a:off x="839787" y="864297"/>
                 <a:ext cx="6300049" cy="5004692"/>
               </a:xfrm>
-              <a:blipFill>
-                <a:blip r:embed="rId3"/>
+              <a:blipFill rotWithShape="1">
+                <a:blip r:embed="rId2"/>
                 <a:stretch>
                   <a:fillRect l="-1742" t="-2071"/>
                 </a:stretch>
@@ -16138,17 +14728,15 @@
                   </a:rPr>
                   <a:t> </a:t>
                 </a:r>
+                <a:endParaRPr lang="zh-CN" altLang="en-US">
+                  <a:noFill/>
+                </a:endParaRPr>
               </a:p>
             </p:txBody>
           </p:sp>
         </mc:Fallback>
       </mc:AlternateContent>
     </p:spTree>
-    <p:extLst>
-      <p:ext uri="{BB962C8B-B14F-4D97-AF65-F5344CB8AC3E}">
-        <p14:creationId xmlns:p14="http://schemas.microsoft.com/office/powerpoint/2010/main" val="2475519344"/>
-      </p:ext>
-    </p:extLst>
   </p:cSld>
   <p:clrMapOvr>
     <a:masterClrMapping/>
@@ -16199,7 +14787,7 @@
     </a:clrScheme>
     <a:fontScheme name="Office">
       <a:majorFont>
-        <a:latin typeface="等线 Light" panose="020F0302020204030204"/>
+        <a:latin typeface="等线 Light"/>
         <a:ea typeface=""/>
         <a:cs typeface=""/>
         <a:font script="Jpan" typeface="游ゴシック Light"/>
@@ -16232,26 +14820,9 @@
         <a:font script="Viet" typeface="Times New Roman"/>
         <a:font script="Uigh" typeface="Microsoft Uighur"/>
         <a:font script="Geor" typeface="Sylfaen"/>
-        <a:font script="Armn" typeface="Arial"/>
-        <a:font script="Bugi" typeface="Leelawadee UI"/>
-        <a:font script="Bopo" typeface="Microsoft JhengHei"/>
-        <a:font script="Java" typeface="Javanese Text"/>
-        <a:font script="Lisu" typeface="Segoe UI"/>
-        <a:font script="Mymr" typeface="Myanmar Text"/>
-        <a:font script="Nkoo" typeface="Ebrima"/>
-        <a:font script="Olck" typeface="Nirmala UI"/>
-        <a:font script="Osma" typeface="Ebrima"/>
-        <a:font script="Phag" typeface="Phagspa"/>
-        <a:font script="Syrn" typeface="Estrangelo Edessa"/>
-        <a:font script="Syrj" typeface="Estrangelo Edessa"/>
-        <a:font script="Syre" typeface="Estrangelo Edessa"/>
-        <a:font script="Sora" typeface="Nirmala UI"/>
-        <a:font script="Tale" typeface="Microsoft Tai Le"/>
-        <a:font script="Talu" typeface="Microsoft New Tai Lue"/>
-        <a:font script="Tfng" typeface="Ebrima"/>
       </a:majorFont>
       <a:minorFont>
-        <a:latin typeface="等线" panose="020F0502020204030204"/>
+        <a:latin typeface="等线"/>
         <a:ea typeface=""/>
         <a:cs typeface=""/>
         <a:font script="Jpan" typeface="游ゴシック"/>
@@ -16284,23 +14855,6 @@
         <a:font script="Viet" typeface="Arial"/>
         <a:font script="Uigh" typeface="Microsoft Uighur"/>
         <a:font script="Geor" typeface="Sylfaen"/>
-        <a:font script="Armn" typeface="Arial"/>
-        <a:font script="Bugi" typeface="Leelawadee UI"/>
-        <a:font script="Bopo" typeface="Microsoft JhengHei"/>
-        <a:font script="Java" typeface="Javanese Text"/>
-        <a:font script="Lisu" typeface="Segoe UI"/>
-        <a:font script="Mymr" typeface="Myanmar Text"/>
-        <a:font script="Nkoo" typeface="Ebrima"/>
-        <a:font script="Olck" typeface="Nirmala UI"/>
-        <a:font script="Osma" typeface="Ebrima"/>
-        <a:font script="Phag" typeface="Phagspa"/>
-        <a:font script="Syrn" typeface="Estrangelo Edessa"/>
-        <a:font script="Syrj" typeface="Estrangelo Edessa"/>
-        <a:font script="Syre" typeface="Estrangelo Edessa"/>
-        <a:font script="Sora" typeface="Nirmala UI"/>
-        <a:font script="Tale" typeface="Microsoft Tai Le"/>
-        <a:font script="Talu" typeface="Microsoft New Tai Lue"/>
-        <a:font script="Tfng" typeface="Ebrima"/>
       </a:minorFont>
     </a:fontScheme>
     <a:fmtScheme name="Office">
@@ -16441,8 +14995,6 @@
       </a:bgFillStyleLst>
     </a:fmtScheme>
   </a:themeElements>
-  <a:objectDefaults/>
-  <a:extraClrSchemeLst/>
   <a:extLst>
     <a:ext uri="{05A4C25C-085E-4340-85A3-A5531E510DB2}">
       <thm15:themeFamily xmlns:thm15="http://schemas.microsoft.com/office/thememl/2012/main" name="Office Theme" id="{62F939B6-93AF-4DB8-9C6B-D6C7DFDC589F}" vid="{4A3C46E8-61CC-4603-A589-7422A47A8E4A}"/>
@@ -16494,7 +15046,7 @@
     </a:clrScheme>
     <a:fontScheme name="Office">
       <a:majorFont>
-        <a:latin typeface="等线 Light" panose="020F0302020204030204"/>
+        <a:latin typeface="等线 Light"/>
         <a:ea typeface=""/>
         <a:cs typeface=""/>
         <a:font script="Jpan" typeface="游ゴシック Light"/>
@@ -16527,26 +15079,9 @@
         <a:font script="Viet" typeface="Times New Roman"/>
         <a:font script="Uigh" typeface="Microsoft Uighur"/>
         <a:font script="Geor" typeface="Sylfaen"/>
-        <a:font script="Armn" typeface="Arial"/>
-        <a:font script="Bugi" typeface="Leelawadee UI"/>
-        <a:font script="Bopo" typeface="Microsoft JhengHei"/>
-        <a:font script="Java" typeface="Javanese Text"/>
-        <a:font script="Lisu" typeface="Segoe UI"/>
-        <a:font script="Mymr" typeface="Myanmar Text"/>
-        <a:font script="Nkoo" typeface="Ebrima"/>
-        <a:font script="Olck" typeface="Nirmala UI"/>
-        <a:font script="Osma" typeface="Ebrima"/>
-        <a:font script="Phag" typeface="Phagspa"/>
-        <a:font script="Syrn" typeface="Estrangelo Edessa"/>
-        <a:font script="Syrj" typeface="Estrangelo Edessa"/>
-        <a:font script="Syre" typeface="Estrangelo Edessa"/>
-        <a:font script="Sora" typeface="Nirmala UI"/>
-        <a:font script="Tale" typeface="Microsoft Tai Le"/>
-        <a:font script="Talu" typeface="Microsoft New Tai Lue"/>
-        <a:font script="Tfng" typeface="Ebrima"/>
       </a:majorFont>
       <a:minorFont>
-        <a:latin typeface="等线" panose="020F0502020204030204"/>
+        <a:latin typeface="等线"/>
         <a:ea typeface=""/>
         <a:cs typeface=""/>
         <a:font script="Jpan" typeface="游ゴシック"/>
@@ -16579,23 +15114,6 @@
         <a:font script="Viet" typeface="Arial"/>
         <a:font script="Uigh" typeface="Microsoft Uighur"/>
         <a:font script="Geor" typeface="Sylfaen"/>
-        <a:font script="Armn" typeface="Arial"/>
-        <a:font script="Bugi" typeface="Leelawadee UI"/>
-        <a:font script="Bopo" typeface="Microsoft JhengHei"/>
-        <a:font script="Java" typeface="Javanese Text"/>
-        <a:font script="Lisu" typeface="Segoe UI"/>
-        <a:font script="Mymr" typeface="Myanmar Text"/>
-        <a:font script="Nkoo" typeface="Ebrima"/>
-        <a:font script="Olck" typeface="Nirmala UI"/>
-        <a:font script="Osma" typeface="Ebrima"/>
-        <a:font script="Phag" typeface="Phagspa"/>
-        <a:font script="Syrn" typeface="Estrangelo Edessa"/>
-        <a:font script="Syrj" typeface="Estrangelo Edessa"/>
-        <a:font script="Syre" typeface="Estrangelo Edessa"/>
-        <a:font script="Sora" typeface="Nirmala UI"/>
-        <a:font script="Tale" typeface="Microsoft Tai Le"/>
-        <a:font script="Talu" typeface="Microsoft New Tai Lue"/>
-        <a:font script="Tfng" typeface="Ebrima"/>
       </a:minorFont>
     </a:fontScheme>
     <a:fmtScheme name="Office">
@@ -16736,8 +15254,6 @@
       </a:bgFillStyleLst>
     </a:fmtScheme>
   </a:themeElements>
-  <a:objectDefaults/>
-  <a:extraClrSchemeLst/>
   <a:extLst>
     <a:ext uri="{05A4C25C-085E-4340-85A3-A5531E510DB2}">
       <thm15:themeFamily xmlns:thm15="http://schemas.microsoft.com/office/thememl/2012/main" name="Office Theme" id="{62F939B6-93AF-4DB8-9C6B-D6C7DFDC589F}" vid="{4A3C46E8-61CC-4603-A589-7422A47A8E4A}"/>
